--- a/Guía para editar la web del grupo.pptx
+++ b/Guía para editar la web del grupo.pptx
@@ -11,32 +11,30 @@
     <p:sldId id="263" r:id="rId5"/>
     <p:sldId id="260" r:id="rId6"/>
     <p:sldId id="261" r:id="rId7"/>
-    <p:sldId id="262" r:id="rId8"/>
-    <p:sldId id="264" r:id="rId9"/>
-    <p:sldId id="272" r:id="rId10"/>
-    <p:sldId id="265" r:id="rId11"/>
-    <p:sldId id="266" r:id="rId12"/>
-    <p:sldId id="267" r:id="rId13"/>
-    <p:sldId id="268" r:id="rId14"/>
-    <p:sldId id="269" r:id="rId15"/>
-    <p:sldId id="271" r:id="rId16"/>
-    <p:sldId id="270" r:id="rId17"/>
-    <p:sldId id="273" r:id="rId18"/>
-    <p:sldId id="274" r:id="rId19"/>
-    <p:sldId id="275" r:id="rId20"/>
-    <p:sldId id="276" r:id="rId21"/>
-    <p:sldId id="277" r:id="rId22"/>
-    <p:sldId id="278" r:id="rId23"/>
-    <p:sldId id="279" r:id="rId24"/>
-    <p:sldId id="280" r:id="rId25"/>
-    <p:sldId id="281" r:id="rId26"/>
-    <p:sldId id="282" r:id="rId27"/>
-    <p:sldId id="283" r:id="rId28"/>
-    <p:sldId id="288" r:id="rId29"/>
-    <p:sldId id="285" r:id="rId30"/>
-    <p:sldId id="284" r:id="rId31"/>
-    <p:sldId id="287" r:id="rId32"/>
-    <p:sldId id="286" r:id="rId33"/>
+    <p:sldId id="289" r:id="rId8"/>
+    <p:sldId id="262" r:id="rId9"/>
+    <p:sldId id="264" r:id="rId10"/>
+    <p:sldId id="272" r:id="rId11"/>
+    <p:sldId id="265" r:id="rId12"/>
+    <p:sldId id="266" r:id="rId13"/>
+    <p:sldId id="267" r:id="rId14"/>
+    <p:sldId id="268" r:id="rId15"/>
+    <p:sldId id="269" r:id="rId16"/>
+    <p:sldId id="271" r:id="rId17"/>
+    <p:sldId id="270" r:id="rId18"/>
+    <p:sldId id="273" r:id="rId19"/>
+    <p:sldId id="274" r:id="rId20"/>
+    <p:sldId id="275" r:id="rId21"/>
+    <p:sldId id="276" r:id="rId22"/>
+    <p:sldId id="277" r:id="rId23"/>
+    <p:sldId id="278" r:id="rId24"/>
+    <p:sldId id="279" r:id="rId25"/>
+    <p:sldId id="280" r:id="rId26"/>
+    <p:sldId id="290" r:id="rId27"/>
+    <p:sldId id="285" r:id="rId28"/>
+    <p:sldId id="284" r:id="rId29"/>
+    <p:sldId id="287" r:id="rId30"/>
+    <p:sldId id="286" r:id="rId31"/>
   </p:sldIdLst>
   <p:sldSz cx="12192000" cy="6858000"/>
   <p:notesSz cx="6858000" cy="9144000"/>
@@ -290,7 +288,7 @@
           <a:p>
             <a:fld id="{30DC2E99-59A2-4B8E-991A-4A1F11C3F2F1}" type="datetimeFigureOut">
               <a:rPr lang="es-ES" smtClean="0"/>
-              <a:t>29/10/2025</a:t>
+              <a:t>11/11/2025</a:t>
             </a:fld>
             <a:endParaRPr lang="es-ES"/>
           </a:p>
@@ -488,7 +486,7 @@
           <a:p>
             <a:fld id="{30DC2E99-59A2-4B8E-991A-4A1F11C3F2F1}" type="datetimeFigureOut">
               <a:rPr lang="es-ES" smtClean="0"/>
-              <a:t>29/10/2025</a:t>
+              <a:t>11/11/2025</a:t>
             </a:fld>
             <a:endParaRPr lang="es-ES"/>
           </a:p>
@@ -696,7 +694,7 @@
           <a:p>
             <a:fld id="{30DC2E99-59A2-4B8E-991A-4A1F11C3F2F1}" type="datetimeFigureOut">
               <a:rPr lang="es-ES" smtClean="0"/>
-              <a:t>29/10/2025</a:t>
+              <a:t>11/11/2025</a:t>
             </a:fld>
             <a:endParaRPr lang="es-ES"/>
           </a:p>
@@ -894,7 +892,7 @@
           <a:p>
             <a:fld id="{30DC2E99-59A2-4B8E-991A-4A1F11C3F2F1}" type="datetimeFigureOut">
               <a:rPr lang="es-ES" smtClean="0"/>
-              <a:t>29/10/2025</a:t>
+              <a:t>11/11/2025</a:t>
             </a:fld>
             <a:endParaRPr lang="es-ES"/>
           </a:p>
@@ -1169,7 +1167,7 @@
           <a:p>
             <a:fld id="{30DC2E99-59A2-4B8E-991A-4A1F11C3F2F1}" type="datetimeFigureOut">
               <a:rPr lang="es-ES" smtClean="0"/>
-              <a:t>29/10/2025</a:t>
+              <a:t>11/11/2025</a:t>
             </a:fld>
             <a:endParaRPr lang="es-ES"/>
           </a:p>
@@ -1434,7 +1432,7 @@
           <a:p>
             <a:fld id="{30DC2E99-59A2-4B8E-991A-4A1F11C3F2F1}" type="datetimeFigureOut">
               <a:rPr lang="es-ES" smtClean="0"/>
-              <a:t>29/10/2025</a:t>
+              <a:t>11/11/2025</a:t>
             </a:fld>
             <a:endParaRPr lang="es-ES"/>
           </a:p>
@@ -1846,7 +1844,7 @@
           <a:p>
             <a:fld id="{30DC2E99-59A2-4B8E-991A-4A1F11C3F2F1}" type="datetimeFigureOut">
               <a:rPr lang="es-ES" smtClean="0"/>
-              <a:t>29/10/2025</a:t>
+              <a:t>11/11/2025</a:t>
             </a:fld>
             <a:endParaRPr lang="es-ES"/>
           </a:p>
@@ -1987,7 +1985,7 @@
           <a:p>
             <a:fld id="{30DC2E99-59A2-4B8E-991A-4A1F11C3F2F1}" type="datetimeFigureOut">
               <a:rPr lang="es-ES" smtClean="0"/>
-              <a:t>29/10/2025</a:t>
+              <a:t>11/11/2025</a:t>
             </a:fld>
             <a:endParaRPr lang="es-ES"/>
           </a:p>
@@ -2100,7 +2098,7 @@
           <a:p>
             <a:fld id="{30DC2E99-59A2-4B8E-991A-4A1F11C3F2F1}" type="datetimeFigureOut">
               <a:rPr lang="es-ES" smtClean="0"/>
-              <a:t>29/10/2025</a:t>
+              <a:t>11/11/2025</a:t>
             </a:fld>
             <a:endParaRPr lang="es-ES"/>
           </a:p>
@@ -2411,7 +2409,7 @@
           <a:p>
             <a:fld id="{30DC2E99-59A2-4B8E-991A-4A1F11C3F2F1}" type="datetimeFigureOut">
               <a:rPr lang="es-ES" smtClean="0"/>
-              <a:t>29/10/2025</a:t>
+              <a:t>11/11/2025</a:t>
             </a:fld>
             <a:endParaRPr lang="es-ES"/>
           </a:p>
@@ -2699,7 +2697,7 @@
           <a:p>
             <a:fld id="{30DC2E99-59A2-4B8E-991A-4A1F11C3F2F1}" type="datetimeFigureOut">
               <a:rPr lang="es-ES" smtClean="0"/>
-              <a:t>29/10/2025</a:t>
+              <a:t>11/11/2025</a:t>
             </a:fld>
             <a:endParaRPr lang="es-ES"/>
           </a:p>
@@ -2940,7 +2938,7 @@
           <a:p>
             <a:fld id="{30DC2E99-59A2-4B8E-991A-4A1F11C3F2F1}" type="datetimeFigureOut">
               <a:rPr lang="es-ES" smtClean="0"/>
-              <a:t>29/10/2025</a:t>
+              <a:t>11/11/2025</a:t>
             </a:fld>
             <a:endParaRPr lang="es-ES"/>
           </a:p>
@@ -3453,6 +3451,444 @@
           <a:chExt cx="0" cy="0"/>
         </a:xfrm>
       </p:grpSpPr>
+      <p:pic>
+        <p:nvPicPr>
+          <p:cNvPr id="5" name="Imagen 4">
+            <a:extLst>
+              <a:ext uri="{FF2B5EF4-FFF2-40B4-BE49-F238E27FC236}">
+                <a16:creationId xmlns:a16="http://schemas.microsoft.com/office/drawing/2014/main" id="{C58A5718-C19F-D109-3A96-495B4ED3238B}"/>
+              </a:ext>
+            </a:extLst>
+          </p:cNvPr>
+          <p:cNvPicPr>
+            <a:picLocks noChangeAspect="1"/>
+          </p:cNvPicPr>
+          <p:nvPr/>
+        </p:nvPicPr>
+        <p:blipFill>
+          <a:blip r:embed="rId2"/>
+          <a:stretch>
+            <a:fillRect/>
+          </a:stretch>
+        </p:blipFill>
+        <p:spPr>
+          <a:xfrm>
+            <a:off x="740612" y="3583681"/>
+            <a:ext cx="5552034" cy="3158797"/>
+          </a:xfrm>
+          <a:prstGeom prst="rect">
+            <a:avLst/>
+          </a:prstGeom>
+        </p:spPr>
+      </p:pic>
+      <p:sp>
+        <p:nvSpPr>
+          <p:cNvPr id="2" name="Título 1">
+            <a:extLst>
+              <a:ext uri="{FF2B5EF4-FFF2-40B4-BE49-F238E27FC236}">
+                <a16:creationId xmlns:a16="http://schemas.microsoft.com/office/drawing/2014/main" id="{0E03EE7D-86D0-4E1E-FF27-D8259C2C8E8F}"/>
+              </a:ext>
+            </a:extLst>
+          </p:cNvPr>
+          <p:cNvSpPr>
+            <a:spLocks noGrp="1"/>
+          </p:cNvSpPr>
+          <p:nvPr>
+            <p:ph type="title"/>
+          </p:nvPr>
+        </p:nvSpPr>
+        <p:spPr/>
+        <p:txBody>
+          <a:bodyPr/>
+          <a:lstStyle/>
+          <a:p>
+            <a:r>
+              <a:rPr lang="es-ES" dirty="0"/>
+              <a:t>Actualizar los archivos</a:t>
+            </a:r>
+          </a:p>
+        </p:txBody>
+      </p:sp>
+      <p:sp>
+        <p:nvSpPr>
+          <p:cNvPr id="3" name="Marcador de contenido 2">
+            <a:extLst>
+              <a:ext uri="{FF2B5EF4-FFF2-40B4-BE49-F238E27FC236}">
+                <a16:creationId xmlns:a16="http://schemas.microsoft.com/office/drawing/2014/main" id="{F3EF5D90-4F67-2EB5-E877-88F602F556C4}"/>
+              </a:ext>
+            </a:extLst>
+          </p:cNvPr>
+          <p:cNvSpPr>
+            <a:spLocks noGrp="1"/>
+          </p:cNvSpPr>
+          <p:nvPr>
+            <p:ph idx="1"/>
+          </p:nvPr>
+        </p:nvSpPr>
+        <p:spPr>
+          <a:xfrm>
+            <a:off x="838200" y="1726539"/>
+            <a:ext cx="10515600" cy="1573162"/>
+          </a:xfrm>
+        </p:spPr>
+        <p:txBody>
+          <a:bodyPr>
+            <a:normAutofit fontScale="92500" lnSpcReduction="10000"/>
+          </a:bodyPr>
+          <a:lstStyle/>
+          <a:p>
+            <a:r>
+              <a:rPr lang="es-ES" dirty="0"/>
+              <a:t>Si ya tienes la carpeta Imagine-Web descargada en tu ordenador, deberás actualizarla a la versión más reciente (si no, hay </a:t>
+            </a:r>
+            <a:r>
+              <a:rPr lang="es-ES" dirty="0" err="1"/>
+              <a:t>lios</a:t>
+            </a:r>
+            <a:r>
+              <a:rPr lang="es-ES" dirty="0"/>
+              <a:t>)</a:t>
+            </a:r>
+          </a:p>
+          <a:p>
+            <a:r>
+              <a:rPr lang="es-ES" dirty="0"/>
+              <a:t>Abres la carpeta en cuestión </a:t>
+            </a:r>
+            <a:r>
+              <a:rPr lang="es-ES" dirty="0">
+                <a:sym typeface="Wingdings" panose="05000000000000000000" pitchFamily="2" charset="2"/>
+              </a:rPr>
+              <a:t> </a:t>
+            </a:r>
+            <a:r>
+              <a:rPr lang="es-ES" dirty="0" err="1">
+                <a:sym typeface="Wingdings" panose="05000000000000000000" pitchFamily="2" charset="2"/>
+              </a:rPr>
+              <a:t>Click</a:t>
+            </a:r>
+            <a:r>
+              <a:rPr lang="es-ES" dirty="0">
+                <a:sym typeface="Wingdings" panose="05000000000000000000" pitchFamily="2" charset="2"/>
+              </a:rPr>
+              <a:t> dcho. Sobre algo vacío dentro de la carpeta </a:t>
+            </a:r>
+            <a:r>
+              <a:rPr lang="es-ES" dirty="0">
+                <a:latin typeface="Consolas" panose="020B0609020204030204" pitchFamily="49" charset="0"/>
+                <a:sym typeface="Wingdings" panose="05000000000000000000" pitchFamily="2" charset="2"/>
+              </a:rPr>
+              <a:t>Open Git </a:t>
+            </a:r>
+            <a:r>
+              <a:rPr lang="es-ES" dirty="0" err="1">
+                <a:latin typeface="Consolas" panose="020B0609020204030204" pitchFamily="49" charset="0"/>
+                <a:sym typeface="Wingdings" panose="05000000000000000000" pitchFamily="2" charset="2"/>
+              </a:rPr>
+              <a:t>Bash</a:t>
+            </a:r>
+            <a:endParaRPr lang="es-ES" dirty="0">
+              <a:latin typeface="Consolas" panose="020B0609020204030204" pitchFamily="49" charset="0"/>
+              <a:sym typeface="Wingdings" panose="05000000000000000000" pitchFamily="2" charset="2"/>
+            </a:endParaRPr>
+          </a:p>
+          <a:p>
+            <a:endParaRPr lang="es-ES" dirty="0"/>
+          </a:p>
+        </p:txBody>
+      </p:sp>
+      <p:cxnSp>
+        <p:nvCxnSpPr>
+          <p:cNvPr id="9" name="Conector recto de flecha 8">
+            <a:extLst>
+              <a:ext uri="{FF2B5EF4-FFF2-40B4-BE49-F238E27FC236}">
+                <a16:creationId xmlns:a16="http://schemas.microsoft.com/office/drawing/2014/main" id="{9EC2DDC6-D1EC-AE24-98C7-B92D23E9ED13}"/>
+              </a:ext>
+            </a:extLst>
+          </p:cNvPr>
+          <p:cNvCxnSpPr>
+            <a:cxnSpLocks/>
+          </p:cNvCxnSpPr>
+          <p:nvPr/>
+        </p:nvCxnSpPr>
+        <p:spPr>
+          <a:xfrm flipH="1">
+            <a:off x="4955458" y="3126658"/>
+            <a:ext cx="540774" cy="3158797"/>
+          </a:xfrm>
+          <a:prstGeom prst="straightConnector1">
+            <a:avLst/>
+          </a:prstGeom>
+          <a:ln>
+            <a:tailEnd type="triangle"/>
+          </a:ln>
+        </p:spPr>
+        <p:style>
+          <a:lnRef idx="3">
+            <a:schemeClr val="accent2"/>
+          </a:lnRef>
+          <a:fillRef idx="0">
+            <a:schemeClr val="accent2"/>
+          </a:fillRef>
+          <a:effectRef idx="2">
+            <a:schemeClr val="accent2"/>
+          </a:effectRef>
+          <a:fontRef idx="minor">
+            <a:schemeClr val="tx1"/>
+          </a:fontRef>
+        </p:style>
+      </p:cxnSp>
+      <p:pic>
+        <p:nvPicPr>
+          <p:cNvPr id="11" name="Imagen 10">
+            <a:extLst>
+              <a:ext uri="{FF2B5EF4-FFF2-40B4-BE49-F238E27FC236}">
+                <a16:creationId xmlns:a16="http://schemas.microsoft.com/office/drawing/2014/main" id="{667E99DC-6D47-8728-518E-387E40DAA709}"/>
+              </a:ext>
+            </a:extLst>
+          </p:cNvPr>
+          <p:cNvPicPr>
+            <a:picLocks noChangeAspect="1"/>
+          </p:cNvPicPr>
+          <p:nvPr/>
+        </p:nvPicPr>
+        <p:blipFill>
+          <a:blip r:embed="rId3"/>
+          <a:srcRect r="18356" b="55022"/>
+          <a:stretch>
+            <a:fillRect/>
+          </a:stretch>
+        </p:blipFill>
+        <p:spPr>
+          <a:xfrm>
+            <a:off x="7906238" y="3928695"/>
+            <a:ext cx="3816948" cy="1264509"/>
+          </a:xfrm>
+          <a:prstGeom prst="rect">
+            <a:avLst/>
+          </a:prstGeom>
+        </p:spPr>
+      </p:pic>
+      <p:sp>
+        <p:nvSpPr>
+          <p:cNvPr id="12" name="CuadroTexto 11">
+            <a:extLst>
+              <a:ext uri="{FF2B5EF4-FFF2-40B4-BE49-F238E27FC236}">
+                <a16:creationId xmlns:a16="http://schemas.microsoft.com/office/drawing/2014/main" id="{FC6E0946-0E10-0FDE-2B78-F6F49F6373E3}"/>
+              </a:ext>
+            </a:extLst>
+          </p:cNvPr>
+          <p:cNvSpPr txBox="1"/>
+          <p:nvPr/>
+        </p:nvSpPr>
+        <p:spPr>
+          <a:xfrm>
+            <a:off x="7128387" y="3285193"/>
+            <a:ext cx="3578942" cy="523220"/>
+          </a:xfrm>
+          <a:prstGeom prst="rect">
+            <a:avLst/>
+          </a:prstGeom>
+          <a:noFill/>
+        </p:spPr>
+        <p:txBody>
+          <a:bodyPr wrap="square" rtlCol="0">
+            <a:spAutoFit/>
+          </a:bodyPr>
+          <a:lstStyle/>
+          <a:p>
+            <a:pPr marL="285750" indent="-285750">
+              <a:buFont typeface="Arial" panose="020B0604020202020204" pitchFamily="34" charset="0"/>
+              <a:buChar char="•"/>
+            </a:pPr>
+            <a:r>
+              <a:rPr lang="es-ES" sz="2800" dirty="0"/>
+              <a:t>Ejecutas </a:t>
+            </a:r>
+            <a:r>
+              <a:rPr lang="es-ES" sz="2800" dirty="0">
+                <a:latin typeface="Consolas" panose="020B0609020204030204" pitchFamily="49" charset="0"/>
+              </a:rPr>
+              <a:t>git </a:t>
+            </a:r>
+            <a:r>
+              <a:rPr lang="es-ES" sz="2800" dirty="0" err="1">
+                <a:latin typeface="Consolas" panose="020B0609020204030204" pitchFamily="49" charset="0"/>
+              </a:rPr>
+              <a:t>pull</a:t>
+            </a:r>
+            <a:endParaRPr lang="es-ES" sz="2800" dirty="0">
+              <a:latin typeface="Consolas" panose="020B0609020204030204" pitchFamily="49" charset="0"/>
+            </a:endParaRPr>
+          </a:p>
+        </p:txBody>
+      </p:sp>
+      <p:cxnSp>
+        <p:nvCxnSpPr>
+          <p:cNvPr id="14" name="Conector recto de flecha 13">
+            <a:extLst>
+              <a:ext uri="{FF2B5EF4-FFF2-40B4-BE49-F238E27FC236}">
+                <a16:creationId xmlns:a16="http://schemas.microsoft.com/office/drawing/2014/main" id="{9E9FC866-FC56-505A-B525-CAACA1EE9C1D}"/>
+              </a:ext>
+            </a:extLst>
+          </p:cNvPr>
+          <p:cNvCxnSpPr>
+            <a:cxnSpLocks/>
+          </p:cNvCxnSpPr>
+          <p:nvPr/>
+        </p:nvCxnSpPr>
+        <p:spPr>
+          <a:xfrm flipV="1">
+            <a:off x="5496232" y="4709652"/>
+            <a:ext cx="2212258" cy="1543367"/>
+          </a:xfrm>
+          <a:prstGeom prst="straightConnector1">
+            <a:avLst/>
+          </a:prstGeom>
+          <a:ln>
+            <a:tailEnd type="triangle"/>
+          </a:ln>
+        </p:spPr>
+        <p:style>
+          <a:lnRef idx="3">
+            <a:schemeClr val="accent2"/>
+          </a:lnRef>
+          <a:fillRef idx="0">
+            <a:schemeClr val="accent2"/>
+          </a:fillRef>
+          <a:effectRef idx="2">
+            <a:schemeClr val="accent2"/>
+          </a:effectRef>
+          <a:fontRef idx="minor">
+            <a:schemeClr val="tx1"/>
+          </a:fontRef>
+        </p:style>
+      </p:cxnSp>
+      <p:pic>
+        <p:nvPicPr>
+          <p:cNvPr id="17" name="Imagen 16">
+            <a:extLst>
+              <a:ext uri="{FF2B5EF4-FFF2-40B4-BE49-F238E27FC236}">
+                <a16:creationId xmlns:a16="http://schemas.microsoft.com/office/drawing/2014/main" id="{FBCCF7F0-6CDD-32DA-B495-B267FE12B309}"/>
+              </a:ext>
+            </a:extLst>
+          </p:cNvPr>
+          <p:cNvPicPr>
+            <a:picLocks noChangeAspect="1"/>
+          </p:cNvPicPr>
+          <p:nvPr/>
+        </p:nvPicPr>
+        <p:blipFill>
+          <a:blip r:embed="rId4"/>
+          <a:stretch>
+            <a:fillRect/>
+          </a:stretch>
+        </p:blipFill>
+        <p:spPr>
+          <a:xfrm>
+            <a:off x="7617042" y="6060149"/>
+            <a:ext cx="3781953" cy="590632"/>
+          </a:xfrm>
+          <a:prstGeom prst="rect">
+            <a:avLst/>
+          </a:prstGeom>
+        </p:spPr>
+      </p:pic>
+      <p:sp>
+        <p:nvSpPr>
+          <p:cNvPr id="19" name="CuadroTexto 18">
+            <a:extLst>
+              <a:ext uri="{FF2B5EF4-FFF2-40B4-BE49-F238E27FC236}">
+                <a16:creationId xmlns:a16="http://schemas.microsoft.com/office/drawing/2014/main" id="{5F36255F-B9F5-F755-BEE5-15286BC9C280}"/>
+              </a:ext>
+            </a:extLst>
+          </p:cNvPr>
+          <p:cNvSpPr txBox="1"/>
+          <p:nvPr/>
+        </p:nvSpPr>
+        <p:spPr>
+          <a:xfrm>
+            <a:off x="7128387" y="5307613"/>
+            <a:ext cx="4829252" cy="830997"/>
+          </a:xfrm>
+          <a:prstGeom prst="rect">
+            <a:avLst/>
+          </a:prstGeom>
+          <a:noFill/>
+        </p:spPr>
+        <p:txBody>
+          <a:bodyPr wrap="square" rtlCol="0">
+            <a:spAutoFit/>
+          </a:bodyPr>
+          <a:lstStyle/>
+          <a:p>
+            <a:pPr marL="285750" indent="-285750">
+              <a:buFont typeface="Arial" panose="020B0604020202020204" pitchFamily="34" charset="0"/>
+              <a:buChar char="•"/>
+            </a:pPr>
+            <a:r>
+              <a:rPr lang="es-ES" sz="2400" dirty="0"/>
+              <a:t>Si salió todo bien deberá poner </a:t>
+            </a:r>
+          </a:p>
+          <a:p>
+            <a:r>
+              <a:rPr lang="es-ES" sz="2400" dirty="0" err="1">
+                <a:latin typeface="Consolas" panose="020B0609020204030204" pitchFamily="49" charset="0"/>
+              </a:rPr>
+              <a:t>Already</a:t>
+            </a:r>
+            <a:r>
+              <a:rPr lang="es-ES" sz="2400" dirty="0">
+                <a:latin typeface="Consolas" panose="020B0609020204030204" pitchFamily="49" charset="0"/>
+              </a:rPr>
+              <a:t> up </a:t>
+            </a:r>
+            <a:r>
+              <a:rPr lang="es-ES" sz="2400" dirty="0" err="1">
+                <a:latin typeface="Consolas" panose="020B0609020204030204" pitchFamily="49" charset="0"/>
+              </a:rPr>
+              <a:t>to</a:t>
+            </a:r>
+            <a:r>
+              <a:rPr lang="es-ES" sz="2400" dirty="0">
+                <a:latin typeface="Consolas" panose="020B0609020204030204" pitchFamily="49" charset="0"/>
+              </a:rPr>
+              <a:t> date</a:t>
+            </a:r>
+          </a:p>
+        </p:txBody>
+      </p:sp>
+    </p:spTree>
+    <p:extLst>
+      <p:ext uri="{BB962C8B-B14F-4D97-AF65-F5344CB8AC3E}">
+        <p14:creationId xmlns:p14="http://schemas.microsoft.com/office/powerpoint/2010/main" val="3215324944"/>
+      </p:ext>
+    </p:extLst>
+  </p:cSld>
+  <p:clrMapOvr>
+    <a:masterClrMapping/>
+  </p:clrMapOvr>
+</p:sld>
+</file>
+
+<file path=ppt/slides/slide11.xml><?xml version="1.0" encoding="utf-8"?>
+<p:sld xmlns:a="http://schemas.openxmlformats.org/drawingml/2006/main" xmlns:r="http://schemas.openxmlformats.org/officeDocument/2006/relationships" xmlns:p="http://schemas.openxmlformats.org/presentationml/2006/main">
+  <p:cSld>
+    <p:spTree>
+      <p:nvGrpSpPr>
+        <p:cNvPr id="1" name=""/>
+        <p:cNvGrpSpPr/>
+        <p:nvPr/>
+      </p:nvGrpSpPr>
+      <p:grpSpPr>
+        <a:xfrm>
+          <a:off x="0" y="0"/>
+          <a:ext cx="0" cy="0"/>
+          <a:chOff x="0" y="0"/>
+          <a:chExt cx="0" cy="0"/>
+        </a:xfrm>
+      </p:grpSpPr>
       <p:sp>
         <p:nvSpPr>
           <p:cNvPr id="2" name="Título 1">
@@ -3631,7 +4067,7 @@
 </p:sld>
 </file>
 
-<file path=ppt/slides/slide11.xml><?xml version="1.0" encoding="utf-8"?>
+<file path=ppt/slides/slide12.xml><?xml version="1.0" encoding="utf-8"?>
 <p:sld xmlns:a="http://schemas.openxmlformats.org/drawingml/2006/main" xmlns:r="http://schemas.openxmlformats.org/officeDocument/2006/relationships" xmlns:p="http://schemas.openxmlformats.org/presentationml/2006/main">
   <p:cSld>
     <p:spTree>
@@ -3824,7 +4260,7 @@
 </p:sld>
 </file>
 
-<file path=ppt/slides/slide12.xml><?xml version="1.0" encoding="utf-8"?>
+<file path=ppt/slides/slide13.xml><?xml version="1.0" encoding="utf-8"?>
 <p:sld xmlns:a="http://schemas.openxmlformats.org/drawingml/2006/main" xmlns:r="http://schemas.openxmlformats.org/officeDocument/2006/relationships" xmlns:p="http://schemas.openxmlformats.org/presentationml/2006/main">
   <p:cSld>
     <p:spTree>
@@ -4127,7 +4563,7 @@
 </p:sld>
 </file>
 
-<file path=ppt/slides/slide13.xml><?xml version="1.0" encoding="utf-8"?>
+<file path=ppt/slides/slide14.xml><?xml version="1.0" encoding="utf-8"?>
 <p:sld xmlns:a="http://schemas.openxmlformats.org/drawingml/2006/main" xmlns:r="http://schemas.openxmlformats.org/officeDocument/2006/relationships" xmlns:p="http://schemas.openxmlformats.org/presentationml/2006/main">
   <p:cSld>
     <p:spTree>
@@ -4495,7 +4931,7 @@
 </p:sld>
 </file>
 
-<file path=ppt/slides/slide14.xml><?xml version="1.0" encoding="utf-8"?>
+<file path=ppt/slides/slide15.xml><?xml version="1.0" encoding="utf-8"?>
 <p:sld xmlns:a="http://schemas.openxmlformats.org/drawingml/2006/main" xmlns:r="http://schemas.openxmlformats.org/officeDocument/2006/relationships" xmlns:p="http://schemas.openxmlformats.org/presentationml/2006/main">
   <p:cSld>
     <p:spTree>
@@ -4588,7 +5024,7 @@
 </p:sld>
 </file>
 
-<file path=ppt/slides/slide15.xml><?xml version="1.0" encoding="utf-8"?>
+<file path=ppt/slides/slide16.xml><?xml version="1.0" encoding="utf-8"?>
 <p:sld xmlns:a="http://schemas.openxmlformats.org/drawingml/2006/main" xmlns:r="http://schemas.openxmlformats.org/officeDocument/2006/relationships" xmlns:p="http://schemas.openxmlformats.org/presentationml/2006/main">
   <p:cSld>
     <p:spTree>
@@ -4678,166 +5114,6 @@
     <p:extLst>
       <p:ext uri="{BB962C8B-B14F-4D97-AF65-F5344CB8AC3E}">
         <p14:creationId xmlns:p14="http://schemas.microsoft.com/office/powerpoint/2010/main" val="2776128612"/>
-      </p:ext>
-    </p:extLst>
-  </p:cSld>
-  <p:clrMapOvr>
-    <a:masterClrMapping/>
-  </p:clrMapOvr>
-</p:sld>
-</file>
-
-<file path=ppt/slides/slide16.xml><?xml version="1.0" encoding="utf-8"?>
-<p:sld xmlns:a="http://schemas.openxmlformats.org/drawingml/2006/main" xmlns:r="http://schemas.openxmlformats.org/officeDocument/2006/relationships" xmlns:p="http://schemas.openxmlformats.org/presentationml/2006/main">
-  <p:cSld>
-    <p:spTree>
-      <p:nvGrpSpPr>
-        <p:cNvPr id="1" name=""/>
-        <p:cNvGrpSpPr/>
-        <p:nvPr/>
-      </p:nvGrpSpPr>
-      <p:grpSpPr>
-        <a:xfrm>
-          <a:off x="0" y="0"/>
-          <a:ext cx="0" cy="0"/>
-          <a:chOff x="0" y="0"/>
-          <a:chExt cx="0" cy="0"/>
-        </a:xfrm>
-      </p:grpSpPr>
-      <p:sp>
-        <p:nvSpPr>
-          <p:cNvPr id="2" name="Título 1">
-            <a:extLst>
-              <a:ext uri="{FF2B5EF4-FFF2-40B4-BE49-F238E27FC236}">
-                <a16:creationId xmlns:a16="http://schemas.microsoft.com/office/drawing/2014/main" id="{36BFFC75-8177-6A37-8855-50A664F78371}"/>
-              </a:ext>
-            </a:extLst>
-          </p:cNvPr>
-          <p:cNvSpPr>
-            <a:spLocks noGrp="1"/>
-          </p:cNvSpPr>
-          <p:nvPr>
-            <p:ph type="title"/>
-          </p:nvPr>
-        </p:nvSpPr>
-        <p:spPr/>
-        <p:txBody>
-          <a:bodyPr/>
-          <a:lstStyle/>
-          <a:p>
-            <a:r>
-              <a:rPr lang="es-ES" dirty="0"/>
-              <a:t>Editar la web</a:t>
-            </a:r>
-          </a:p>
-        </p:txBody>
-      </p:sp>
-      <p:sp>
-        <p:nvSpPr>
-          <p:cNvPr id="3" name="Marcador de contenido 2">
-            <a:extLst>
-              <a:ext uri="{FF2B5EF4-FFF2-40B4-BE49-F238E27FC236}">
-                <a16:creationId xmlns:a16="http://schemas.microsoft.com/office/drawing/2014/main" id="{0EBD3338-09D6-D995-EF55-4FED0589FB4A}"/>
-              </a:ext>
-            </a:extLst>
-          </p:cNvPr>
-          <p:cNvSpPr>
-            <a:spLocks noGrp="1"/>
-          </p:cNvSpPr>
-          <p:nvPr>
-            <p:ph idx="1"/>
-          </p:nvPr>
-        </p:nvSpPr>
-        <p:spPr/>
-        <p:txBody>
-          <a:bodyPr/>
-          <a:lstStyle/>
-          <a:p>
-            <a:r>
-              <a:rPr lang="es-ES" dirty="0"/>
-              <a:t>Se hace mediante WP estándar:</a:t>
-            </a:r>
-          </a:p>
-          <a:p>
-            <a:pPr lvl="1"/>
-            <a:r>
-              <a:rPr lang="es-ES" dirty="0"/>
-              <a:t>Entradas: Noticias en el Blog</a:t>
-            </a:r>
-          </a:p>
-          <a:p>
-            <a:pPr lvl="1"/>
-            <a:r>
-              <a:rPr lang="es-ES" dirty="0"/>
-              <a:t>Páginas: Las páginas en sí</a:t>
-            </a:r>
-          </a:p>
-        </p:txBody>
-      </p:sp>
-      <p:pic>
-        <p:nvPicPr>
-          <p:cNvPr id="5" name="Imagen 4">
-            <a:extLst>
-              <a:ext uri="{FF2B5EF4-FFF2-40B4-BE49-F238E27FC236}">
-                <a16:creationId xmlns:a16="http://schemas.microsoft.com/office/drawing/2014/main" id="{A5BD9527-CE94-2B78-8BAF-6BBB7C6CC391}"/>
-              </a:ext>
-            </a:extLst>
-          </p:cNvPr>
-          <p:cNvPicPr>
-            <a:picLocks noChangeAspect="1"/>
-          </p:cNvPicPr>
-          <p:nvPr/>
-        </p:nvPicPr>
-        <p:blipFill>
-          <a:blip r:embed="rId2"/>
-          <a:stretch>
-            <a:fillRect/>
-          </a:stretch>
-        </p:blipFill>
-        <p:spPr>
-          <a:xfrm>
-            <a:off x="550606" y="3355642"/>
-            <a:ext cx="6558116" cy="3137233"/>
-          </a:xfrm>
-          <a:prstGeom prst="rect">
-            <a:avLst/>
-          </a:prstGeom>
-        </p:spPr>
-      </p:pic>
-      <p:pic>
-        <p:nvPicPr>
-          <p:cNvPr id="7" name="Imagen 6">
-            <a:extLst>
-              <a:ext uri="{FF2B5EF4-FFF2-40B4-BE49-F238E27FC236}">
-                <a16:creationId xmlns:a16="http://schemas.microsoft.com/office/drawing/2014/main" id="{DFC64359-8E60-05A3-FD52-73F59AC453BD}"/>
-              </a:ext>
-            </a:extLst>
-          </p:cNvPr>
-          <p:cNvPicPr>
-            <a:picLocks noChangeAspect="1"/>
-          </p:cNvPicPr>
-          <p:nvPr/>
-        </p:nvPicPr>
-        <p:blipFill>
-          <a:blip r:embed="rId3"/>
-          <a:stretch>
-            <a:fillRect/>
-          </a:stretch>
-        </p:blipFill>
-        <p:spPr>
-          <a:xfrm>
-            <a:off x="7396316" y="874189"/>
-            <a:ext cx="4591665" cy="4962906"/>
-          </a:xfrm>
-          <a:prstGeom prst="rect">
-            <a:avLst/>
-          </a:prstGeom>
-        </p:spPr>
-      </p:pic>
-    </p:spTree>
-    <p:extLst>
-      <p:ext uri="{BB962C8B-B14F-4D97-AF65-F5344CB8AC3E}">
-        <p14:creationId xmlns:p14="http://schemas.microsoft.com/office/powerpoint/2010/main" val="1594082170"/>
       </p:ext>
     </p:extLst>
   </p:cSld>
@@ -4869,6 +5145,166 @@
           <p:cNvPr id="2" name="Título 1">
             <a:extLst>
               <a:ext uri="{FF2B5EF4-FFF2-40B4-BE49-F238E27FC236}">
+                <a16:creationId xmlns:a16="http://schemas.microsoft.com/office/drawing/2014/main" id="{36BFFC75-8177-6A37-8855-50A664F78371}"/>
+              </a:ext>
+            </a:extLst>
+          </p:cNvPr>
+          <p:cNvSpPr>
+            <a:spLocks noGrp="1"/>
+          </p:cNvSpPr>
+          <p:nvPr>
+            <p:ph type="title"/>
+          </p:nvPr>
+        </p:nvSpPr>
+        <p:spPr/>
+        <p:txBody>
+          <a:bodyPr/>
+          <a:lstStyle/>
+          <a:p>
+            <a:r>
+              <a:rPr lang="es-ES" dirty="0"/>
+              <a:t>Editar la web</a:t>
+            </a:r>
+          </a:p>
+        </p:txBody>
+      </p:sp>
+      <p:sp>
+        <p:nvSpPr>
+          <p:cNvPr id="3" name="Marcador de contenido 2">
+            <a:extLst>
+              <a:ext uri="{FF2B5EF4-FFF2-40B4-BE49-F238E27FC236}">
+                <a16:creationId xmlns:a16="http://schemas.microsoft.com/office/drawing/2014/main" id="{0EBD3338-09D6-D995-EF55-4FED0589FB4A}"/>
+              </a:ext>
+            </a:extLst>
+          </p:cNvPr>
+          <p:cNvSpPr>
+            <a:spLocks noGrp="1"/>
+          </p:cNvSpPr>
+          <p:nvPr>
+            <p:ph idx="1"/>
+          </p:nvPr>
+        </p:nvSpPr>
+        <p:spPr/>
+        <p:txBody>
+          <a:bodyPr/>
+          <a:lstStyle/>
+          <a:p>
+            <a:r>
+              <a:rPr lang="es-ES" dirty="0"/>
+              <a:t>Se hace mediante WP estándar:</a:t>
+            </a:r>
+          </a:p>
+          <a:p>
+            <a:pPr lvl="1"/>
+            <a:r>
+              <a:rPr lang="es-ES" dirty="0"/>
+              <a:t>Entradas: Noticias en el Blog</a:t>
+            </a:r>
+          </a:p>
+          <a:p>
+            <a:pPr lvl="1"/>
+            <a:r>
+              <a:rPr lang="es-ES" dirty="0"/>
+              <a:t>Páginas: Las páginas en sí</a:t>
+            </a:r>
+          </a:p>
+        </p:txBody>
+      </p:sp>
+      <p:pic>
+        <p:nvPicPr>
+          <p:cNvPr id="5" name="Imagen 4">
+            <a:extLst>
+              <a:ext uri="{FF2B5EF4-FFF2-40B4-BE49-F238E27FC236}">
+                <a16:creationId xmlns:a16="http://schemas.microsoft.com/office/drawing/2014/main" id="{A5BD9527-CE94-2B78-8BAF-6BBB7C6CC391}"/>
+              </a:ext>
+            </a:extLst>
+          </p:cNvPr>
+          <p:cNvPicPr>
+            <a:picLocks noChangeAspect="1"/>
+          </p:cNvPicPr>
+          <p:nvPr/>
+        </p:nvPicPr>
+        <p:blipFill>
+          <a:blip r:embed="rId2"/>
+          <a:stretch>
+            <a:fillRect/>
+          </a:stretch>
+        </p:blipFill>
+        <p:spPr>
+          <a:xfrm>
+            <a:off x="550606" y="3355642"/>
+            <a:ext cx="6558116" cy="3137233"/>
+          </a:xfrm>
+          <a:prstGeom prst="rect">
+            <a:avLst/>
+          </a:prstGeom>
+        </p:spPr>
+      </p:pic>
+      <p:pic>
+        <p:nvPicPr>
+          <p:cNvPr id="7" name="Imagen 6">
+            <a:extLst>
+              <a:ext uri="{FF2B5EF4-FFF2-40B4-BE49-F238E27FC236}">
+                <a16:creationId xmlns:a16="http://schemas.microsoft.com/office/drawing/2014/main" id="{DFC64359-8E60-05A3-FD52-73F59AC453BD}"/>
+              </a:ext>
+            </a:extLst>
+          </p:cNvPr>
+          <p:cNvPicPr>
+            <a:picLocks noChangeAspect="1"/>
+          </p:cNvPicPr>
+          <p:nvPr/>
+        </p:nvPicPr>
+        <p:blipFill>
+          <a:blip r:embed="rId3"/>
+          <a:stretch>
+            <a:fillRect/>
+          </a:stretch>
+        </p:blipFill>
+        <p:spPr>
+          <a:xfrm>
+            <a:off x="7396316" y="874189"/>
+            <a:ext cx="4591665" cy="4962906"/>
+          </a:xfrm>
+          <a:prstGeom prst="rect">
+            <a:avLst/>
+          </a:prstGeom>
+        </p:spPr>
+      </p:pic>
+    </p:spTree>
+    <p:extLst>
+      <p:ext uri="{BB962C8B-B14F-4D97-AF65-F5344CB8AC3E}">
+        <p14:creationId xmlns:p14="http://schemas.microsoft.com/office/powerpoint/2010/main" val="1594082170"/>
+      </p:ext>
+    </p:extLst>
+  </p:cSld>
+  <p:clrMapOvr>
+    <a:masterClrMapping/>
+  </p:clrMapOvr>
+</p:sld>
+</file>
+
+<file path=ppt/slides/slide18.xml><?xml version="1.0" encoding="utf-8"?>
+<p:sld xmlns:a="http://schemas.openxmlformats.org/drawingml/2006/main" xmlns:r="http://schemas.openxmlformats.org/officeDocument/2006/relationships" xmlns:p="http://schemas.openxmlformats.org/presentationml/2006/main">
+  <p:cSld>
+    <p:spTree>
+      <p:nvGrpSpPr>
+        <p:cNvPr id="1" name=""/>
+        <p:cNvGrpSpPr/>
+        <p:nvPr/>
+      </p:nvGrpSpPr>
+      <p:grpSpPr>
+        <a:xfrm>
+          <a:off x="0" y="0"/>
+          <a:ext cx="0" cy="0"/>
+          <a:chOff x="0" y="0"/>
+          <a:chExt cx="0" cy="0"/>
+        </a:xfrm>
+      </p:grpSpPr>
+      <p:sp>
+        <p:nvSpPr>
+          <p:cNvPr id="2" name="Título 1">
+            <a:extLst>
+              <a:ext uri="{FF2B5EF4-FFF2-40B4-BE49-F238E27FC236}">
                 <a16:creationId xmlns:a16="http://schemas.microsoft.com/office/drawing/2014/main" id="{276E9AB6-44BC-76EB-75E4-63516D6674C3}"/>
               </a:ext>
             </a:extLst>
@@ -4978,7 +5414,7 @@
 </p:sld>
 </file>
 
-<file path=ppt/slides/slide18.xml><?xml version="1.0" encoding="utf-8"?>
+<file path=ppt/slides/slide19.xml><?xml version="1.0" encoding="utf-8"?>
 <p:sld xmlns:a="http://schemas.openxmlformats.org/drawingml/2006/main" xmlns:r="http://schemas.openxmlformats.org/officeDocument/2006/relationships" xmlns:p="http://schemas.openxmlformats.org/presentationml/2006/main">
   <p:cSld>
     <p:spTree>
@@ -5211,272 +5647,6 @@
     <p:extLst>
       <p:ext uri="{BB962C8B-B14F-4D97-AF65-F5344CB8AC3E}">
         <p14:creationId xmlns:p14="http://schemas.microsoft.com/office/powerpoint/2010/main" val="1718920383"/>
-      </p:ext>
-    </p:extLst>
-  </p:cSld>
-  <p:clrMapOvr>
-    <a:masterClrMapping/>
-  </p:clrMapOvr>
-</p:sld>
-</file>
-
-<file path=ppt/slides/slide19.xml><?xml version="1.0" encoding="utf-8"?>
-<p:sld xmlns:a="http://schemas.openxmlformats.org/drawingml/2006/main" xmlns:r="http://schemas.openxmlformats.org/officeDocument/2006/relationships" xmlns:p="http://schemas.openxmlformats.org/presentationml/2006/main">
-  <p:cSld>
-    <p:spTree>
-      <p:nvGrpSpPr>
-        <p:cNvPr id="1" name=""/>
-        <p:cNvGrpSpPr/>
-        <p:nvPr/>
-      </p:nvGrpSpPr>
-      <p:grpSpPr>
-        <a:xfrm>
-          <a:off x="0" y="0"/>
-          <a:ext cx="0" cy="0"/>
-          <a:chOff x="0" y="0"/>
-          <a:chExt cx="0" cy="0"/>
-        </a:xfrm>
-      </p:grpSpPr>
-      <p:sp>
-        <p:nvSpPr>
-          <p:cNvPr id="2" name="Título 1">
-            <a:extLst>
-              <a:ext uri="{FF2B5EF4-FFF2-40B4-BE49-F238E27FC236}">
-                <a16:creationId xmlns:a16="http://schemas.microsoft.com/office/drawing/2014/main" id="{71CCC34A-133D-8344-2822-15632D80A967}"/>
-              </a:ext>
-            </a:extLst>
-          </p:cNvPr>
-          <p:cNvSpPr>
-            <a:spLocks noGrp="1"/>
-          </p:cNvSpPr>
-          <p:nvPr>
-            <p:ph type="title"/>
-          </p:nvPr>
-        </p:nvSpPr>
-        <p:spPr/>
-        <p:txBody>
-          <a:bodyPr/>
-          <a:lstStyle/>
-          <a:p>
-            <a:r>
-              <a:rPr lang="es-ES" dirty="0"/>
-              <a:t>Guardar la web – Formato WP</a:t>
-            </a:r>
-          </a:p>
-        </p:txBody>
-      </p:sp>
-      <p:pic>
-        <p:nvPicPr>
-          <p:cNvPr id="5" name="Imagen 4">
-            <a:extLst>
-              <a:ext uri="{FF2B5EF4-FFF2-40B4-BE49-F238E27FC236}">
-                <a16:creationId xmlns:a16="http://schemas.microsoft.com/office/drawing/2014/main" id="{572EE640-5EDF-7736-B5D8-5227543675B0}"/>
-              </a:ext>
-            </a:extLst>
-          </p:cNvPr>
-          <p:cNvPicPr>
-            <a:picLocks noChangeAspect="1"/>
-          </p:cNvPicPr>
-          <p:nvPr/>
-        </p:nvPicPr>
-        <p:blipFill>
-          <a:blip r:embed="rId2"/>
-          <a:stretch>
-            <a:fillRect/>
-          </a:stretch>
-        </p:blipFill>
-        <p:spPr>
-          <a:xfrm>
-            <a:off x="350663" y="1425677"/>
-            <a:ext cx="7309177" cy="3220895"/>
-          </a:xfrm>
-          <a:prstGeom prst="rect">
-            <a:avLst/>
-          </a:prstGeom>
-        </p:spPr>
-      </p:pic>
-      <p:pic>
-        <p:nvPicPr>
-          <p:cNvPr id="7" name="Imagen 6">
-            <a:extLst>
-              <a:ext uri="{FF2B5EF4-FFF2-40B4-BE49-F238E27FC236}">
-                <a16:creationId xmlns:a16="http://schemas.microsoft.com/office/drawing/2014/main" id="{163FA399-3CDA-2514-5027-9392F640A102}"/>
-              </a:ext>
-            </a:extLst>
-          </p:cNvPr>
-          <p:cNvPicPr>
-            <a:picLocks noChangeAspect="1"/>
-          </p:cNvPicPr>
-          <p:nvPr/>
-        </p:nvPicPr>
-        <p:blipFill>
-          <a:blip r:embed="rId3"/>
-          <a:stretch>
-            <a:fillRect/>
-          </a:stretch>
-        </p:blipFill>
-        <p:spPr>
-          <a:xfrm>
-            <a:off x="5246270" y="2491140"/>
-            <a:ext cx="6595067" cy="4001735"/>
-          </a:xfrm>
-          <a:prstGeom prst="rect">
-            <a:avLst/>
-          </a:prstGeom>
-        </p:spPr>
-      </p:pic>
-      <p:cxnSp>
-        <p:nvCxnSpPr>
-          <p:cNvPr id="9" name="Conector recto de flecha 8">
-            <a:extLst>
-              <a:ext uri="{FF2B5EF4-FFF2-40B4-BE49-F238E27FC236}">
-                <a16:creationId xmlns:a16="http://schemas.microsoft.com/office/drawing/2014/main" id="{BB783B71-BFD0-9E22-F95F-269D735DB42A}"/>
-              </a:ext>
-            </a:extLst>
-          </p:cNvPr>
-          <p:cNvCxnSpPr>
-            <a:cxnSpLocks/>
-          </p:cNvCxnSpPr>
-          <p:nvPr/>
-        </p:nvCxnSpPr>
-        <p:spPr>
-          <a:xfrm>
-            <a:off x="1602658" y="2605548"/>
-            <a:ext cx="6744929" cy="2041024"/>
-          </a:xfrm>
-          <a:prstGeom prst="straightConnector1">
-            <a:avLst/>
-          </a:prstGeom>
-          <a:ln w="38100">
-            <a:solidFill>
-              <a:srgbClr val="FF0000"/>
-            </a:solidFill>
-            <a:tailEnd type="triangle"/>
-          </a:ln>
-        </p:spPr>
-        <p:style>
-          <a:lnRef idx="2">
-            <a:schemeClr val="accent1"/>
-          </a:lnRef>
-          <a:fillRef idx="0">
-            <a:schemeClr val="accent1"/>
-          </a:fillRef>
-          <a:effectRef idx="1">
-            <a:schemeClr val="accent1"/>
-          </a:effectRef>
-          <a:fontRef idx="minor">
-            <a:schemeClr val="tx1"/>
-          </a:fontRef>
-        </p:style>
-      </p:cxnSp>
-      <p:sp>
-        <p:nvSpPr>
-          <p:cNvPr id="11" name="Elipse 10">
-            <a:extLst>
-              <a:ext uri="{FF2B5EF4-FFF2-40B4-BE49-F238E27FC236}">
-                <a16:creationId xmlns:a16="http://schemas.microsoft.com/office/drawing/2014/main" id="{49DF28DB-CDED-5549-4F2C-A59B72546DAF}"/>
-              </a:ext>
-            </a:extLst>
-          </p:cNvPr>
-          <p:cNvSpPr/>
-          <p:nvPr/>
-        </p:nvSpPr>
-        <p:spPr>
-          <a:xfrm>
-            <a:off x="1064773" y="2290916"/>
-            <a:ext cx="636208" cy="200224"/>
-          </a:xfrm>
-          <a:prstGeom prst="ellipse">
-            <a:avLst/>
-          </a:prstGeom>
-          <a:noFill/>
-          <a:ln w="28575">
-            <a:solidFill>
-              <a:srgbClr val="FF0000"/>
-            </a:solidFill>
-          </a:ln>
-        </p:spPr>
-        <p:style>
-          <a:lnRef idx="2">
-            <a:schemeClr val="accent1">
-              <a:shade val="15000"/>
-            </a:schemeClr>
-          </a:lnRef>
-          <a:fillRef idx="1">
-            <a:schemeClr val="accent1"/>
-          </a:fillRef>
-          <a:effectRef idx="0">
-            <a:schemeClr val="accent1"/>
-          </a:effectRef>
-          <a:fontRef idx="minor">
-            <a:schemeClr val="lt1"/>
-          </a:fontRef>
-        </p:style>
-        <p:txBody>
-          <a:bodyPr rtlCol="0" anchor="ctr"/>
-          <a:lstStyle/>
-          <a:p>
-            <a:pPr algn="ctr"/>
-            <a:endParaRPr lang="es-ES"/>
-          </a:p>
-        </p:txBody>
-      </p:sp>
-      <p:sp>
-        <p:nvSpPr>
-          <p:cNvPr id="12" name="Elipse 11">
-            <a:extLst>
-              <a:ext uri="{FF2B5EF4-FFF2-40B4-BE49-F238E27FC236}">
-                <a16:creationId xmlns:a16="http://schemas.microsoft.com/office/drawing/2014/main" id="{76079B3B-BE03-D921-3D8D-C1865713DE81}"/>
-              </a:ext>
-            </a:extLst>
-          </p:cNvPr>
-          <p:cNvSpPr/>
-          <p:nvPr/>
-        </p:nvSpPr>
-        <p:spPr>
-          <a:xfrm>
-            <a:off x="8504903" y="4729316"/>
-            <a:ext cx="766916" cy="737419"/>
-          </a:xfrm>
-          <a:prstGeom prst="ellipse">
-            <a:avLst/>
-          </a:prstGeom>
-          <a:noFill/>
-          <a:ln w="38100">
-            <a:solidFill>
-              <a:srgbClr val="FF0000"/>
-            </a:solidFill>
-          </a:ln>
-        </p:spPr>
-        <p:style>
-          <a:lnRef idx="2">
-            <a:schemeClr val="accent1">
-              <a:shade val="15000"/>
-            </a:schemeClr>
-          </a:lnRef>
-          <a:fillRef idx="1">
-            <a:schemeClr val="accent1"/>
-          </a:fillRef>
-          <a:effectRef idx="0">
-            <a:schemeClr val="accent1"/>
-          </a:effectRef>
-          <a:fontRef idx="minor">
-            <a:schemeClr val="lt1"/>
-          </a:fontRef>
-        </p:style>
-        <p:txBody>
-          <a:bodyPr rtlCol="0" anchor="ctr"/>
-          <a:lstStyle/>
-          <a:p>
-            <a:pPr algn="ctr"/>
-            <a:endParaRPr lang="es-ES"/>
-          </a:p>
-        </p:txBody>
-      </p:sp>
-    </p:spTree>
-    <p:extLst>
-      <p:ext uri="{BB962C8B-B14F-4D97-AF65-F5344CB8AC3E}">
-        <p14:creationId xmlns:p14="http://schemas.microsoft.com/office/powerpoint/2010/main" val="1809179149"/>
       </p:ext>
     </p:extLst>
   </p:cSld>
@@ -5638,7 +5808,7 @@
               <a:rPr lang="es-ES" sz="3200" dirty="0">
                 <a:hlinkClick r:id="rId5"/>
               </a:rPr>
-              <a:t>HTTrack</a:t>
+              <a:t>wget</a:t>
             </a:r>
             <a:endParaRPr lang="es-ES" sz="3200" dirty="0"/>
           </a:p>
@@ -5749,53 +5919,6 @@
           <a:prstGeom prst="rect">
             <a:avLst/>
           </a:prstGeom>
-        </p:spPr>
-      </p:pic>
-      <p:pic>
-        <p:nvPicPr>
-          <p:cNvPr id="1028" name="Picture 4" descr="HTTrack Website Copier - Aplikasi di Google Play">
-            <a:extLst>
-              <a:ext uri="{FF2B5EF4-FFF2-40B4-BE49-F238E27FC236}">
-                <a16:creationId xmlns:a16="http://schemas.microsoft.com/office/drawing/2014/main" id="{EA9A0BC1-AFA6-30BB-BC17-49124AC3DDDB}"/>
-              </a:ext>
-            </a:extLst>
-          </p:cNvPr>
-          <p:cNvPicPr>
-            <a:picLocks noChangeAspect="1" noChangeArrowheads="1"/>
-          </p:cNvPicPr>
-          <p:nvPr/>
-        </p:nvPicPr>
-        <p:blipFill>
-          <a:blip r:embed="rId9">
-            <a:extLst>
-              <a:ext uri="{28A0092B-C50C-407E-A947-70E740481C1C}">
-                <a14:useLocalDpi xmlns:a14="http://schemas.microsoft.com/office/drawing/2010/main" val="0"/>
-              </a:ext>
-            </a:extLst>
-          </a:blip>
-          <a:srcRect/>
-          <a:stretch>
-            <a:fillRect/>
-          </a:stretch>
-        </p:blipFill>
-        <p:spPr bwMode="auto">
-          <a:xfrm>
-            <a:off x="4415058" y="4297513"/>
-            <a:ext cx="2682910" cy="2682910"/>
-          </a:xfrm>
-          <a:prstGeom prst="rect">
-            <a:avLst/>
-          </a:prstGeom>
-          <a:noFill/>
-          <a:extLst>
-            <a:ext uri="{909E8E84-426E-40DD-AFC4-6F175D3DCCD1}">
-              <a14:hiddenFill xmlns:a14="http://schemas.microsoft.com/office/drawing/2010/main">
-                <a:solidFill>
-                  <a:srgbClr val="FFFFFF"/>
-                </a:solidFill>
-              </a14:hiddenFill>
-            </a:ext>
-          </a:extLst>
         </p:spPr>
       </p:pic>
     </p:spTree>
@@ -5812,6 +5935,272 @@
 </file>
 
 <file path=ppt/slides/slide20.xml><?xml version="1.0" encoding="utf-8"?>
+<p:sld xmlns:a="http://schemas.openxmlformats.org/drawingml/2006/main" xmlns:r="http://schemas.openxmlformats.org/officeDocument/2006/relationships" xmlns:p="http://schemas.openxmlformats.org/presentationml/2006/main">
+  <p:cSld>
+    <p:spTree>
+      <p:nvGrpSpPr>
+        <p:cNvPr id="1" name=""/>
+        <p:cNvGrpSpPr/>
+        <p:nvPr/>
+      </p:nvGrpSpPr>
+      <p:grpSpPr>
+        <a:xfrm>
+          <a:off x="0" y="0"/>
+          <a:ext cx="0" cy="0"/>
+          <a:chOff x="0" y="0"/>
+          <a:chExt cx="0" cy="0"/>
+        </a:xfrm>
+      </p:grpSpPr>
+      <p:sp>
+        <p:nvSpPr>
+          <p:cNvPr id="2" name="Título 1">
+            <a:extLst>
+              <a:ext uri="{FF2B5EF4-FFF2-40B4-BE49-F238E27FC236}">
+                <a16:creationId xmlns:a16="http://schemas.microsoft.com/office/drawing/2014/main" id="{71CCC34A-133D-8344-2822-15632D80A967}"/>
+              </a:ext>
+            </a:extLst>
+          </p:cNvPr>
+          <p:cNvSpPr>
+            <a:spLocks noGrp="1"/>
+          </p:cNvSpPr>
+          <p:nvPr>
+            <p:ph type="title"/>
+          </p:nvPr>
+        </p:nvSpPr>
+        <p:spPr/>
+        <p:txBody>
+          <a:bodyPr/>
+          <a:lstStyle/>
+          <a:p>
+            <a:r>
+              <a:rPr lang="es-ES" dirty="0"/>
+              <a:t>Guardar la web – Formato WP</a:t>
+            </a:r>
+          </a:p>
+        </p:txBody>
+      </p:sp>
+      <p:pic>
+        <p:nvPicPr>
+          <p:cNvPr id="5" name="Imagen 4">
+            <a:extLst>
+              <a:ext uri="{FF2B5EF4-FFF2-40B4-BE49-F238E27FC236}">
+                <a16:creationId xmlns:a16="http://schemas.microsoft.com/office/drawing/2014/main" id="{572EE640-5EDF-7736-B5D8-5227543675B0}"/>
+              </a:ext>
+            </a:extLst>
+          </p:cNvPr>
+          <p:cNvPicPr>
+            <a:picLocks noChangeAspect="1"/>
+          </p:cNvPicPr>
+          <p:nvPr/>
+        </p:nvPicPr>
+        <p:blipFill>
+          <a:blip r:embed="rId2"/>
+          <a:stretch>
+            <a:fillRect/>
+          </a:stretch>
+        </p:blipFill>
+        <p:spPr>
+          <a:xfrm>
+            <a:off x="350663" y="1425677"/>
+            <a:ext cx="7309177" cy="3220895"/>
+          </a:xfrm>
+          <a:prstGeom prst="rect">
+            <a:avLst/>
+          </a:prstGeom>
+        </p:spPr>
+      </p:pic>
+      <p:pic>
+        <p:nvPicPr>
+          <p:cNvPr id="7" name="Imagen 6">
+            <a:extLst>
+              <a:ext uri="{FF2B5EF4-FFF2-40B4-BE49-F238E27FC236}">
+                <a16:creationId xmlns:a16="http://schemas.microsoft.com/office/drawing/2014/main" id="{163FA399-3CDA-2514-5027-9392F640A102}"/>
+              </a:ext>
+            </a:extLst>
+          </p:cNvPr>
+          <p:cNvPicPr>
+            <a:picLocks noChangeAspect="1"/>
+          </p:cNvPicPr>
+          <p:nvPr/>
+        </p:nvPicPr>
+        <p:blipFill>
+          <a:blip r:embed="rId3"/>
+          <a:stretch>
+            <a:fillRect/>
+          </a:stretch>
+        </p:blipFill>
+        <p:spPr>
+          <a:xfrm>
+            <a:off x="5246270" y="2491140"/>
+            <a:ext cx="6595067" cy="4001735"/>
+          </a:xfrm>
+          <a:prstGeom prst="rect">
+            <a:avLst/>
+          </a:prstGeom>
+        </p:spPr>
+      </p:pic>
+      <p:cxnSp>
+        <p:nvCxnSpPr>
+          <p:cNvPr id="9" name="Conector recto de flecha 8">
+            <a:extLst>
+              <a:ext uri="{FF2B5EF4-FFF2-40B4-BE49-F238E27FC236}">
+                <a16:creationId xmlns:a16="http://schemas.microsoft.com/office/drawing/2014/main" id="{BB783B71-BFD0-9E22-F95F-269D735DB42A}"/>
+              </a:ext>
+            </a:extLst>
+          </p:cNvPr>
+          <p:cNvCxnSpPr>
+            <a:cxnSpLocks/>
+          </p:cNvCxnSpPr>
+          <p:nvPr/>
+        </p:nvCxnSpPr>
+        <p:spPr>
+          <a:xfrm>
+            <a:off x="1602658" y="2605548"/>
+            <a:ext cx="6744929" cy="2041024"/>
+          </a:xfrm>
+          <a:prstGeom prst="straightConnector1">
+            <a:avLst/>
+          </a:prstGeom>
+          <a:ln w="38100">
+            <a:solidFill>
+              <a:srgbClr val="FF0000"/>
+            </a:solidFill>
+            <a:tailEnd type="triangle"/>
+          </a:ln>
+        </p:spPr>
+        <p:style>
+          <a:lnRef idx="2">
+            <a:schemeClr val="accent1"/>
+          </a:lnRef>
+          <a:fillRef idx="0">
+            <a:schemeClr val="accent1"/>
+          </a:fillRef>
+          <a:effectRef idx="1">
+            <a:schemeClr val="accent1"/>
+          </a:effectRef>
+          <a:fontRef idx="minor">
+            <a:schemeClr val="tx1"/>
+          </a:fontRef>
+        </p:style>
+      </p:cxnSp>
+      <p:sp>
+        <p:nvSpPr>
+          <p:cNvPr id="11" name="Elipse 10">
+            <a:extLst>
+              <a:ext uri="{FF2B5EF4-FFF2-40B4-BE49-F238E27FC236}">
+                <a16:creationId xmlns:a16="http://schemas.microsoft.com/office/drawing/2014/main" id="{49DF28DB-CDED-5549-4F2C-A59B72546DAF}"/>
+              </a:ext>
+            </a:extLst>
+          </p:cNvPr>
+          <p:cNvSpPr/>
+          <p:nvPr/>
+        </p:nvSpPr>
+        <p:spPr>
+          <a:xfrm>
+            <a:off x="1064773" y="2290916"/>
+            <a:ext cx="636208" cy="200224"/>
+          </a:xfrm>
+          <a:prstGeom prst="ellipse">
+            <a:avLst/>
+          </a:prstGeom>
+          <a:noFill/>
+          <a:ln w="28575">
+            <a:solidFill>
+              <a:srgbClr val="FF0000"/>
+            </a:solidFill>
+          </a:ln>
+        </p:spPr>
+        <p:style>
+          <a:lnRef idx="2">
+            <a:schemeClr val="accent1">
+              <a:shade val="15000"/>
+            </a:schemeClr>
+          </a:lnRef>
+          <a:fillRef idx="1">
+            <a:schemeClr val="accent1"/>
+          </a:fillRef>
+          <a:effectRef idx="0">
+            <a:schemeClr val="accent1"/>
+          </a:effectRef>
+          <a:fontRef idx="minor">
+            <a:schemeClr val="lt1"/>
+          </a:fontRef>
+        </p:style>
+        <p:txBody>
+          <a:bodyPr rtlCol="0" anchor="ctr"/>
+          <a:lstStyle/>
+          <a:p>
+            <a:pPr algn="ctr"/>
+            <a:endParaRPr lang="es-ES"/>
+          </a:p>
+        </p:txBody>
+      </p:sp>
+      <p:sp>
+        <p:nvSpPr>
+          <p:cNvPr id="12" name="Elipse 11">
+            <a:extLst>
+              <a:ext uri="{FF2B5EF4-FFF2-40B4-BE49-F238E27FC236}">
+                <a16:creationId xmlns:a16="http://schemas.microsoft.com/office/drawing/2014/main" id="{76079B3B-BE03-D921-3D8D-C1865713DE81}"/>
+              </a:ext>
+            </a:extLst>
+          </p:cNvPr>
+          <p:cNvSpPr/>
+          <p:nvPr/>
+        </p:nvSpPr>
+        <p:spPr>
+          <a:xfrm>
+            <a:off x="8504903" y="4729316"/>
+            <a:ext cx="766916" cy="737419"/>
+          </a:xfrm>
+          <a:prstGeom prst="ellipse">
+            <a:avLst/>
+          </a:prstGeom>
+          <a:noFill/>
+          <a:ln w="38100">
+            <a:solidFill>
+              <a:srgbClr val="FF0000"/>
+            </a:solidFill>
+          </a:ln>
+        </p:spPr>
+        <p:style>
+          <a:lnRef idx="2">
+            <a:schemeClr val="accent1">
+              <a:shade val="15000"/>
+            </a:schemeClr>
+          </a:lnRef>
+          <a:fillRef idx="1">
+            <a:schemeClr val="accent1"/>
+          </a:fillRef>
+          <a:effectRef idx="0">
+            <a:schemeClr val="accent1"/>
+          </a:effectRef>
+          <a:fontRef idx="minor">
+            <a:schemeClr val="lt1"/>
+          </a:fontRef>
+        </p:style>
+        <p:txBody>
+          <a:bodyPr rtlCol="0" anchor="ctr"/>
+          <a:lstStyle/>
+          <a:p>
+            <a:pPr algn="ctr"/>
+            <a:endParaRPr lang="es-ES"/>
+          </a:p>
+        </p:txBody>
+      </p:sp>
+    </p:spTree>
+    <p:extLst>
+      <p:ext uri="{BB962C8B-B14F-4D97-AF65-F5344CB8AC3E}">
+        <p14:creationId xmlns:p14="http://schemas.microsoft.com/office/powerpoint/2010/main" val="1809179149"/>
+      </p:ext>
+    </p:extLst>
+  </p:cSld>
+  <p:clrMapOvr>
+    <a:masterClrMapping/>
+  </p:clrMapOvr>
+</p:sld>
+</file>
+
+<file path=ppt/slides/slide21.xml><?xml version="1.0" encoding="utf-8"?>
 <p:sld xmlns:a="http://schemas.openxmlformats.org/drawingml/2006/main" xmlns:r="http://schemas.openxmlformats.org/officeDocument/2006/relationships" xmlns:p="http://schemas.openxmlformats.org/presentationml/2006/main">
   <p:cSld>
     <p:spTree>
@@ -6461,7 +6850,7 @@
 </p:sld>
 </file>
 
-<file path=ppt/slides/slide21.xml><?xml version="1.0" encoding="utf-8"?>
+<file path=ppt/slides/slide22.xml><?xml version="1.0" encoding="utf-8"?>
 <p:sld xmlns:a="http://schemas.openxmlformats.org/drawingml/2006/main" xmlns:r="http://schemas.openxmlformats.org/officeDocument/2006/relationships" xmlns:p="http://schemas.openxmlformats.org/presentationml/2006/main">
   <p:cSld>
     <p:spTree>
@@ -6711,7 +7100,7 @@
 </p:sld>
 </file>
 
-<file path=ppt/slides/slide22.xml><?xml version="1.0" encoding="utf-8"?>
+<file path=ppt/slides/slide23.xml><?xml version="1.0" encoding="utf-8"?>
 <p:sld xmlns:a="http://schemas.openxmlformats.org/drawingml/2006/main" xmlns:r="http://schemas.openxmlformats.org/officeDocument/2006/relationships" xmlns:p="http://schemas.openxmlformats.org/presentationml/2006/main">
   <p:cSld>
     <p:spTree>
@@ -7406,7 +7795,7 @@
 </p:sld>
 </file>
 
-<file path=ppt/slides/slide23.xml><?xml version="1.0" encoding="utf-8"?>
+<file path=ppt/slides/slide24.xml><?xml version="1.0" encoding="utf-8"?>
 <p:sld xmlns:a="http://schemas.openxmlformats.org/drawingml/2006/main" xmlns:r="http://schemas.openxmlformats.org/officeDocument/2006/relationships" xmlns:p="http://schemas.openxmlformats.org/presentationml/2006/main">
   <p:cSld>
     <p:spTree>
@@ -8032,7 +8421,7 @@
 </p:sld>
 </file>
 
-<file path=ppt/slides/slide24.xml><?xml version="1.0" encoding="utf-8"?>
+<file path=ppt/slides/slide25.xml><?xml version="1.0" encoding="utf-8"?>
 <p:sld xmlns:a="http://schemas.openxmlformats.org/drawingml/2006/main" xmlns:r="http://schemas.openxmlformats.org/officeDocument/2006/relationships" xmlns:p="http://schemas.openxmlformats.org/presentationml/2006/main">
   <p:cSld>
     <p:spTree>
@@ -8098,7 +8487,7 @@
         <p:spPr>
           <a:xfrm>
             <a:off x="953729" y="1690688"/>
-            <a:ext cx="3401961" cy="923330"/>
+            <a:ext cx="4183626" cy="1015663"/>
           </a:xfrm>
           <a:prstGeom prst="rect">
             <a:avLst/>
@@ -8112,18 +8501,73 @@
           <a:lstStyle/>
           <a:p>
             <a:r>
+              <a:rPr lang="es-ES" sz="2000" dirty="0"/>
+              <a:t>Vamos a usar </a:t>
+            </a:r>
+            <a:r>
+              <a:rPr lang="es-ES" sz="2000" dirty="0">
+                <a:latin typeface="Consolas" panose="020B0609020204030204" pitchFamily="49" charset="0"/>
+              </a:rPr>
+              <a:t>wget</a:t>
+            </a:r>
+            <a:r>
+              <a:rPr lang="es-ES" sz="2000" dirty="0"/>
+              <a:t> desde la </a:t>
+            </a:r>
+            <a:r>
+              <a:rPr lang="es-ES" sz="2000" dirty="0">
+                <a:latin typeface="Consolas" panose="020B0609020204030204" pitchFamily="49" charset="0"/>
+              </a:rPr>
+              <a:t>cmd</a:t>
+            </a:r>
+            <a:r>
+              <a:rPr lang="es-ES" sz="2000" dirty="0"/>
+              <a:t> para descargarnos una versión HTML de nuestra web</a:t>
+            </a:r>
+          </a:p>
+        </p:txBody>
+      </p:sp>
+      <p:sp>
+        <p:nvSpPr>
+          <p:cNvPr id="10" name="CuadroTexto 9">
+            <a:extLst>
+              <a:ext uri="{FF2B5EF4-FFF2-40B4-BE49-F238E27FC236}">
+                <a16:creationId xmlns:a16="http://schemas.microsoft.com/office/drawing/2014/main" id="{C6962896-E0BC-A726-508D-4153AC5EFE52}"/>
+              </a:ext>
+            </a:extLst>
+          </p:cNvPr>
+          <p:cNvSpPr txBox="1"/>
+          <p:nvPr/>
+        </p:nvSpPr>
+        <p:spPr>
+          <a:xfrm>
+            <a:off x="6096000" y="1552189"/>
+            <a:ext cx="4183626" cy="1200329"/>
+          </a:xfrm>
+          <a:prstGeom prst="rect">
+            <a:avLst/>
+          </a:prstGeom>
+          <a:noFill/>
+        </p:spPr>
+        <p:txBody>
+          <a:bodyPr wrap="square" rtlCol="0">
+            <a:spAutoFit/>
+          </a:bodyPr>
+          <a:lstStyle/>
+          <a:p>
+            <a:r>
               <a:rPr lang="es-ES" dirty="0"/>
-              <a:t>Esto mete algo de miedo, la interfaz del programa HTTrack es de los 90.</a:t>
+              <a:t>Esencialmente es un  programa que te permite descargar como HTML cualquier página web. Pero si la nuestra no está online (todavía) ¿Cómo lo hace?</a:t>
             </a:r>
           </a:p>
         </p:txBody>
       </p:sp>
       <p:pic>
         <p:nvPicPr>
-          <p:cNvPr id="8" name="Imagen 7">
-            <a:extLst>
-              <a:ext uri="{FF2B5EF4-FFF2-40B4-BE49-F238E27FC236}">
-                <a16:creationId xmlns:a16="http://schemas.microsoft.com/office/drawing/2014/main" id="{3BD21FFA-49FD-4694-B783-8142D1CC8962}"/>
+          <p:cNvPr id="12" name="Imagen 11">
+            <a:extLst>
+              <a:ext uri="{FF2B5EF4-FFF2-40B4-BE49-F238E27FC236}">
+                <a16:creationId xmlns:a16="http://schemas.microsoft.com/office/drawing/2014/main" id="{4FF3A5FF-002F-D187-95E7-41C559774791}"/>
               </a:ext>
             </a:extLst>
           </p:cNvPr>
@@ -8134,71 +8578,6 @@
         </p:nvPicPr>
         <p:blipFill>
           <a:blip r:embed="rId2"/>
-          <a:stretch>
-            <a:fillRect/>
-          </a:stretch>
-        </p:blipFill>
-        <p:spPr>
-          <a:xfrm>
-            <a:off x="4686843" y="1514089"/>
-            <a:ext cx="1028844" cy="1276528"/>
-          </a:xfrm>
-          <a:prstGeom prst="rect">
-            <a:avLst/>
-          </a:prstGeom>
-        </p:spPr>
-      </p:pic>
-      <p:sp>
-        <p:nvSpPr>
-          <p:cNvPr id="10" name="CuadroTexto 9">
-            <a:extLst>
-              <a:ext uri="{FF2B5EF4-FFF2-40B4-BE49-F238E27FC236}">
-                <a16:creationId xmlns:a16="http://schemas.microsoft.com/office/drawing/2014/main" id="{C6962896-E0BC-A726-508D-4153AC5EFE52}"/>
-              </a:ext>
-            </a:extLst>
-          </p:cNvPr>
-          <p:cNvSpPr txBox="1"/>
-          <p:nvPr/>
-        </p:nvSpPr>
-        <p:spPr>
-          <a:xfrm>
-            <a:off x="6096000" y="1552189"/>
-            <a:ext cx="4183626" cy="1200329"/>
-          </a:xfrm>
-          <a:prstGeom prst="rect">
-            <a:avLst/>
-          </a:prstGeom>
-          <a:noFill/>
-        </p:spPr>
-        <p:txBody>
-          <a:bodyPr wrap="square" rtlCol="0">
-            <a:spAutoFit/>
-          </a:bodyPr>
-          <a:lstStyle/>
-          <a:p>
-            <a:r>
-              <a:rPr lang="es-ES" dirty="0"/>
-              <a:t>Esencialmente es un  programa que te permite descargar como HTML cualquier página web. Pero si la nuestra no está online (todavía) ¿Cómo lo hace?</a:t>
-            </a:r>
-          </a:p>
-        </p:txBody>
-      </p:sp>
-      <p:pic>
-        <p:nvPicPr>
-          <p:cNvPr id="12" name="Imagen 11">
-            <a:extLst>
-              <a:ext uri="{FF2B5EF4-FFF2-40B4-BE49-F238E27FC236}">
-                <a16:creationId xmlns:a16="http://schemas.microsoft.com/office/drawing/2014/main" id="{4FF3A5FF-002F-D187-95E7-41C559774791}"/>
-              </a:ext>
-            </a:extLst>
-          </p:cNvPr>
-          <p:cNvPicPr>
-            <a:picLocks noChangeAspect="1"/>
-          </p:cNvPicPr>
-          <p:nvPr/>
-        </p:nvPicPr>
-        <p:blipFill>
-          <a:blip r:embed="rId3"/>
           <a:stretch>
             <a:fillRect/>
           </a:stretch>
@@ -8324,7 +8703,7 @@
           <p:nvPr/>
         </p:nvPicPr>
         <p:blipFill>
-          <a:blip r:embed="rId4"/>
+          <a:blip r:embed="rId3"/>
           <a:stretch>
             <a:fillRect/>
           </a:stretch>
@@ -8540,12 +8919,18 @@
 </p:sld>
 </file>
 
-<file path=ppt/slides/slide25.xml><?xml version="1.0" encoding="utf-8"?>
+<file path=ppt/slides/slide26.xml><?xml version="1.0" encoding="utf-8"?>
 <p:sld xmlns:a="http://schemas.openxmlformats.org/drawingml/2006/main" xmlns:r="http://schemas.openxmlformats.org/officeDocument/2006/relationships" xmlns:p="http://schemas.openxmlformats.org/presentationml/2006/main">
   <p:cSld>
     <p:spTree>
       <p:nvGrpSpPr>
-        <p:cNvPr id="1" name=""/>
+        <p:cNvPr id="1" name="">
+          <a:extLst>
+            <a:ext uri="{FF2B5EF4-FFF2-40B4-BE49-F238E27FC236}">
+              <a16:creationId xmlns:a16="http://schemas.microsoft.com/office/drawing/2014/main" id="{FA026C8C-EFD0-9D71-10BD-BE007510A0FF}"/>
+            </a:ext>
+          </a:extLst>
+        </p:cNvPr>
         <p:cNvGrpSpPr/>
         <p:nvPr/>
       </p:nvGrpSpPr>
@@ -8557,42 +8942,12 @@
           <a:chExt cx="0" cy="0"/>
         </a:xfrm>
       </p:grpSpPr>
-      <p:pic>
-        <p:nvPicPr>
-          <p:cNvPr id="4" name="Imagen 3">
-            <a:extLst>
-              <a:ext uri="{FF2B5EF4-FFF2-40B4-BE49-F238E27FC236}">
-                <a16:creationId xmlns:a16="http://schemas.microsoft.com/office/drawing/2014/main" id="{FC00773E-7F57-A936-0B4D-1460902FF178}"/>
-              </a:ext>
-            </a:extLst>
-          </p:cNvPr>
-          <p:cNvPicPr>
-            <a:picLocks noChangeAspect="1"/>
-          </p:cNvPicPr>
-          <p:nvPr/>
-        </p:nvPicPr>
-        <p:blipFill>
-          <a:blip r:embed="rId2"/>
-          <a:stretch>
-            <a:fillRect/>
-          </a:stretch>
-        </p:blipFill>
-        <p:spPr>
-          <a:xfrm>
-            <a:off x="4988158" y="2251095"/>
-            <a:ext cx="6230219" cy="3191320"/>
-          </a:xfrm>
-          <a:prstGeom prst="rect">
-            <a:avLst/>
-          </a:prstGeom>
-        </p:spPr>
-      </p:pic>
       <p:sp>
         <p:nvSpPr>
           <p:cNvPr id="2" name="Título 1">
             <a:extLst>
               <a:ext uri="{FF2B5EF4-FFF2-40B4-BE49-F238E27FC236}">
-                <a16:creationId xmlns:a16="http://schemas.microsoft.com/office/drawing/2014/main" id="{D8592DC9-A290-9D3A-4642-6C229E94BF89}"/>
+                <a16:creationId xmlns:a16="http://schemas.microsoft.com/office/drawing/2014/main" id="{5128FCBD-3DBF-3932-F3EA-F57079247388}"/>
               </a:ext>
             </a:extLst>
           </p:cNvPr>
@@ -8615,146 +8970,12 @@
           </a:p>
         </p:txBody>
       </p:sp>
-      <p:pic>
-        <p:nvPicPr>
-          <p:cNvPr id="5" name="Imagen 4">
-            <a:extLst>
-              <a:ext uri="{FF2B5EF4-FFF2-40B4-BE49-F238E27FC236}">
-                <a16:creationId xmlns:a16="http://schemas.microsoft.com/office/drawing/2014/main" id="{18580BEF-BAA4-62FE-FF54-5537ECDB73C4}"/>
-              </a:ext>
-            </a:extLst>
-          </p:cNvPr>
-          <p:cNvPicPr>
-            <a:picLocks noChangeAspect="1"/>
-          </p:cNvPicPr>
-          <p:nvPr/>
-        </p:nvPicPr>
-        <p:blipFill>
-          <a:blip r:embed="rId3"/>
-          <a:stretch>
-            <a:fillRect/>
-          </a:stretch>
-        </p:blipFill>
-        <p:spPr>
-          <a:xfrm>
-            <a:off x="481782" y="2184828"/>
-            <a:ext cx="3861240" cy="2752160"/>
-          </a:xfrm>
-          <a:prstGeom prst="rect">
-            <a:avLst/>
-          </a:prstGeom>
-        </p:spPr>
-      </p:pic>
-      <p:sp>
-        <p:nvSpPr>
-          <p:cNvPr id="8" name="Elipse 7">
-            <a:extLst>
-              <a:ext uri="{FF2B5EF4-FFF2-40B4-BE49-F238E27FC236}">
-                <a16:creationId xmlns:a16="http://schemas.microsoft.com/office/drawing/2014/main" id="{D823D554-1758-019B-D037-B626A95F721D}"/>
-              </a:ext>
-            </a:extLst>
-          </p:cNvPr>
-          <p:cNvSpPr/>
-          <p:nvPr/>
-        </p:nvSpPr>
-        <p:spPr>
-          <a:xfrm>
-            <a:off x="6931742" y="4689987"/>
-            <a:ext cx="3618271" cy="668594"/>
-          </a:xfrm>
-          <a:prstGeom prst="ellipse">
-            <a:avLst/>
-          </a:prstGeom>
-          <a:noFill/>
-          <a:ln>
-            <a:solidFill>
-              <a:srgbClr val="FF0000"/>
-            </a:solidFill>
-          </a:ln>
-        </p:spPr>
-        <p:style>
-          <a:lnRef idx="2">
-            <a:schemeClr val="accent1">
-              <a:shade val="15000"/>
-            </a:schemeClr>
-          </a:lnRef>
-          <a:fillRef idx="1">
-            <a:schemeClr val="accent1"/>
-          </a:fillRef>
-          <a:effectRef idx="0">
-            <a:schemeClr val="accent1"/>
-          </a:effectRef>
-          <a:fontRef idx="minor">
-            <a:schemeClr val="lt1"/>
-          </a:fontRef>
-        </p:style>
-        <p:txBody>
-          <a:bodyPr rtlCol="0" anchor="ctr"/>
-          <a:lstStyle/>
-          <a:p>
-            <a:pPr algn="ctr"/>
-            <a:endParaRPr lang="es-ES"/>
-          </a:p>
-        </p:txBody>
-      </p:sp>
-      <p:sp>
-        <p:nvSpPr>
-          <p:cNvPr id="9" name="Elipse 8">
-            <a:extLst>
-              <a:ext uri="{FF2B5EF4-FFF2-40B4-BE49-F238E27FC236}">
-                <a16:creationId xmlns:a16="http://schemas.microsoft.com/office/drawing/2014/main" id="{A1B522E4-1BAB-8CFD-CA17-62D383A704BC}"/>
-              </a:ext>
-            </a:extLst>
-          </p:cNvPr>
-          <p:cNvSpPr/>
-          <p:nvPr/>
-        </p:nvSpPr>
-        <p:spPr>
-          <a:xfrm>
-            <a:off x="7128388" y="2487561"/>
-            <a:ext cx="1229032" cy="471948"/>
-          </a:xfrm>
-          <a:prstGeom prst="ellipse">
-            <a:avLst/>
-          </a:prstGeom>
-          <a:noFill/>
-          <a:ln>
-            <a:solidFill>
-              <a:srgbClr val="FF0000"/>
-            </a:solidFill>
-          </a:ln>
-        </p:spPr>
-        <p:style>
-          <a:lnRef idx="2">
-            <a:schemeClr val="accent1">
-              <a:shade val="15000"/>
-            </a:schemeClr>
-          </a:lnRef>
-          <a:fillRef idx="1">
-            <a:schemeClr val="accent1"/>
-          </a:fillRef>
-          <a:effectRef idx="0">
-            <a:schemeClr val="accent1"/>
-          </a:effectRef>
-          <a:fontRef idx="minor">
-            <a:schemeClr val="lt1"/>
-          </a:fontRef>
-        </p:style>
-        <p:txBody>
-          <a:bodyPr rtlCol="0" anchor="ctr"/>
-          <a:lstStyle/>
-          <a:p>
-            <a:pPr algn="ctr"/>
-            <a:endParaRPr lang="es-ES"/>
-          </a:p>
-        </p:txBody>
-      </p:sp>
-      <p:sp>
-        <p:nvSpPr>
-          <p:cNvPr id="10" name="CuadroTexto 9">
-            <a:extLst>
-              <a:ext uri="{FF2B5EF4-FFF2-40B4-BE49-F238E27FC236}">
-                <a16:creationId xmlns:a16="http://schemas.microsoft.com/office/drawing/2014/main" id="{A166277F-0650-5137-6058-C190AB582ACC}"/>
+      <p:sp>
+        <p:nvSpPr>
+          <p:cNvPr id="4" name="CuadroTexto 3">
+            <a:extLst>
+              <a:ext uri="{FF2B5EF4-FFF2-40B4-BE49-F238E27FC236}">
+                <a16:creationId xmlns:a16="http://schemas.microsoft.com/office/drawing/2014/main" id="{5C95EC2E-4128-A0C6-6094-184EA79D67EF}"/>
               </a:ext>
             </a:extLst>
           </p:cNvPr>
@@ -8763,8 +8984,8 @@
         </p:nvSpPr>
         <p:spPr>
           <a:xfrm>
-            <a:off x="7806813" y="5577507"/>
-            <a:ext cx="3411564" cy="369332"/>
+            <a:off x="924232" y="1809135"/>
+            <a:ext cx="10589342" cy="1200329"/>
           </a:xfrm>
           <a:prstGeom prst="rect">
             <a:avLst/>
@@ -8779,76 +9000,64 @@
           <a:p>
             <a:r>
               <a:rPr lang="es-ES" dirty="0"/>
-              <a:t>Directorio imagine-uo.github.io</a:t>
-            </a:r>
-          </a:p>
-        </p:txBody>
-      </p:sp>
-      <p:sp>
-        <p:nvSpPr>
-          <p:cNvPr id="11" name="CuadroTexto 10">
-            <a:extLst>
-              <a:ext uri="{FF2B5EF4-FFF2-40B4-BE49-F238E27FC236}">
-                <a16:creationId xmlns:a16="http://schemas.microsoft.com/office/drawing/2014/main" id="{E34059D7-4B85-D65F-D247-6E1867EAF245}"/>
-              </a:ext>
-            </a:extLst>
-          </p:cNvPr>
-          <p:cNvSpPr txBox="1"/>
-          <p:nvPr/>
-        </p:nvSpPr>
-        <p:spPr>
-          <a:xfrm>
-            <a:off x="7344697" y="1848312"/>
-            <a:ext cx="3667432" cy="369332"/>
-          </a:xfrm>
-          <a:prstGeom prst="rect">
-            <a:avLst/>
-          </a:prstGeom>
-          <a:noFill/>
-        </p:spPr>
-        <p:txBody>
-          <a:bodyPr wrap="square" rtlCol="0">
-            <a:spAutoFit/>
-          </a:bodyPr>
-          <a:lstStyle/>
-          <a:p>
-            <a:r>
-              <a:rPr lang="es-ES" dirty="0"/>
-              <a:t>Nombre de la carpeta con </a:t>
-            </a:r>
-            <a:r>
-              <a:rPr lang="es-ES" dirty="0" err="1"/>
-              <a:t>HTMLs</a:t>
-            </a:r>
-            <a:endParaRPr lang="es-ES" dirty="0"/>
-          </a:p>
-        </p:txBody>
-      </p:sp>
-      <p:cxnSp>
-        <p:nvCxnSpPr>
-          <p:cNvPr id="13" name="Conector recto de flecha 12">
-            <a:extLst>
-              <a:ext uri="{FF2B5EF4-FFF2-40B4-BE49-F238E27FC236}">
-                <a16:creationId xmlns:a16="http://schemas.microsoft.com/office/drawing/2014/main" id="{EC6BB2B2-F465-8587-8C53-EDC1B9184643}"/>
-              </a:ext>
-            </a:extLst>
-          </p:cNvPr>
-          <p:cNvCxnSpPr>
-            <a:cxnSpLocks/>
-          </p:cNvCxnSpPr>
-          <p:nvPr/>
-        </p:nvCxnSpPr>
-        <p:spPr>
-          <a:xfrm flipV="1">
-            <a:off x="2792361" y="3846755"/>
-            <a:ext cx="2195797" cy="725245"/>
-          </a:xfrm>
-          <a:prstGeom prst="straightConnector1">
-            <a:avLst/>
-          </a:prstGeom>
-          <a:ln w="76200">
-            <a:tailEnd type="triangle"/>
-          </a:ln>
+              <a:t>PRIMERO: Adecuamos este comando a </a:t>
+            </a:r>
+            <a:r>
+              <a:rPr lang="es-ES" b="1" dirty="0">
+                <a:solidFill>
+                  <a:srgbClr val="FF0000"/>
+                </a:solidFill>
+              </a:rPr>
+              <a:t>NUESTRO DIRECTORIO DESEADO:</a:t>
+            </a:r>
+          </a:p>
+          <a:p>
+            <a:endParaRPr lang="es-ES" b="1" dirty="0">
+              <a:latin typeface="Consolas" panose="020B0609020204030204" pitchFamily="49" charset="0"/>
+            </a:endParaRPr>
+          </a:p>
+          <a:p>
+            <a:r>
+              <a:rPr lang="en-US" b="1" dirty="0" err="1">
+                <a:latin typeface="Consolas" panose="020B0609020204030204" pitchFamily="49" charset="0"/>
+              </a:rPr>
+              <a:t>wget</a:t>
+            </a:r>
+            <a:r>
+              <a:rPr lang="en-US" b="1" dirty="0">
+                <a:latin typeface="Consolas" panose="020B0609020204030204" pitchFamily="49" charset="0"/>
+              </a:rPr>
+              <a:t> --mirror --convert-links --adjust-extension --page-requisites --no-parent -P "C:\Users\nicoc\Desktop\GitHub\imagine-uo.github.io" http://imagine-wp.local/</a:t>
+            </a:r>
+            <a:endParaRPr lang="es-ES" b="1" dirty="0">
+              <a:latin typeface="Consolas" panose="020B0609020204030204" pitchFamily="49" charset="0"/>
+            </a:endParaRPr>
+          </a:p>
+        </p:txBody>
+      </p:sp>
+      <p:sp>
+        <p:nvSpPr>
+          <p:cNvPr id="6" name="Cerrar llave 5">
+            <a:extLst>
+              <a:ext uri="{FF2B5EF4-FFF2-40B4-BE49-F238E27FC236}">
+                <a16:creationId xmlns:a16="http://schemas.microsoft.com/office/drawing/2014/main" id="{6AF4D53A-D627-3BAB-42E5-DDC65ED046E2}"/>
+              </a:ext>
+            </a:extLst>
+          </p:cNvPr>
+          <p:cNvSpPr/>
+          <p:nvPr/>
+        </p:nvSpPr>
+        <p:spPr>
+          <a:xfrm rot="5400000">
+            <a:off x="3977150" y="153191"/>
+            <a:ext cx="629264" cy="6341809"/>
+          </a:xfrm>
+          <a:prstGeom prst="rightBrace">
+            <a:avLst>
+              <a:gd name="adj1" fmla="val 51563"/>
+              <a:gd name="adj2" fmla="val 50000"/>
+            </a:avLst>
+          </a:prstGeom>
         </p:spPr>
         <p:style>
           <a:lnRef idx="2">
@@ -8864,168 +9073,6 @@
             <a:schemeClr val="tx1"/>
           </a:fontRef>
         </p:style>
-      </p:cxnSp>
-    </p:spTree>
-    <p:extLst>
-      <p:ext uri="{BB962C8B-B14F-4D97-AF65-F5344CB8AC3E}">
-        <p14:creationId xmlns:p14="http://schemas.microsoft.com/office/powerpoint/2010/main" val="2436039188"/>
-      </p:ext>
-    </p:extLst>
-  </p:cSld>
-  <p:clrMapOvr>
-    <a:masterClrMapping/>
-  </p:clrMapOvr>
-</p:sld>
-</file>
-
-<file path=ppt/slides/slide26.xml><?xml version="1.0" encoding="utf-8"?>
-<p:sld xmlns:a="http://schemas.openxmlformats.org/drawingml/2006/main" xmlns:r="http://schemas.openxmlformats.org/officeDocument/2006/relationships" xmlns:p="http://schemas.openxmlformats.org/presentationml/2006/main">
-  <p:cSld>
-    <p:spTree>
-      <p:nvGrpSpPr>
-        <p:cNvPr id="1" name=""/>
-        <p:cNvGrpSpPr/>
-        <p:nvPr/>
-      </p:nvGrpSpPr>
-      <p:grpSpPr>
-        <a:xfrm>
-          <a:off x="0" y="0"/>
-          <a:ext cx="0" cy="0"/>
-          <a:chOff x="0" y="0"/>
-          <a:chExt cx="0" cy="0"/>
-        </a:xfrm>
-      </p:grpSpPr>
-      <p:sp>
-        <p:nvSpPr>
-          <p:cNvPr id="2" name="Título 1">
-            <a:extLst>
-              <a:ext uri="{FF2B5EF4-FFF2-40B4-BE49-F238E27FC236}">
-                <a16:creationId xmlns:a16="http://schemas.microsoft.com/office/drawing/2014/main" id="{DCB1E283-4B98-8AF2-3A24-65E9F490654A}"/>
-              </a:ext>
-            </a:extLst>
-          </p:cNvPr>
-          <p:cNvSpPr>
-            <a:spLocks noGrp="1"/>
-          </p:cNvSpPr>
-          <p:nvPr>
-            <p:ph type="title"/>
-          </p:nvPr>
-        </p:nvSpPr>
-        <p:spPr/>
-        <p:txBody>
-          <a:bodyPr/>
-          <a:lstStyle/>
-          <a:p>
-            <a:r>
-              <a:rPr lang="es-ES" dirty="0"/>
-              <a:t>Guardar la web – Formato HTML</a:t>
-            </a:r>
-          </a:p>
-        </p:txBody>
-      </p:sp>
-      <p:pic>
-        <p:nvPicPr>
-          <p:cNvPr id="7" name="Imagen 6">
-            <a:extLst>
-              <a:ext uri="{FF2B5EF4-FFF2-40B4-BE49-F238E27FC236}">
-                <a16:creationId xmlns:a16="http://schemas.microsoft.com/office/drawing/2014/main" id="{7BA25C9C-5768-CD49-1130-57085E8CBADF}"/>
-              </a:ext>
-            </a:extLst>
-          </p:cNvPr>
-          <p:cNvPicPr>
-            <a:picLocks noChangeAspect="1"/>
-          </p:cNvPicPr>
-          <p:nvPr/>
-        </p:nvPicPr>
-        <p:blipFill>
-          <a:blip r:embed="rId2"/>
-          <a:stretch>
-            <a:fillRect/>
-          </a:stretch>
-        </p:blipFill>
-        <p:spPr>
-          <a:xfrm>
-            <a:off x="740185" y="2004883"/>
-            <a:ext cx="5355815" cy="4096078"/>
-          </a:xfrm>
-          <a:prstGeom prst="rect">
-            <a:avLst/>
-          </a:prstGeom>
-        </p:spPr>
-      </p:pic>
-      <p:pic>
-        <p:nvPicPr>
-          <p:cNvPr id="9" name="Imagen 8">
-            <a:extLst>
-              <a:ext uri="{FF2B5EF4-FFF2-40B4-BE49-F238E27FC236}">
-                <a16:creationId xmlns:a16="http://schemas.microsoft.com/office/drawing/2014/main" id="{65B3AD14-80FE-0122-0118-7ECBFDAA1A6C}"/>
-              </a:ext>
-            </a:extLst>
-          </p:cNvPr>
-          <p:cNvPicPr>
-            <a:picLocks noChangeAspect="1"/>
-          </p:cNvPicPr>
-          <p:nvPr/>
-        </p:nvPicPr>
-        <p:blipFill>
-          <a:blip r:embed="rId3"/>
-          <a:stretch>
-            <a:fillRect/>
-          </a:stretch>
-        </p:blipFill>
-        <p:spPr>
-          <a:xfrm>
-            <a:off x="6562543" y="1622239"/>
-            <a:ext cx="5108347" cy="4247702"/>
-          </a:xfrm>
-          <a:prstGeom prst="rect">
-            <a:avLst/>
-          </a:prstGeom>
-        </p:spPr>
-      </p:pic>
-      <p:sp>
-        <p:nvSpPr>
-          <p:cNvPr id="10" name="Elipse 9">
-            <a:extLst>
-              <a:ext uri="{FF2B5EF4-FFF2-40B4-BE49-F238E27FC236}">
-                <a16:creationId xmlns:a16="http://schemas.microsoft.com/office/drawing/2014/main" id="{1DBD1ABB-C2E3-2517-B006-B4A6E936D205}"/>
-              </a:ext>
-            </a:extLst>
-          </p:cNvPr>
-          <p:cNvSpPr/>
-          <p:nvPr/>
-        </p:nvSpPr>
-        <p:spPr>
-          <a:xfrm>
-            <a:off x="838200" y="3429000"/>
-            <a:ext cx="1914832" cy="317090"/>
-          </a:xfrm>
-          <a:prstGeom prst="ellipse">
-            <a:avLst/>
-          </a:prstGeom>
-          <a:noFill/>
-          <a:ln>
-            <a:solidFill>
-              <a:srgbClr val="FF0000"/>
-            </a:solidFill>
-          </a:ln>
-        </p:spPr>
-        <p:style>
-          <a:lnRef idx="2">
-            <a:schemeClr val="accent1">
-              <a:shade val="15000"/>
-            </a:schemeClr>
-          </a:lnRef>
-          <a:fillRef idx="1">
-            <a:schemeClr val="accent1"/>
-          </a:fillRef>
-          <a:effectRef idx="0">
-            <a:schemeClr val="accent1"/>
-          </a:effectRef>
-          <a:fontRef idx="minor">
-            <a:schemeClr val="lt1"/>
-          </a:fontRef>
-        </p:style>
         <p:txBody>
           <a:bodyPr rtlCol="0" anchor="ctr"/>
           <a:lstStyle/>
@@ -9037,10 +9084,10 @@
       </p:sp>
       <p:sp>
         <p:nvSpPr>
-          <p:cNvPr id="11" name="Elipse 10">
-            <a:extLst>
-              <a:ext uri="{FF2B5EF4-FFF2-40B4-BE49-F238E27FC236}">
-                <a16:creationId xmlns:a16="http://schemas.microsoft.com/office/drawing/2014/main" id="{BECCD1A3-4432-3020-A716-634E5C9EE376}"/>
+          <p:cNvPr id="7" name="Cerrar llave 6">
+            <a:extLst>
+              <a:ext uri="{FF2B5EF4-FFF2-40B4-BE49-F238E27FC236}">
+                <a16:creationId xmlns:a16="http://schemas.microsoft.com/office/drawing/2014/main" id="{43F6D2F2-435C-8735-F77B-6823D55A400A}"/>
               </a:ext>
             </a:extLst>
           </p:cNvPr>
@@ -9048,146 +9095,16 @@
           <p:nvPr/>
         </p:nvSpPr>
         <p:spPr>
-          <a:xfrm>
-            <a:off x="2367116" y="2796268"/>
-            <a:ext cx="1914832" cy="317090"/>
-          </a:xfrm>
-          <a:prstGeom prst="ellipse">
-            <a:avLst/>
-          </a:prstGeom>
-          <a:noFill/>
-          <a:ln>
-            <a:solidFill>
-              <a:srgbClr val="FF0000"/>
-            </a:solidFill>
-          </a:ln>
-        </p:spPr>
-        <p:style>
-          <a:lnRef idx="2">
-            <a:schemeClr val="accent1">
-              <a:shade val="15000"/>
-            </a:schemeClr>
-          </a:lnRef>
-          <a:fillRef idx="1">
-            <a:schemeClr val="accent1"/>
-          </a:fillRef>
-          <a:effectRef idx="0">
-            <a:schemeClr val="accent1"/>
-          </a:effectRef>
-          <a:fontRef idx="minor">
-            <a:schemeClr val="lt1"/>
-          </a:fontRef>
-        </p:style>
-        <p:txBody>
-          <a:bodyPr rtlCol="0" anchor="ctr"/>
-          <a:lstStyle/>
-          <a:p>
-            <a:pPr algn="ctr"/>
-            <a:endParaRPr lang="es-ES"/>
-          </a:p>
-        </p:txBody>
-      </p:sp>
-      <p:sp>
-        <p:nvSpPr>
-          <p:cNvPr id="12" name="CuadroTexto 11">
-            <a:extLst>
-              <a:ext uri="{FF2B5EF4-FFF2-40B4-BE49-F238E27FC236}">
-                <a16:creationId xmlns:a16="http://schemas.microsoft.com/office/drawing/2014/main" id="{A59E74D5-CC1C-08D3-186D-F2E2EAEB2CE1}"/>
-              </a:ext>
-            </a:extLst>
-          </p:cNvPr>
-          <p:cNvSpPr txBox="1"/>
-          <p:nvPr/>
-        </p:nvSpPr>
-        <p:spPr>
-          <a:xfrm>
-            <a:off x="8821748" y="378719"/>
-            <a:ext cx="3026123" cy="1169551"/>
-          </a:xfrm>
-          <a:prstGeom prst="rect">
-            <a:avLst/>
-          </a:prstGeom>
-          <a:noFill/>
-        </p:spPr>
-        <p:txBody>
-          <a:bodyPr wrap="square" rtlCol="0">
-            <a:spAutoFit/>
-          </a:bodyPr>
-          <a:lstStyle/>
-          <a:p>
-            <a:r>
-              <a:rPr lang="es-ES" sz="1400" dirty="0">
-                <a:solidFill>
-                  <a:srgbClr val="FF0000"/>
-                </a:solidFill>
-              </a:rPr>
-              <a:t>Si es </a:t>
-            </a:r>
-            <a:r>
-              <a:rPr lang="es-ES" sz="1400" dirty="0" err="1">
-                <a:solidFill>
-                  <a:srgbClr val="FF0000"/>
-                </a:solidFill>
-              </a:rPr>
-              <a:t>Update</a:t>
-            </a:r>
-            <a:r>
-              <a:rPr lang="es-ES" sz="1400" dirty="0">
-                <a:solidFill>
-                  <a:srgbClr val="FF0000"/>
-                </a:solidFill>
-              </a:rPr>
-              <a:t> tarda menos (minutos), sino puede tardar 1h</a:t>
-            </a:r>
-          </a:p>
-          <a:p>
-            <a:endParaRPr lang="es-ES" sz="1400" dirty="0">
-              <a:solidFill>
-                <a:srgbClr val="FF0000"/>
-              </a:solidFill>
-            </a:endParaRPr>
-          </a:p>
-          <a:p>
-            <a:r>
-              <a:rPr lang="es-ES" sz="1400" dirty="0">
-                <a:solidFill>
-                  <a:srgbClr val="FF0000"/>
-                </a:solidFill>
-              </a:rPr>
-              <a:t>Es importante que sea la URL que copiaste, si no, cámbiala.</a:t>
-            </a:r>
-          </a:p>
-        </p:txBody>
-      </p:sp>
-      <p:cxnSp>
-        <p:nvCxnSpPr>
-          <p:cNvPr id="14" name="Conector recto de flecha 13">
-            <a:extLst>
-              <a:ext uri="{FF2B5EF4-FFF2-40B4-BE49-F238E27FC236}">
-                <a16:creationId xmlns:a16="http://schemas.microsoft.com/office/drawing/2014/main" id="{A38B2A6F-CE4B-53F4-1CDA-299D0295FA98}"/>
-              </a:ext>
-            </a:extLst>
-          </p:cNvPr>
-          <p:cNvCxnSpPr>
-            <a:cxnSpLocks/>
-            <a:stCxn id="11" idx="0"/>
-          </p:cNvCxnSpPr>
-          <p:nvPr/>
-        </p:nvCxnSpPr>
-        <p:spPr>
-          <a:xfrm flipV="1">
-            <a:off x="3324532" y="648929"/>
-            <a:ext cx="5497216" cy="2147339"/>
-          </a:xfrm>
-          <a:prstGeom prst="straightConnector1">
-            <a:avLst/>
-          </a:prstGeom>
-          <a:ln>
-            <a:solidFill>
-              <a:srgbClr val="FF0000"/>
-            </a:solidFill>
-            <a:tailEnd type="triangle"/>
-          </a:ln>
+          <a:xfrm rot="5400000">
+            <a:off x="8878531" y="1790265"/>
+            <a:ext cx="629264" cy="3067662"/>
+          </a:xfrm>
+          <a:prstGeom prst="rightBrace">
+            <a:avLst>
+              <a:gd name="adj1" fmla="val 51563"/>
+              <a:gd name="adj2" fmla="val 50000"/>
+            </a:avLst>
+          </a:prstGeom>
         </p:spPr>
         <p:style>
           <a:lnRef idx="2">
@@ -9203,57 +9120,21 @@
             <a:schemeClr val="tx1"/>
           </a:fontRef>
         </p:style>
-      </p:cxnSp>
-      <p:cxnSp>
-        <p:nvCxnSpPr>
-          <p:cNvPr id="16" name="Conector recto de flecha 15">
-            <a:extLst>
-              <a:ext uri="{FF2B5EF4-FFF2-40B4-BE49-F238E27FC236}">
-                <a16:creationId xmlns:a16="http://schemas.microsoft.com/office/drawing/2014/main" id="{B4E3B69F-353E-F0CB-ABB2-DFDCAC9840A8}"/>
-              </a:ext>
-            </a:extLst>
-          </p:cNvPr>
-          <p:cNvCxnSpPr>
-            <a:stCxn id="10" idx="6"/>
-          </p:cNvCxnSpPr>
-          <p:nvPr/>
-        </p:nvCxnSpPr>
-        <p:spPr>
-          <a:xfrm flipV="1">
-            <a:off x="2753032" y="1278194"/>
-            <a:ext cx="6068716" cy="2309351"/>
-          </a:xfrm>
-          <a:prstGeom prst="straightConnector1">
-            <a:avLst/>
-          </a:prstGeom>
-          <a:ln>
-            <a:solidFill>
-              <a:srgbClr val="FF0000"/>
-            </a:solidFill>
-            <a:tailEnd type="triangle"/>
-          </a:ln>
-        </p:spPr>
-        <p:style>
-          <a:lnRef idx="2">
-            <a:schemeClr val="accent1"/>
-          </a:lnRef>
-          <a:fillRef idx="0">
-            <a:schemeClr val="accent1"/>
-          </a:fillRef>
-          <a:effectRef idx="1">
-            <a:schemeClr val="accent1"/>
-          </a:effectRef>
-          <a:fontRef idx="minor">
-            <a:schemeClr val="tx1"/>
-          </a:fontRef>
-        </p:style>
-      </p:cxnSp>
-      <p:sp>
-        <p:nvSpPr>
-          <p:cNvPr id="18" name="CuadroTexto 17">
-            <a:extLst>
-              <a:ext uri="{FF2B5EF4-FFF2-40B4-BE49-F238E27FC236}">
-                <a16:creationId xmlns:a16="http://schemas.microsoft.com/office/drawing/2014/main" id="{FFDDFC8C-95F5-D3DA-60F0-5D83CDA2A1F8}"/>
+        <p:txBody>
+          <a:bodyPr rtlCol="0" anchor="ctr"/>
+          <a:lstStyle/>
+          <a:p>
+            <a:pPr algn="ctr"/>
+            <a:endParaRPr lang="es-ES"/>
+          </a:p>
+        </p:txBody>
+      </p:sp>
+      <p:sp>
+        <p:nvSpPr>
+          <p:cNvPr id="8" name="CuadroTexto 7">
+            <a:extLst>
+              <a:ext uri="{FF2B5EF4-FFF2-40B4-BE49-F238E27FC236}">
+                <a16:creationId xmlns:a16="http://schemas.microsoft.com/office/drawing/2014/main" id="{577F13BF-46EA-05F6-9B81-FA9D89C087DE}"/>
               </a:ext>
             </a:extLst>
           </p:cNvPr>
@@ -9262,8 +9143,8 @@
         </p:nvSpPr>
         <p:spPr>
           <a:xfrm>
-            <a:off x="6656439" y="6100961"/>
-            <a:ext cx="5355815" cy="646331"/>
+            <a:off x="1465006" y="3621661"/>
+            <a:ext cx="5958349" cy="646331"/>
           </a:xfrm>
           <a:prstGeom prst="rect">
             <a:avLst/>
@@ -9278,17 +9159,118 @@
           <a:p>
             <a:r>
               <a:rPr lang="es-ES" dirty="0"/>
-              <a:t>Una vez haya acabado esta pantalla, la carpeta de archivos </a:t>
-            </a:r>
-            <a:r>
-              <a:rPr lang="es-ES" dirty="0">
+              <a:t>El camino a la carpeta donde quiero que se descargue el HTML</a:t>
+            </a:r>
+          </a:p>
+        </p:txBody>
+      </p:sp>
+      <p:sp>
+        <p:nvSpPr>
+          <p:cNvPr id="9" name="CuadroTexto 8">
+            <a:extLst>
+              <a:ext uri="{FF2B5EF4-FFF2-40B4-BE49-F238E27FC236}">
+                <a16:creationId xmlns:a16="http://schemas.microsoft.com/office/drawing/2014/main" id="{97C3F5F6-5B94-6673-0DF0-F80346BD9757}"/>
+              </a:ext>
+            </a:extLst>
+          </p:cNvPr>
+          <p:cNvSpPr txBox="1"/>
+          <p:nvPr/>
+        </p:nvSpPr>
+        <p:spPr>
+          <a:xfrm>
+            <a:off x="8254181" y="3663871"/>
+            <a:ext cx="2472813" cy="646331"/>
+          </a:xfrm>
+          <a:prstGeom prst="rect">
+            <a:avLst/>
+          </a:prstGeom>
+          <a:noFill/>
+        </p:spPr>
+        <p:txBody>
+          <a:bodyPr wrap="square" rtlCol="0">
+            <a:spAutoFit/>
+          </a:bodyPr>
+          <a:lstStyle/>
+          <a:p>
+            <a:r>
+              <a:rPr lang="es-ES" dirty="0"/>
+              <a:t>La URL de la web</a:t>
+            </a:r>
+          </a:p>
+          <a:p>
+            <a:r>
+              <a:rPr lang="es-ES" dirty="0"/>
+              <a:t>(Copiado antes)</a:t>
+            </a:r>
+          </a:p>
+        </p:txBody>
+      </p:sp>
+      <p:sp>
+        <p:nvSpPr>
+          <p:cNvPr id="11" name="CuadroTexto 10">
+            <a:extLst>
+              <a:ext uri="{FF2B5EF4-FFF2-40B4-BE49-F238E27FC236}">
+                <a16:creationId xmlns:a16="http://schemas.microsoft.com/office/drawing/2014/main" id="{5D542BDE-3606-2F60-B117-3A0693CE55B6}"/>
+              </a:ext>
+            </a:extLst>
+          </p:cNvPr>
+          <p:cNvSpPr txBox="1"/>
+          <p:nvPr/>
+        </p:nvSpPr>
+        <p:spPr>
+          <a:xfrm>
+            <a:off x="801329" y="4880189"/>
+            <a:ext cx="10589342" cy="1631216"/>
+          </a:xfrm>
+          <a:prstGeom prst="rect">
+            <a:avLst/>
+          </a:prstGeom>
+          <a:noFill/>
+        </p:spPr>
+        <p:txBody>
+          <a:bodyPr wrap="square" rtlCol="0">
+            <a:spAutoFit/>
+          </a:bodyPr>
+          <a:lstStyle/>
+          <a:p>
+            <a:r>
+              <a:rPr lang="es-ES" sz="2000" dirty="0"/>
+              <a:t>SEGUNDO: Tarda un poco (bastante poco) y descarga en el directorio indicado una carpeta llamada </a:t>
+            </a:r>
+            <a:r>
+              <a:rPr lang="es-ES" sz="2000" dirty="0">
                 <a:latin typeface="Consolas" panose="020B0609020204030204" pitchFamily="49" charset="0"/>
               </a:rPr>
-              <a:t>imagine_HTML </a:t>
-            </a:r>
-            <a:r>
-              <a:rPr lang="es-ES" dirty="0"/>
-              <a:t>se habrá actualizado</a:t>
+              <a:t>imagine-</a:t>
+            </a:r>
+            <a:r>
+              <a:rPr lang="es-ES" sz="2000" dirty="0" err="1">
+                <a:latin typeface="Consolas" panose="020B0609020204030204" pitchFamily="49" charset="0"/>
+              </a:rPr>
+              <a:t>wp.local</a:t>
+            </a:r>
+            <a:r>
+              <a:rPr lang="es-ES" sz="2000" dirty="0"/>
+              <a:t>, la renombramos como </a:t>
+            </a:r>
+            <a:r>
+              <a:rPr lang="es-ES" sz="2000" dirty="0" err="1">
+                <a:latin typeface="Consolas" panose="020B0609020204030204" pitchFamily="49" charset="0"/>
+              </a:rPr>
+              <a:t>docs</a:t>
+            </a:r>
+            <a:r>
+              <a:rPr lang="es-ES" sz="2000" dirty="0"/>
+              <a:t> y la metemos (si no está ya) dentro de la carpeta del GitHub.</a:t>
+            </a:r>
+          </a:p>
+          <a:p>
+            <a:endParaRPr lang="es-ES" sz="2000" dirty="0"/>
+          </a:p>
+          <a:p>
+            <a:r>
+              <a:rPr lang="es-ES" sz="2000" dirty="0"/>
+              <a:t>(Debería de tener un archivo index.html desde el cual ver toda la web de manera normal)</a:t>
             </a:r>
           </a:p>
         </p:txBody>
@@ -9296,7 +9278,7 @@
     </p:spTree>
     <p:extLst>
       <p:ext uri="{BB962C8B-B14F-4D97-AF65-F5344CB8AC3E}">
-        <p14:creationId xmlns:p14="http://schemas.microsoft.com/office/powerpoint/2010/main" val="2469781660"/>
+        <p14:creationId xmlns:p14="http://schemas.microsoft.com/office/powerpoint/2010/main" val="1588311891"/>
       </p:ext>
     </p:extLst>
   </p:cSld>
@@ -9307,772 +9289,6 @@
 </file>
 
 <file path=ppt/slides/slide27.xml><?xml version="1.0" encoding="utf-8"?>
-<p:sld xmlns:a="http://schemas.openxmlformats.org/drawingml/2006/main" xmlns:r="http://schemas.openxmlformats.org/officeDocument/2006/relationships" xmlns:p="http://schemas.openxmlformats.org/presentationml/2006/main">
-  <p:cSld>
-    <p:spTree>
-      <p:nvGrpSpPr>
-        <p:cNvPr id="1" name="">
-          <a:extLst>
-            <a:ext uri="{FF2B5EF4-FFF2-40B4-BE49-F238E27FC236}">
-              <a16:creationId xmlns:a16="http://schemas.microsoft.com/office/drawing/2014/main" id="{914E18FC-765E-FFD1-FB76-CED37A474C32}"/>
-            </a:ext>
-          </a:extLst>
-        </p:cNvPr>
-        <p:cNvGrpSpPr/>
-        <p:nvPr/>
-      </p:nvGrpSpPr>
-      <p:grpSpPr>
-        <a:xfrm>
-          <a:off x="0" y="0"/>
-          <a:ext cx="0" cy="0"/>
-          <a:chOff x="0" y="0"/>
-          <a:chExt cx="0" cy="0"/>
-        </a:xfrm>
-      </p:grpSpPr>
-      <p:sp>
-        <p:nvSpPr>
-          <p:cNvPr id="2" name="Título 1">
-            <a:extLst>
-              <a:ext uri="{FF2B5EF4-FFF2-40B4-BE49-F238E27FC236}">
-                <a16:creationId xmlns:a16="http://schemas.microsoft.com/office/drawing/2014/main" id="{F890A1CB-6E75-E77E-5471-50581F6565C9}"/>
-              </a:ext>
-            </a:extLst>
-          </p:cNvPr>
-          <p:cNvSpPr>
-            <a:spLocks noGrp="1"/>
-          </p:cNvSpPr>
-          <p:nvPr>
-            <p:ph type="title"/>
-          </p:nvPr>
-        </p:nvSpPr>
-        <p:spPr/>
-        <p:txBody>
-          <a:bodyPr/>
-          <a:lstStyle/>
-          <a:p>
-            <a:r>
-              <a:rPr lang="es-ES" dirty="0"/>
-              <a:t>Guardar la web – Formato HTML</a:t>
-            </a:r>
-          </a:p>
-        </p:txBody>
-      </p:sp>
-      <p:pic>
-        <p:nvPicPr>
-          <p:cNvPr id="18" name="Imagen 17">
-            <a:extLst>
-              <a:ext uri="{FF2B5EF4-FFF2-40B4-BE49-F238E27FC236}">
-                <a16:creationId xmlns:a16="http://schemas.microsoft.com/office/drawing/2014/main" id="{89DCCE39-B9DD-7EC8-042A-DB16E4A11DD4}"/>
-              </a:ext>
-            </a:extLst>
-          </p:cNvPr>
-          <p:cNvPicPr>
-            <a:picLocks noChangeAspect="1"/>
-          </p:cNvPicPr>
-          <p:nvPr/>
-        </p:nvPicPr>
-        <p:blipFill>
-          <a:blip r:embed="rId2"/>
-          <a:stretch>
-            <a:fillRect/>
-          </a:stretch>
-        </p:blipFill>
-        <p:spPr>
-          <a:xfrm>
-            <a:off x="686873" y="1402603"/>
-            <a:ext cx="4030571" cy="2933424"/>
-          </a:xfrm>
-          <a:prstGeom prst="rect">
-            <a:avLst/>
-          </a:prstGeom>
-        </p:spPr>
-      </p:pic>
-      <p:pic>
-        <p:nvPicPr>
-          <p:cNvPr id="20" name="Imagen 19">
-            <a:extLst>
-              <a:ext uri="{FF2B5EF4-FFF2-40B4-BE49-F238E27FC236}">
-                <a16:creationId xmlns:a16="http://schemas.microsoft.com/office/drawing/2014/main" id="{2DC7F354-4612-23EE-A984-4B99EB4DD923}"/>
-              </a:ext>
-            </a:extLst>
-          </p:cNvPr>
-          <p:cNvPicPr>
-            <a:picLocks noChangeAspect="1"/>
-          </p:cNvPicPr>
-          <p:nvPr/>
-        </p:nvPicPr>
-        <p:blipFill>
-          <a:blip r:embed="rId3"/>
-          <a:stretch>
-            <a:fillRect/>
-          </a:stretch>
-        </p:blipFill>
-        <p:spPr>
-          <a:xfrm>
-            <a:off x="3622826" y="1908416"/>
-            <a:ext cx="4729308" cy="3546981"/>
-          </a:xfrm>
-          <a:prstGeom prst="rect">
-            <a:avLst/>
-          </a:prstGeom>
-        </p:spPr>
-      </p:pic>
-      <p:sp>
-        <p:nvSpPr>
-          <p:cNvPr id="21" name="Elipse 20">
-            <a:extLst>
-              <a:ext uri="{FF2B5EF4-FFF2-40B4-BE49-F238E27FC236}">
-                <a16:creationId xmlns:a16="http://schemas.microsoft.com/office/drawing/2014/main" id="{71353ADF-DB3B-C3A8-9146-C3C54BD66CD7}"/>
-              </a:ext>
-            </a:extLst>
-          </p:cNvPr>
-          <p:cNvSpPr/>
-          <p:nvPr/>
-        </p:nvSpPr>
-        <p:spPr>
-          <a:xfrm>
-            <a:off x="3805084" y="4975123"/>
-            <a:ext cx="912360" cy="398382"/>
-          </a:xfrm>
-          <a:prstGeom prst="ellipse">
-            <a:avLst/>
-          </a:prstGeom>
-          <a:noFill/>
-          <a:ln>
-            <a:solidFill>
-              <a:srgbClr val="FF0000"/>
-            </a:solidFill>
-          </a:ln>
-        </p:spPr>
-        <p:style>
-          <a:lnRef idx="2">
-            <a:schemeClr val="accent1">
-              <a:shade val="15000"/>
-            </a:schemeClr>
-          </a:lnRef>
-          <a:fillRef idx="1">
-            <a:schemeClr val="accent1"/>
-          </a:fillRef>
-          <a:effectRef idx="0">
-            <a:schemeClr val="accent1"/>
-          </a:effectRef>
-          <a:fontRef idx="minor">
-            <a:schemeClr val="lt1"/>
-          </a:fontRef>
-        </p:style>
-        <p:txBody>
-          <a:bodyPr rtlCol="0" anchor="ctr"/>
-          <a:lstStyle/>
-          <a:p>
-            <a:pPr algn="ctr"/>
-            <a:endParaRPr lang="es-ES"/>
-          </a:p>
-        </p:txBody>
-      </p:sp>
-      <p:pic>
-        <p:nvPicPr>
-          <p:cNvPr id="23" name="Imagen 22">
-            <a:extLst>
-              <a:ext uri="{FF2B5EF4-FFF2-40B4-BE49-F238E27FC236}">
-                <a16:creationId xmlns:a16="http://schemas.microsoft.com/office/drawing/2014/main" id="{851CC230-EABB-08AB-3BB7-4A8A6335ACAB}"/>
-              </a:ext>
-            </a:extLst>
-          </p:cNvPr>
-          <p:cNvPicPr>
-            <a:picLocks noChangeAspect="1"/>
-          </p:cNvPicPr>
-          <p:nvPr/>
-        </p:nvPicPr>
-        <p:blipFill>
-          <a:blip r:embed="rId4"/>
-          <a:stretch>
-            <a:fillRect/>
-          </a:stretch>
-        </p:blipFill>
-        <p:spPr>
-          <a:xfrm>
-            <a:off x="5137999" y="4857135"/>
-            <a:ext cx="6788530" cy="1792977"/>
-          </a:xfrm>
-          <a:prstGeom prst="rect">
-            <a:avLst/>
-          </a:prstGeom>
-        </p:spPr>
-      </p:pic>
-      <p:cxnSp>
-        <p:nvCxnSpPr>
-          <p:cNvPr id="25" name="Conector recto de flecha 24">
-            <a:extLst>
-              <a:ext uri="{FF2B5EF4-FFF2-40B4-BE49-F238E27FC236}">
-                <a16:creationId xmlns:a16="http://schemas.microsoft.com/office/drawing/2014/main" id="{EE385BCF-B508-DB92-D6DD-B1C319C63DCA}"/>
-              </a:ext>
-            </a:extLst>
-          </p:cNvPr>
-          <p:cNvCxnSpPr>
-            <a:stCxn id="21" idx="6"/>
-          </p:cNvCxnSpPr>
-          <p:nvPr/>
-        </p:nvCxnSpPr>
-        <p:spPr>
-          <a:xfrm>
-            <a:off x="4717444" y="5174314"/>
-            <a:ext cx="1722685" cy="361247"/>
-          </a:xfrm>
-          <a:prstGeom prst="straightConnector1">
-            <a:avLst/>
-          </a:prstGeom>
-          <a:ln>
-            <a:solidFill>
-              <a:srgbClr val="FF0000"/>
-            </a:solidFill>
-            <a:tailEnd type="triangle"/>
-          </a:ln>
-        </p:spPr>
-        <p:style>
-          <a:lnRef idx="2">
-            <a:schemeClr val="accent1"/>
-          </a:lnRef>
-          <a:fillRef idx="0">
-            <a:schemeClr val="accent1"/>
-          </a:fillRef>
-          <a:effectRef idx="1">
-            <a:schemeClr val="accent1"/>
-          </a:effectRef>
-          <a:fontRef idx="minor">
-            <a:schemeClr val="tx1"/>
-          </a:fontRef>
-        </p:style>
-      </p:cxnSp>
-      <p:sp>
-        <p:nvSpPr>
-          <p:cNvPr id="26" name="CuadroTexto 25">
-            <a:extLst>
-              <a:ext uri="{FF2B5EF4-FFF2-40B4-BE49-F238E27FC236}">
-                <a16:creationId xmlns:a16="http://schemas.microsoft.com/office/drawing/2014/main" id="{BEBDA192-E832-1B4A-F3D8-629BADF6B882}"/>
-              </a:ext>
-            </a:extLst>
-          </p:cNvPr>
-          <p:cNvSpPr txBox="1"/>
-          <p:nvPr/>
-        </p:nvSpPr>
-        <p:spPr>
-          <a:xfrm>
-            <a:off x="9106056" y="3439078"/>
-            <a:ext cx="2399071" cy="1200329"/>
-          </a:xfrm>
-          <a:prstGeom prst="rect">
-            <a:avLst/>
-          </a:prstGeom>
-          <a:noFill/>
-        </p:spPr>
-        <p:txBody>
-          <a:bodyPr wrap="square" rtlCol="0">
-            <a:spAutoFit/>
-          </a:bodyPr>
-          <a:lstStyle/>
-          <a:p>
-            <a:r>
-              <a:rPr lang="es-ES" dirty="0"/>
-              <a:t>OJO, mira la URL</a:t>
-            </a:r>
-          </a:p>
-          <a:p>
-            <a:endParaRPr lang="es-ES" dirty="0"/>
-          </a:p>
-          <a:p>
-            <a:r>
-              <a:rPr lang="es-ES" dirty="0"/>
-              <a:t>Estamos abriendo un archivo!</a:t>
-            </a:r>
-          </a:p>
-        </p:txBody>
-      </p:sp>
-      <p:sp>
-        <p:nvSpPr>
-          <p:cNvPr id="27" name="Elipse 26">
-            <a:extLst>
-              <a:ext uri="{FF2B5EF4-FFF2-40B4-BE49-F238E27FC236}">
-                <a16:creationId xmlns:a16="http://schemas.microsoft.com/office/drawing/2014/main" id="{94E2AAAA-C9DD-595D-979E-1B43B73B68F8}"/>
-              </a:ext>
-            </a:extLst>
-          </p:cNvPr>
-          <p:cNvSpPr/>
-          <p:nvPr/>
-        </p:nvSpPr>
-        <p:spPr>
-          <a:xfrm>
-            <a:off x="6017342" y="4956586"/>
-            <a:ext cx="3549445" cy="416919"/>
-          </a:xfrm>
-          <a:prstGeom prst="ellipse">
-            <a:avLst/>
-          </a:prstGeom>
-          <a:noFill/>
-          <a:ln>
-            <a:solidFill>
-              <a:srgbClr val="FF0000"/>
-            </a:solidFill>
-          </a:ln>
-        </p:spPr>
-        <p:style>
-          <a:lnRef idx="2">
-            <a:schemeClr val="accent1">
-              <a:shade val="15000"/>
-            </a:schemeClr>
-          </a:lnRef>
-          <a:fillRef idx="1">
-            <a:schemeClr val="accent1"/>
-          </a:fillRef>
-          <a:effectRef idx="0">
-            <a:schemeClr val="accent1"/>
-          </a:effectRef>
-          <a:fontRef idx="minor">
-            <a:schemeClr val="lt1"/>
-          </a:fontRef>
-        </p:style>
-        <p:txBody>
-          <a:bodyPr rtlCol="0" anchor="ctr"/>
-          <a:lstStyle/>
-          <a:p>
-            <a:pPr algn="ctr"/>
-            <a:endParaRPr lang="es-ES"/>
-          </a:p>
-        </p:txBody>
-      </p:sp>
-    </p:spTree>
-    <p:extLst>
-      <p:ext uri="{BB962C8B-B14F-4D97-AF65-F5344CB8AC3E}">
-        <p14:creationId xmlns:p14="http://schemas.microsoft.com/office/powerpoint/2010/main" val="1408513715"/>
-      </p:ext>
-    </p:extLst>
-  </p:cSld>
-  <p:clrMapOvr>
-    <a:masterClrMapping/>
-  </p:clrMapOvr>
-</p:sld>
-</file>
-
-<file path=ppt/slides/slide28.xml><?xml version="1.0" encoding="utf-8"?>
-<p:sld xmlns:a="http://schemas.openxmlformats.org/drawingml/2006/main" xmlns:r="http://schemas.openxmlformats.org/officeDocument/2006/relationships" xmlns:p="http://schemas.openxmlformats.org/presentationml/2006/main">
-  <p:cSld>
-    <p:spTree>
-      <p:nvGrpSpPr>
-        <p:cNvPr id="1" name=""/>
-        <p:cNvGrpSpPr/>
-        <p:nvPr/>
-      </p:nvGrpSpPr>
-      <p:grpSpPr>
-        <a:xfrm>
-          <a:off x="0" y="0"/>
-          <a:ext cx="0" cy="0"/>
-          <a:chOff x="0" y="0"/>
-          <a:chExt cx="0" cy="0"/>
-        </a:xfrm>
-      </p:grpSpPr>
-      <p:sp>
-        <p:nvSpPr>
-          <p:cNvPr id="2" name="Título 1">
-            <a:extLst>
-              <a:ext uri="{FF2B5EF4-FFF2-40B4-BE49-F238E27FC236}">
-                <a16:creationId xmlns:a16="http://schemas.microsoft.com/office/drawing/2014/main" id="{A2C285CD-99B5-27B7-E1F8-AA1904C860F3}"/>
-              </a:ext>
-            </a:extLst>
-          </p:cNvPr>
-          <p:cNvSpPr>
-            <a:spLocks noGrp="1"/>
-          </p:cNvSpPr>
-          <p:nvPr>
-            <p:ph type="title"/>
-          </p:nvPr>
-        </p:nvSpPr>
-        <p:spPr>
-          <a:xfrm>
-            <a:off x="0" y="18255"/>
-            <a:ext cx="10515600" cy="1325563"/>
-          </a:xfrm>
-        </p:spPr>
-        <p:txBody>
-          <a:bodyPr/>
-          <a:lstStyle/>
-          <a:p>
-            <a:r>
-              <a:rPr lang="es-ES" dirty="0"/>
-              <a:t>Guardar la web – Formato HTML</a:t>
-            </a:r>
-          </a:p>
-        </p:txBody>
-      </p:sp>
-      <p:sp>
-        <p:nvSpPr>
-          <p:cNvPr id="3" name="Marcador de contenido 2">
-            <a:extLst>
-              <a:ext uri="{FF2B5EF4-FFF2-40B4-BE49-F238E27FC236}">
-                <a16:creationId xmlns:a16="http://schemas.microsoft.com/office/drawing/2014/main" id="{373F4624-1458-0CF5-5BD8-29B92D020EDC}"/>
-              </a:ext>
-            </a:extLst>
-          </p:cNvPr>
-          <p:cNvSpPr>
-            <a:spLocks noGrp="1"/>
-          </p:cNvSpPr>
-          <p:nvPr>
-            <p:ph idx="1"/>
-          </p:nvPr>
-        </p:nvSpPr>
-        <p:spPr>
-          <a:xfrm>
-            <a:off x="179438" y="1107870"/>
-            <a:ext cx="10515600" cy="4351338"/>
-          </a:xfrm>
-        </p:spPr>
-        <p:txBody>
-          <a:bodyPr/>
-          <a:lstStyle/>
-          <a:p>
-            <a:r>
-              <a:rPr lang="es-ES" dirty="0"/>
-              <a:t>En realidad </a:t>
-            </a:r>
-            <a:r>
-              <a:rPr lang="es-ES" dirty="0" err="1">
-                <a:latin typeface="Consolas" panose="020B0609020204030204" pitchFamily="49" charset="0"/>
-              </a:rPr>
-              <a:t>imagine_HTML</a:t>
-            </a:r>
-            <a:r>
-              <a:rPr lang="es-ES" dirty="0">
-                <a:latin typeface="Consolas" panose="020B0609020204030204" pitchFamily="49" charset="0"/>
-              </a:rPr>
-              <a:t> </a:t>
-            </a:r>
-            <a:r>
-              <a:rPr lang="es-ES" dirty="0"/>
-              <a:t>y </a:t>
-            </a:r>
-            <a:r>
-              <a:rPr lang="es-ES" dirty="0" err="1">
-                <a:latin typeface="Consolas" panose="020B0609020204030204" pitchFamily="49" charset="0"/>
-              </a:rPr>
-              <a:t>docs</a:t>
-            </a:r>
-            <a:r>
-              <a:rPr lang="es-ES" dirty="0"/>
-              <a:t> son carpetas DIFERENTES.</a:t>
-            </a:r>
-          </a:p>
-          <a:p>
-            <a:pPr lvl="1"/>
-            <a:r>
-              <a:rPr lang="es-ES" dirty="0"/>
-              <a:t>La primera tiene archivos extra (caché) que permites el descargar más rápidamente la web una vez realizados cambios. </a:t>
-            </a:r>
-          </a:p>
-          <a:p>
-            <a:pPr lvl="1"/>
-            <a:r>
-              <a:rPr lang="es-ES" dirty="0"/>
-              <a:t>La segunda es la versión ‘light’ y que lee GitHub para subir a la web. </a:t>
-            </a:r>
-          </a:p>
-          <a:p>
-            <a:r>
-              <a:rPr lang="es-ES" dirty="0"/>
-              <a:t>Para hacer la carpeta </a:t>
-            </a:r>
-            <a:r>
-              <a:rPr lang="es-ES" dirty="0" err="1">
-                <a:latin typeface="Consolas" panose="020B0609020204030204" pitchFamily="49" charset="0"/>
-              </a:rPr>
-              <a:t>docs</a:t>
-            </a:r>
-            <a:r>
-              <a:rPr lang="es-ES" dirty="0"/>
-              <a:t>, cogemos </a:t>
-            </a:r>
-            <a:r>
-              <a:rPr lang="es-ES" dirty="0" err="1">
-                <a:latin typeface="Consolas" panose="020B0609020204030204" pitchFamily="49" charset="0"/>
-              </a:rPr>
-              <a:t>imagine_HTML</a:t>
-            </a:r>
-            <a:r>
-              <a:rPr lang="es-ES" dirty="0"/>
-              <a:t>, seleccionamos la carpeta </a:t>
-            </a:r>
-            <a:r>
-              <a:rPr lang="es-ES" dirty="0" err="1">
-                <a:latin typeface="Consolas" panose="020B0609020204030204" pitchFamily="49" charset="0"/>
-              </a:rPr>
-              <a:t>imagine.local</a:t>
-            </a:r>
-            <a:r>
-              <a:rPr lang="es-ES" dirty="0">
-                <a:latin typeface="Consolas" panose="020B0609020204030204" pitchFamily="49" charset="0"/>
-              </a:rPr>
-              <a:t> </a:t>
-            </a:r>
-            <a:r>
-              <a:rPr lang="es-ES" dirty="0"/>
-              <a:t>y la copiamos en la carpeta del principio del todo y le damos el nombre de</a:t>
-            </a:r>
-            <a:r>
-              <a:rPr lang="es-ES" dirty="0">
-                <a:latin typeface="Consolas" panose="020B0609020204030204" pitchFamily="49" charset="0"/>
-              </a:rPr>
-              <a:t> </a:t>
-            </a:r>
-            <a:r>
-              <a:rPr lang="es-ES" dirty="0" err="1">
-                <a:latin typeface="Consolas" panose="020B0609020204030204" pitchFamily="49" charset="0"/>
-              </a:rPr>
-              <a:t>docs</a:t>
-            </a:r>
-            <a:r>
-              <a:rPr lang="es-ES" dirty="0">
-                <a:latin typeface="Consolas" panose="020B0609020204030204" pitchFamily="49" charset="0"/>
-              </a:rPr>
-              <a:t> </a:t>
-            </a:r>
-            <a:r>
-              <a:rPr lang="es-ES" dirty="0"/>
-              <a:t>(después de haber eliminado la anterior carpeta)</a:t>
-            </a:r>
-          </a:p>
-          <a:p>
-            <a:pPr marL="457200" lvl="1" indent="0">
-              <a:buNone/>
-            </a:pPr>
-            <a:endParaRPr lang="es-ES" dirty="0"/>
-          </a:p>
-          <a:p>
-            <a:pPr marL="457200" lvl="1" indent="0">
-              <a:buNone/>
-            </a:pPr>
-            <a:endParaRPr lang="es-ES" dirty="0"/>
-          </a:p>
-        </p:txBody>
-      </p:sp>
-      <p:pic>
-        <p:nvPicPr>
-          <p:cNvPr id="5" name="Imagen 4">
-            <a:extLst>
-              <a:ext uri="{FF2B5EF4-FFF2-40B4-BE49-F238E27FC236}">
-                <a16:creationId xmlns:a16="http://schemas.microsoft.com/office/drawing/2014/main" id="{5AF22151-D29B-0B9E-AB0D-C3232D4FDE72}"/>
-              </a:ext>
-            </a:extLst>
-          </p:cNvPr>
-          <p:cNvPicPr>
-            <a:picLocks noChangeAspect="1"/>
-          </p:cNvPicPr>
-          <p:nvPr/>
-        </p:nvPicPr>
-        <p:blipFill>
-          <a:blip r:embed="rId2"/>
-          <a:stretch>
-            <a:fillRect/>
-          </a:stretch>
-        </p:blipFill>
-        <p:spPr>
-          <a:xfrm>
-            <a:off x="737419" y="4419410"/>
-            <a:ext cx="5530782" cy="2276295"/>
-          </a:xfrm>
-          <a:prstGeom prst="rect">
-            <a:avLst/>
-          </a:prstGeom>
-        </p:spPr>
-      </p:pic>
-      <p:sp>
-        <p:nvSpPr>
-          <p:cNvPr id="6" name="Elipse 5">
-            <a:extLst>
-              <a:ext uri="{FF2B5EF4-FFF2-40B4-BE49-F238E27FC236}">
-                <a16:creationId xmlns:a16="http://schemas.microsoft.com/office/drawing/2014/main" id="{2D6E5458-3AF0-5EEF-0FFC-FB666D7BA7AA}"/>
-              </a:ext>
-            </a:extLst>
-          </p:cNvPr>
-          <p:cNvSpPr/>
-          <p:nvPr/>
-        </p:nvSpPr>
-        <p:spPr>
-          <a:xfrm>
-            <a:off x="1101213" y="5750130"/>
-            <a:ext cx="1101213" cy="277043"/>
-          </a:xfrm>
-          <a:prstGeom prst="ellipse">
-            <a:avLst/>
-          </a:prstGeom>
-          <a:noFill/>
-          <a:ln>
-            <a:solidFill>
-              <a:srgbClr val="FF0000"/>
-            </a:solidFill>
-          </a:ln>
-        </p:spPr>
-        <p:style>
-          <a:lnRef idx="2">
-            <a:schemeClr val="accent1">
-              <a:shade val="15000"/>
-            </a:schemeClr>
-          </a:lnRef>
-          <a:fillRef idx="1">
-            <a:schemeClr val="accent1"/>
-          </a:fillRef>
-          <a:effectRef idx="0">
-            <a:schemeClr val="accent1"/>
-          </a:effectRef>
-          <a:fontRef idx="minor">
-            <a:schemeClr val="lt1"/>
-          </a:fontRef>
-        </p:style>
-        <p:txBody>
-          <a:bodyPr rtlCol="0" anchor="ctr"/>
-          <a:lstStyle/>
-          <a:p>
-            <a:pPr algn="ctr"/>
-            <a:endParaRPr lang="es-ES"/>
-          </a:p>
-        </p:txBody>
-      </p:sp>
-      <p:pic>
-        <p:nvPicPr>
-          <p:cNvPr id="7" name="Imagen 6">
-            <a:extLst>
-              <a:ext uri="{FF2B5EF4-FFF2-40B4-BE49-F238E27FC236}">
-                <a16:creationId xmlns:a16="http://schemas.microsoft.com/office/drawing/2014/main" id="{96404A2B-3BD1-6F27-3E9F-C5BACAE8B13F}"/>
-              </a:ext>
-            </a:extLst>
-          </p:cNvPr>
-          <p:cNvPicPr>
-            <a:picLocks noChangeAspect="1"/>
-          </p:cNvPicPr>
-          <p:nvPr/>
-        </p:nvPicPr>
-        <p:blipFill>
-          <a:blip r:embed="rId3"/>
-          <a:stretch>
-            <a:fillRect/>
-          </a:stretch>
-        </p:blipFill>
-        <p:spPr>
-          <a:xfrm>
-            <a:off x="6985876" y="4404118"/>
-            <a:ext cx="4910056" cy="2157706"/>
-          </a:xfrm>
-          <a:prstGeom prst="rect">
-            <a:avLst/>
-          </a:prstGeom>
-        </p:spPr>
-      </p:pic>
-      <p:sp>
-        <p:nvSpPr>
-          <p:cNvPr id="8" name="Elipse 7">
-            <a:extLst>
-              <a:ext uri="{FF2B5EF4-FFF2-40B4-BE49-F238E27FC236}">
-                <a16:creationId xmlns:a16="http://schemas.microsoft.com/office/drawing/2014/main" id="{5BD9B726-9FFE-6918-65CF-06AFAE0BA6BD}"/>
-              </a:ext>
-            </a:extLst>
-          </p:cNvPr>
-          <p:cNvSpPr/>
-          <p:nvPr/>
-        </p:nvSpPr>
-        <p:spPr>
-          <a:xfrm>
-            <a:off x="7907651" y="5482971"/>
-            <a:ext cx="1101213" cy="277043"/>
-          </a:xfrm>
-          <a:prstGeom prst="ellipse">
-            <a:avLst/>
-          </a:prstGeom>
-          <a:noFill/>
-          <a:ln>
-            <a:solidFill>
-              <a:srgbClr val="FF0000"/>
-            </a:solidFill>
-          </a:ln>
-        </p:spPr>
-        <p:style>
-          <a:lnRef idx="2">
-            <a:schemeClr val="accent1">
-              <a:shade val="15000"/>
-            </a:schemeClr>
-          </a:lnRef>
-          <a:fillRef idx="1">
-            <a:schemeClr val="accent1"/>
-          </a:fillRef>
-          <a:effectRef idx="0">
-            <a:schemeClr val="accent1"/>
-          </a:effectRef>
-          <a:fontRef idx="minor">
-            <a:schemeClr val="lt1"/>
-          </a:fontRef>
-        </p:style>
-        <p:txBody>
-          <a:bodyPr rtlCol="0" anchor="ctr"/>
-          <a:lstStyle/>
-          <a:p>
-            <a:pPr algn="ctr"/>
-            <a:endParaRPr lang="es-ES"/>
-          </a:p>
-        </p:txBody>
-      </p:sp>
-      <p:cxnSp>
-        <p:nvCxnSpPr>
-          <p:cNvPr id="10" name="Conector recto de flecha 9">
-            <a:extLst>
-              <a:ext uri="{FF2B5EF4-FFF2-40B4-BE49-F238E27FC236}">
-                <a16:creationId xmlns:a16="http://schemas.microsoft.com/office/drawing/2014/main" id="{6B8AC042-24D2-9017-A1CB-55A7E86E1370}"/>
-              </a:ext>
-            </a:extLst>
-          </p:cNvPr>
-          <p:cNvCxnSpPr>
-            <a:cxnSpLocks/>
-          </p:cNvCxnSpPr>
-          <p:nvPr/>
-        </p:nvCxnSpPr>
-        <p:spPr>
-          <a:xfrm flipV="1">
-            <a:off x="2202426" y="5620256"/>
-            <a:ext cx="5545393" cy="268395"/>
-          </a:xfrm>
-          <a:prstGeom prst="straightConnector1">
-            <a:avLst/>
-          </a:prstGeom>
-          <a:ln>
-            <a:solidFill>
-              <a:srgbClr val="FF0000"/>
-            </a:solidFill>
-            <a:tailEnd type="triangle"/>
-          </a:ln>
-        </p:spPr>
-        <p:style>
-          <a:lnRef idx="2">
-            <a:schemeClr val="accent1"/>
-          </a:lnRef>
-          <a:fillRef idx="0">
-            <a:schemeClr val="accent1"/>
-          </a:fillRef>
-          <a:effectRef idx="1">
-            <a:schemeClr val="accent1"/>
-          </a:effectRef>
-          <a:fontRef idx="minor">
-            <a:schemeClr val="tx1"/>
-          </a:fontRef>
-        </p:style>
-      </p:cxnSp>
-    </p:spTree>
-    <p:extLst>
-      <p:ext uri="{BB962C8B-B14F-4D97-AF65-F5344CB8AC3E}">
-        <p14:creationId xmlns:p14="http://schemas.microsoft.com/office/powerpoint/2010/main" val="798968775"/>
-      </p:ext>
-    </p:extLst>
-  </p:cSld>
-  <p:clrMapOvr>
-    <a:masterClrMapping/>
-  </p:clrMapOvr>
-</p:sld>
-</file>
-
-<file path=ppt/slides/slide29.xml><?xml version="1.0" encoding="utf-8"?>
 <p:sld xmlns:a="http://schemas.openxmlformats.org/drawingml/2006/main" xmlns:r="http://schemas.openxmlformats.org/officeDocument/2006/relationships" xmlns:p="http://schemas.openxmlformats.org/presentationml/2006/main">
   <p:cSld>
     <p:spTree>
@@ -10169,10 +9385,10 @@
       </p:sp>
       <p:pic>
         <p:nvPicPr>
-          <p:cNvPr id="5" name="Imagen 4">
-            <a:extLst>
-              <a:ext uri="{FF2B5EF4-FFF2-40B4-BE49-F238E27FC236}">
-                <a16:creationId xmlns:a16="http://schemas.microsoft.com/office/drawing/2014/main" id="{199326C5-DD34-A792-2775-813F32E03426}"/>
+          <p:cNvPr id="6" name="Imagen 5">
+            <a:extLst>
+              <a:ext uri="{FF2B5EF4-FFF2-40B4-BE49-F238E27FC236}">
+                <a16:creationId xmlns:a16="http://schemas.microsoft.com/office/drawing/2014/main" id="{D55350AD-56CB-E838-4CD6-76CD9FC9743D}"/>
               </a:ext>
             </a:extLst>
           </p:cNvPr>
@@ -10189,8 +9405,8 @@
         </p:blipFill>
         <p:spPr>
           <a:xfrm>
-            <a:off x="6096000" y="2015701"/>
-            <a:ext cx="3472078" cy="2674286"/>
+            <a:off x="5893766" y="2036198"/>
+            <a:ext cx="3781175" cy="2624159"/>
           </a:xfrm>
           <a:prstGeom prst="rect">
             <a:avLst/>
@@ -10210,160 +9426,7 @@
 </p:sld>
 </file>
 
-<file path=ppt/slides/slide3.xml><?xml version="1.0" encoding="utf-8"?>
-<p:sld xmlns:a="http://schemas.openxmlformats.org/drawingml/2006/main" xmlns:r="http://schemas.openxmlformats.org/officeDocument/2006/relationships" xmlns:p="http://schemas.openxmlformats.org/presentationml/2006/main">
-  <p:cSld>
-    <p:spTree>
-      <p:nvGrpSpPr>
-        <p:cNvPr id="1" name=""/>
-        <p:cNvGrpSpPr/>
-        <p:nvPr/>
-      </p:nvGrpSpPr>
-      <p:grpSpPr>
-        <a:xfrm>
-          <a:off x="0" y="0"/>
-          <a:ext cx="0" cy="0"/>
-          <a:chOff x="0" y="0"/>
-          <a:chExt cx="0" cy="0"/>
-        </a:xfrm>
-      </p:grpSpPr>
-      <p:sp>
-        <p:nvSpPr>
-          <p:cNvPr id="2" name="Título 1">
-            <a:extLst>
-              <a:ext uri="{FF2B5EF4-FFF2-40B4-BE49-F238E27FC236}">
-                <a16:creationId xmlns:a16="http://schemas.microsoft.com/office/drawing/2014/main" id="{34E12D2D-E9D8-49D8-58EC-3C32777CF8E3}"/>
-              </a:ext>
-            </a:extLst>
-          </p:cNvPr>
-          <p:cNvSpPr>
-            <a:spLocks noGrp="1"/>
-          </p:cNvSpPr>
-          <p:nvPr>
-            <p:ph type="title"/>
-          </p:nvPr>
-        </p:nvSpPr>
-        <p:spPr/>
-        <p:txBody>
-          <a:bodyPr>
-            <a:normAutofit/>
-          </a:bodyPr>
-          <a:lstStyle/>
-          <a:p>
-            <a:pPr marL="0" indent="0"/>
-            <a:r>
-              <a:rPr lang="es-ES" dirty="0"/>
-              <a:t>1. Instalar </a:t>
-            </a:r>
-            <a:r>
-              <a:rPr lang="es-ES" dirty="0">
-                <a:hlinkClick r:id="rId2"/>
-              </a:rPr>
-              <a:t>GitBash</a:t>
-            </a:r>
-            <a:r>
-              <a:rPr lang="es-ES" dirty="0"/>
-              <a:t> y </a:t>
-            </a:r>
-            <a:r>
-              <a:rPr lang="es-ES" dirty="0">
-                <a:hlinkClick r:id="rId3"/>
-              </a:rPr>
-              <a:t>GitHub</a:t>
-            </a:r>
-            <a:r>
-              <a:rPr lang="es-ES" dirty="0"/>
-              <a:t> </a:t>
-            </a:r>
-          </a:p>
-        </p:txBody>
-      </p:sp>
-      <p:sp>
-        <p:nvSpPr>
-          <p:cNvPr id="3" name="Marcador de contenido 2">
-            <a:extLst>
-              <a:ext uri="{FF2B5EF4-FFF2-40B4-BE49-F238E27FC236}">
-                <a16:creationId xmlns:a16="http://schemas.microsoft.com/office/drawing/2014/main" id="{7D798FC5-8819-4288-A4A9-50973984354C}"/>
-              </a:ext>
-            </a:extLst>
-          </p:cNvPr>
-          <p:cNvSpPr>
-            <a:spLocks noGrp="1"/>
-          </p:cNvSpPr>
-          <p:nvPr>
-            <p:ph idx="1"/>
-          </p:nvPr>
-        </p:nvSpPr>
-        <p:spPr>
-          <a:xfrm>
-            <a:off x="838200" y="1825624"/>
-            <a:ext cx="10515600" cy="4339201"/>
-          </a:xfrm>
-        </p:spPr>
-        <p:txBody>
-          <a:bodyPr>
-            <a:normAutofit lnSpcReduction="10000"/>
-          </a:bodyPr>
-          <a:lstStyle/>
-          <a:p>
-            <a:r>
-              <a:rPr lang="es-ES" dirty="0"/>
-              <a:t>Sirve para poder poner los archivos de la web en común. Te deberíamos dar acceso a un repositorio privado de GitHub en el que los documentos relativos a la web estén alojados.</a:t>
-            </a:r>
-          </a:p>
-          <a:p>
-            <a:endParaRPr lang="es-ES" dirty="0"/>
-          </a:p>
-          <a:p>
-            <a:r>
-              <a:rPr lang="es-ES" dirty="0"/>
-              <a:t>Una vez instalados ambos programas, por comodidad, recomiendo crear una llave SSH. Esto evita que haya que iniciar sesión 4565332 veces en GitHub. Es prescindible y solo lo haría en un ordenador de confianza. Seguir </a:t>
-            </a:r>
-            <a:r>
-              <a:rPr lang="es-ES" dirty="0">
-                <a:hlinkClick r:id="rId4"/>
-              </a:rPr>
-              <a:t>estas instrucciones</a:t>
-            </a:r>
-            <a:r>
-              <a:rPr lang="es-ES" dirty="0"/>
-              <a:t>.</a:t>
-            </a:r>
-          </a:p>
-          <a:p>
-            <a:endParaRPr lang="es-ES" dirty="0"/>
-          </a:p>
-          <a:p>
-            <a:r>
-              <a:rPr lang="es-ES" dirty="0">
-                <a:hlinkClick r:id="rId5"/>
-              </a:rPr>
-              <a:t>Tutorial de uso de GitHub</a:t>
-            </a:r>
-            <a:endParaRPr lang="es-ES" dirty="0"/>
-          </a:p>
-          <a:p>
-            <a:pPr marL="0" indent="0">
-              <a:buNone/>
-            </a:pPr>
-            <a:endParaRPr lang="es-ES" dirty="0"/>
-          </a:p>
-        </p:txBody>
-      </p:sp>
-    </p:spTree>
-    <p:extLst>
-      <p:ext uri="{BB962C8B-B14F-4D97-AF65-F5344CB8AC3E}">
-        <p14:creationId xmlns:p14="http://schemas.microsoft.com/office/powerpoint/2010/main" val="1813711219"/>
-      </p:ext>
-    </p:extLst>
-  </p:cSld>
-  <p:clrMapOvr>
-    <a:masterClrMapping/>
-  </p:clrMapOvr>
-</p:sld>
-</file>
-
-<file path=ppt/slides/slide30.xml><?xml version="1.0" encoding="utf-8"?>
+<file path=ppt/slides/slide28.xml><?xml version="1.0" encoding="utf-8"?>
 <p:sld xmlns:a="http://schemas.openxmlformats.org/drawingml/2006/main" xmlns:r="http://schemas.openxmlformats.org/officeDocument/2006/relationships" xmlns:p="http://schemas.openxmlformats.org/presentationml/2006/main">
   <p:cSld>
     <p:spTree>
@@ -10622,7 +9685,7 @@
 </p:sld>
 </file>
 
-<file path=ppt/slides/slide31.xml><?xml version="1.0" encoding="utf-8"?>
+<file path=ppt/slides/slide29.xml><?xml version="1.0" encoding="utf-8"?>
 <p:sld xmlns:a="http://schemas.openxmlformats.org/drawingml/2006/main" xmlns:r="http://schemas.openxmlformats.org/officeDocument/2006/relationships" xmlns:p="http://schemas.openxmlformats.org/presentationml/2006/main">
   <p:cSld>
     <p:spTree>
@@ -11150,7 +10213,160 @@
 </p:sld>
 </file>
 
-<file path=ppt/slides/slide32.xml><?xml version="1.0" encoding="utf-8"?>
+<file path=ppt/slides/slide3.xml><?xml version="1.0" encoding="utf-8"?>
+<p:sld xmlns:a="http://schemas.openxmlformats.org/drawingml/2006/main" xmlns:r="http://schemas.openxmlformats.org/officeDocument/2006/relationships" xmlns:p="http://schemas.openxmlformats.org/presentationml/2006/main">
+  <p:cSld>
+    <p:spTree>
+      <p:nvGrpSpPr>
+        <p:cNvPr id="1" name=""/>
+        <p:cNvGrpSpPr/>
+        <p:nvPr/>
+      </p:nvGrpSpPr>
+      <p:grpSpPr>
+        <a:xfrm>
+          <a:off x="0" y="0"/>
+          <a:ext cx="0" cy="0"/>
+          <a:chOff x="0" y="0"/>
+          <a:chExt cx="0" cy="0"/>
+        </a:xfrm>
+      </p:grpSpPr>
+      <p:sp>
+        <p:nvSpPr>
+          <p:cNvPr id="2" name="Título 1">
+            <a:extLst>
+              <a:ext uri="{FF2B5EF4-FFF2-40B4-BE49-F238E27FC236}">
+                <a16:creationId xmlns:a16="http://schemas.microsoft.com/office/drawing/2014/main" id="{34E12D2D-E9D8-49D8-58EC-3C32777CF8E3}"/>
+              </a:ext>
+            </a:extLst>
+          </p:cNvPr>
+          <p:cNvSpPr>
+            <a:spLocks noGrp="1"/>
+          </p:cNvSpPr>
+          <p:nvPr>
+            <p:ph type="title"/>
+          </p:nvPr>
+        </p:nvSpPr>
+        <p:spPr/>
+        <p:txBody>
+          <a:bodyPr>
+            <a:normAutofit/>
+          </a:bodyPr>
+          <a:lstStyle/>
+          <a:p>
+            <a:pPr marL="0" indent="0"/>
+            <a:r>
+              <a:rPr lang="es-ES" dirty="0"/>
+              <a:t>1. Instalar </a:t>
+            </a:r>
+            <a:r>
+              <a:rPr lang="es-ES" dirty="0">
+                <a:hlinkClick r:id="rId2"/>
+              </a:rPr>
+              <a:t>GitBash</a:t>
+            </a:r>
+            <a:r>
+              <a:rPr lang="es-ES" dirty="0"/>
+              <a:t> y </a:t>
+            </a:r>
+            <a:r>
+              <a:rPr lang="es-ES" dirty="0">
+                <a:hlinkClick r:id="rId3"/>
+              </a:rPr>
+              <a:t>GitHub</a:t>
+            </a:r>
+            <a:r>
+              <a:rPr lang="es-ES" dirty="0"/>
+              <a:t> </a:t>
+            </a:r>
+          </a:p>
+        </p:txBody>
+      </p:sp>
+      <p:sp>
+        <p:nvSpPr>
+          <p:cNvPr id="3" name="Marcador de contenido 2">
+            <a:extLst>
+              <a:ext uri="{FF2B5EF4-FFF2-40B4-BE49-F238E27FC236}">
+                <a16:creationId xmlns:a16="http://schemas.microsoft.com/office/drawing/2014/main" id="{7D798FC5-8819-4288-A4A9-50973984354C}"/>
+              </a:ext>
+            </a:extLst>
+          </p:cNvPr>
+          <p:cNvSpPr>
+            <a:spLocks noGrp="1"/>
+          </p:cNvSpPr>
+          <p:nvPr>
+            <p:ph idx="1"/>
+          </p:nvPr>
+        </p:nvSpPr>
+        <p:spPr>
+          <a:xfrm>
+            <a:off x="838200" y="1825624"/>
+            <a:ext cx="10515600" cy="4339201"/>
+          </a:xfrm>
+        </p:spPr>
+        <p:txBody>
+          <a:bodyPr>
+            <a:normAutofit lnSpcReduction="10000"/>
+          </a:bodyPr>
+          <a:lstStyle/>
+          <a:p>
+            <a:r>
+              <a:rPr lang="es-ES" dirty="0"/>
+              <a:t>Sirve para poder poner los archivos de la web en común. Te deberíamos dar acceso a un repositorio privado de GitHub en el que los documentos relativos a la web estén alojados.</a:t>
+            </a:r>
+          </a:p>
+          <a:p>
+            <a:endParaRPr lang="es-ES" dirty="0"/>
+          </a:p>
+          <a:p>
+            <a:r>
+              <a:rPr lang="es-ES" dirty="0"/>
+              <a:t>Una vez instalados ambos programas, por comodidad, recomiendo crear una llave SSH. Esto evita que haya que iniciar sesión 4565332 veces en GitHub. Es prescindible y solo lo haría en un ordenador de confianza. Seguir </a:t>
+            </a:r>
+            <a:r>
+              <a:rPr lang="es-ES" dirty="0">
+                <a:hlinkClick r:id="rId4"/>
+              </a:rPr>
+              <a:t>estas instrucciones</a:t>
+            </a:r>
+            <a:r>
+              <a:rPr lang="es-ES" dirty="0"/>
+              <a:t>.</a:t>
+            </a:r>
+          </a:p>
+          <a:p>
+            <a:endParaRPr lang="es-ES" dirty="0"/>
+          </a:p>
+          <a:p>
+            <a:r>
+              <a:rPr lang="es-ES" dirty="0">
+                <a:hlinkClick r:id="rId5"/>
+              </a:rPr>
+              <a:t>Tutorial de uso de GitHub</a:t>
+            </a:r>
+            <a:endParaRPr lang="es-ES" dirty="0"/>
+          </a:p>
+          <a:p>
+            <a:pPr marL="0" indent="0">
+              <a:buNone/>
+            </a:pPr>
+            <a:endParaRPr lang="es-ES" dirty="0"/>
+          </a:p>
+        </p:txBody>
+      </p:sp>
+    </p:spTree>
+    <p:extLst>
+      <p:ext uri="{BB962C8B-B14F-4D97-AF65-F5344CB8AC3E}">
+        <p14:creationId xmlns:p14="http://schemas.microsoft.com/office/powerpoint/2010/main" val="1813711219"/>
+      </p:ext>
+    </p:extLst>
+  </p:cSld>
+  <p:clrMapOvr>
+    <a:masterClrMapping/>
+  </p:clrMapOvr>
+</p:sld>
+</file>
+
+<file path=ppt/slides/slide30.xml><?xml version="1.0" encoding="utf-8"?>
 <p:sld xmlns:a="http://schemas.openxmlformats.org/drawingml/2006/main" xmlns:r="http://schemas.openxmlformats.org/officeDocument/2006/relationships" xmlns:p="http://schemas.openxmlformats.org/presentationml/2006/main">
   <p:cSld>
     <p:spTree>
@@ -11379,7 +10595,7 @@
               <a:t>y  escribe  </a:t>
             </a:r>
             <a:r>
-              <a:rPr lang="es-ES" dirty="0" err="1">
+              <a:rPr lang="es-ES" dirty="0">
                 <a:latin typeface="Consolas" panose="020B0609020204030204" pitchFamily="49" charset="0"/>
               </a:rPr>
               <a:t>cmd</a:t>
@@ -11673,7 +10889,7 @@
               <a:rPr lang="es-ES" dirty="0">
                 <a:hlinkClick r:id="rId2"/>
               </a:rPr>
-              <a:t>HTTrack</a:t>
+              <a:t>wget</a:t>
             </a:r>
             <a:endParaRPr lang="es-ES" dirty="0"/>
           </a:p>
@@ -11697,7 +10913,7 @@
         </p:nvSpPr>
         <p:spPr>
           <a:xfrm>
-            <a:off x="838200" y="2568011"/>
+            <a:off x="838200" y="1690688"/>
             <a:ext cx="10515600" cy="2067949"/>
           </a:xfrm>
         </p:spPr>
@@ -11707,16 +10923,144 @@
           <a:p>
             <a:r>
               <a:rPr lang="es-ES" dirty="0"/>
-              <a:t>Da miedo, lo sé, pero confía.</a:t>
+              <a:t>Es un GNU que se ejecuta desde la </a:t>
+            </a:r>
+            <a:r>
+              <a:rPr lang="es-ES" dirty="0">
+                <a:latin typeface="Consolas" panose="020B0609020204030204" pitchFamily="49" charset="0"/>
+              </a:rPr>
+              <a:t>cmd</a:t>
+            </a:r>
+            <a:r>
+              <a:rPr lang="es-ES" dirty="0"/>
+              <a:t> de Windows. Cuando le damos desde un navegador a descargar una web, utiliza esto.</a:t>
             </a:r>
           </a:p>
           <a:p>
             <a:endParaRPr lang="es-ES" dirty="0"/>
           </a:p>
           <a:p>
+            <a:pPr marL="0" indent="0">
+              <a:buNone/>
+            </a:pPr>
+            <a:endParaRPr lang="es-ES" dirty="0"/>
+          </a:p>
+        </p:txBody>
+      </p:sp>
+      <p:pic>
+        <p:nvPicPr>
+          <p:cNvPr id="5" name="Imagen 4">
+            <a:extLst>
+              <a:ext uri="{FF2B5EF4-FFF2-40B4-BE49-F238E27FC236}">
+                <a16:creationId xmlns:a16="http://schemas.microsoft.com/office/drawing/2014/main" id="{5918C2EE-79E6-815B-D537-087516136661}"/>
+              </a:ext>
+            </a:extLst>
+          </p:cNvPr>
+          <p:cNvPicPr>
+            <a:picLocks noChangeAspect="1"/>
+          </p:cNvPicPr>
+          <p:nvPr/>
+        </p:nvPicPr>
+        <p:blipFill>
+          <a:blip r:embed="rId3"/>
+          <a:stretch>
+            <a:fillRect/>
+          </a:stretch>
+        </p:blipFill>
+        <p:spPr>
+          <a:xfrm>
+            <a:off x="1145513" y="2702229"/>
+            <a:ext cx="4132124" cy="3954803"/>
+          </a:xfrm>
+          <a:prstGeom prst="rect">
+            <a:avLst/>
+          </a:prstGeom>
+        </p:spPr>
+      </p:pic>
+      <p:cxnSp>
+        <p:nvCxnSpPr>
+          <p:cNvPr id="9" name="Conector recto de flecha 8">
+            <a:extLst>
+              <a:ext uri="{FF2B5EF4-FFF2-40B4-BE49-F238E27FC236}">
+                <a16:creationId xmlns:a16="http://schemas.microsoft.com/office/drawing/2014/main" id="{67BE0DA4-9B5E-2ECA-D62A-80F58D9AD5D7}"/>
+              </a:ext>
+            </a:extLst>
+          </p:cNvPr>
+          <p:cNvCxnSpPr>
+            <a:cxnSpLocks/>
+          </p:cNvCxnSpPr>
+          <p:nvPr/>
+        </p:nvCxnSpPr>
+        <p:spPr>
+          <a:xfrm flipH="1">
+            <a:off x="2271252" y="4326272"/>
+            <a:ext cx="3832066" cy="750324"/>
+          </a:xfrm>
+          <a:prstGeom prst="straightConnector1">
+            <a:avLst/>
+          </a:prstGeom>
+          <a:ln w="50800">
+            <a:solidFill>
+              <a:srgbClr val="C00000"/>
+            </a:solidFill>
+            <a:tailEnd type="triangle"/>
+          </a:ln>
+        </p:spPr>
+        <p:style>
+          <a:lnRef idx="2">
+            <a:schemeClr val="accent1"/>
+          </a:lnRef>
+          <a:fillRef idx="0">
+            <a:schemeClr val="accent1"/>
+          </a:fillRef>
+          <a:effectRef idx="1">
+            <a:schemeClr val="accent1"/>
+          </a:effectRef>
+          <a:fontRef idx="minor">
+            <a:schemeClr val="tx1"/>
+          </a:fontRef>
+        </p:style>
+      </p:cxnSp>
+      <p:sp>
+        <p:nvSpPr>
+          <p:cNvPr id="12" name="CuadroTexto 11">
+            <a:extLst>
+              <a:ext uri="{FF2B5EF4-FFF2-40B4-BE49-F238E27FC236}">
+                <a16:creationId xmlns:a16="http://schemas.microsoft.com/office/drawing/2014/main" id="{12AE4571-6F46-6AF9-3596-28F2B7DCE142}"/>
+              </a:ext>
+            </a:extLst>
+          </p:cNvPr>
+          <p:cNvSpPr txBox="1"/>
+          <p:nvPr/>
+        </p:nvSpPr>
+        <p:spPr>
+          <a:xfrm>
+            <a:off x="6499125" y="3594868"/>
+            <a:ext cx="5250482" cy="1200329"/>
+          </a:xfrm>
+          <a:prstGeom prst="rect">
+            <a:avLst/>
+          </a:prstGeom>
+          <a:noFill/>
+        </p:spPr>
+        <p:txBody>
+          <a:bodyPr wrap="square" rtlCol="0">
+            <a:spAutoFit/>
+          </a:bodyPr>
+          <a:lstStyle/>
+          <a:p>
             <a:r>
               <a:rPr lang="es-ES" dirty="0"/>
-              <a:t>Es un programa que nos permitirá exportar a formato HTML la web, para poder así enviarla al servidor de la universidad.</a:t>
+              <a:t>Descargar el .exe de  última versión x64</a:t>
+            </a:r>
+          </a:p>
+          <a:p>
+            <a:endParaRPr lang="es-ES" dirty="0"/>
+          </a:p>
+          <a:p>
+            <a:r>
+              <a:rPr lang="es-ES" dirty="0"/>
+              <a:t>Al ejecutarlo, se abre y se cierra el cmd automáticamente</a:t>
             </a:r>
           </a:p>
         </p:txBody>
@@ -11739,7 +11083,13 @@
   <p:cSld>
     <p:spTree>
       <p:nvGrpSpPr>
-        <p:cNvPr id="1" name=""/>
+        <p:cNvPr id="1" name="">
+          <a:extLst>
+            <a:ext uri="{FF2B5EF4-FFF2-40B4-BE49-F238E27FC236}">
+              <a16:creationId xmlns:a16="http://schemas.microsoft.com/office/drawing/2014/main" id="{9165D2D5-E0E7-C48B-36A1-022EDD07A623}"/>
+            </a:ext>
+          </a:extLst>
+        </p:cNvPr>
         <p:cNvGrpSpPr/>
         <p:nvPr/>
       </p:nvGrpSpPr>
@@ -11756,7 +11106,7 @@
           <p:cNvPr id="2" name="Título 1">
             <a:extLst>
               <a:ext uri="{FF2B5EF4-FFF2-40B4-BE49-F238E27FC236}">
-                <a16:creationId xmlns:a16="http://schemas.microsoft.com/office/drawing/2014/main" id="{DC2C3E15-B47F-1745-18F8-FE3CF06D1378}"/>
+                <a16:creationId xmlns:a16="http://schemas.microsoft.com/office/drawing/2014/main" id="{78D0567C-86A9-3857-5E37-95C4E420FC58}"/>
               </a:ext>
             </a:extLst>
           </p:cNvPr>
@@ -11774,8 +11124,15 @@
           <a:p>
             <a:r>
               <a:rPr lang="es-ES" dirty="0"/>
-              <a:t>Descargar los archivos</a:t>
-            </a:r>
+              <a:t>3. Instalar </a:t>
+            </a:r>
+            <a:r>
+              <a:rPr lang="es-ES" dirty="0">
+                <a:hlinkClick r:id="rId2"/>
+              </a:rPr>
+              <a:t>wget</a:t>
+            </a:r>
+            <a:endParaRPr lang="es-ES" dirty="0"/>
           </a:p>
         </p:txBody>
       </p:sp>
@@ -11784,7 +11141,7 @@
           <p:cNvPr id="3" name="Marcador de contenido 2">
             <a:extLst>
               <a:ext uri="{FF2B5EF4-FFF2-40B4-BE49-F238E27FC236}">
-                <a16:creationId xmlns:a16="http://schemas.microsoft.com/office/drawing/2014/main" id="{EF03D518-57AB-510F-F9F4-1174DCB2DF49}"/>
+                <a16:creationId xmlns:a16="http://schemas.microsoft.com/office/drawing/2014/main" id="{86B5B5B0-1EA2-A4AB-0DC3-C77BBB44611B}"/>
               </a:ext>
             </a:extLst>
           </p:cNvPr>
@@ -11797,252 +11154,178 @@
         </p:nvSpPr>
         <p:spPr>
           <a:xfrm>
-            <a:off x="838200" y="1688740"/>
-            <a:ext cx="10515600" cy="941660"/>
-          </a:xfrm>
-        </p:spPr>
-        <p:txBody>
-          <a:bodyPr>
-            <a:normAutofit fontScale="92500"/>
+            <a:off x="838200" y="1690688"/>
+            <a:ext cx="10515600" cy="2067949"/>
+          </a:xfrm>
+        </p:spPr>
+        <p:txBody>
+          <a:bodyPr/>
+          <a:lstStyle/>
+          <a:p>
+            <a:r>
+              <a:rPr lang="es-ES" dirty="0"/>
+              <a:t>Para comprobar que está bien instalado, abrir el </a:t>
+            </a:r>
+            <a:r>
+              <a:rPr lang="es-ES" dirty="0">
+                <a:latin typeface="Consolas" panose="020B0609020204030204" pitchFamily="49" charset="0"/>
+              </a:rPr>
+              <a:t>cmd</a:t>
+            </a:r>
+            <a:r>
+              <a:rPr lang="es-ES" dirty="0"/>
+              <a:t> y ejecutamos</a:t>
+            </a:r>
+          </a:p>
+          <a:p>
+            <a:pPr marL="0" indent="0">
+              <a:buNone/>
+            </a:pPr>
+            <a:r>
+              <a:rPr lang="es-ES" dirty="0"/>
+              <a:t>	</a:t>
+            </a:r>
+            <a:r>
+              <a:rPr lang="es-ES" dirty="0">
+                <a:latin typeface="Consolas" panose="020B0609020204030204" pitchFamily="49" charset="0"/>
+              </a:rPr>
+              <a:t>wget --</a:t>
+            </a:r>
+            <a:r>
+              <a:rPr lang="es-ES" dirty="0" err="1">
+                <a:latin typeface="Consolas" panose="020B0609020204030204" pitchFamily="49" charset="0"/>
+              </a:rPr>
+              <a:t>version</a:t>
+            </a:r>
+            <a:endParaRPr lang="es-ES" dirty="0">
+              <a:latin typeface="Consolas" panose="020B0609020204030204" pitchFamily="49" charset="0"/>
+            </a:endParaRPr>
+          </a:p>
+          <a:p>
+            <a:endParaRPr lang="es-ES" dirty="0"/>
+          </a:p>
+          <a:p>
+            <a:pPr marL="0" indent="0">
+              <a:buNone/>
+            </a:pPr>
+            <a:endParaRPr lang="es-ES" dirty="0"/>
+          </a:p>
+        </p:txBody>
+      </p:sp>
+      <p:pic>
+        <p:nvPicPr>
+          <p:cNvPr id="15" name="Imagen 14">
+            <a:extLst>
+              <a:ext uri="{FF2B5EF4-FFF2-40B4-BE49-F238E27FC236}">
+                <a16:creationId xmlns:a16="http://schemas.microsoft.com/office/drawing/2014/main" id="{901ECE86-B287-C488-8E76-3762E20AD15B}"/>
+              </a:ext>
+            </a:extLst>
+          </p:cNvPr>
+          <p:cNvPicPr>
+            <a:picLocks noChangeAspect="1"/>
+          </p:cNvPicPr>
+          <p:nvPr/>
+        </p:nvPicPr>
+        <p:blipFill>
+          <a:blip r:embed="rId3"/>
+          <a:stretch>
+            <a:fillRect/>
+          </a:stretch>
+        </p:blipFill>
+        <p:spPr>
+          <a:xfrm>
+            <a:off x="5823155" y="2724662"/>
+            <a:ext cx="6034548" cy="3871908"/>
+          </a:xfrm>
+          <a:prstGeom prst="rect">
+            <a:avLst/>
+          </a:prstGeom>
+        </p:spPr>
+      </p:pic>
+      <p:sp>
+        <p:nvSpPr>
+          <p:cNvPr id="4" name="CuadroTexto 3">
+            <a:extLst>
+              <a:ext uri="{FF2B5EF4-FFF2-40B4-BE49-F238E27FC236}">
+                <a16:creationId xmlns:a16="http://schemas.microsoft.com/office/drawing/2014/main" id="{33910995-C607-418A-3607-9795AAD51D39}"/>
+              </a:ext>
+            </a:extLst>
+          </p:cNvPr>
+          <p:cNvSpPr txBox="1"/>
+          <p:nvPr/>
+        </p:nvSpPr>
+        <p:spPr>
+          <a:xfrm>
+            <a:off x="766916" y="4660616"/>
+            <a:ext cx="3460955" cy="646331"/>
+          </a:xfrm>
+          <a:prstGeom prst="rect">
+            <a:avLst/>
+          </a:prstGeom>
+          <a:noFill/>
+        </p:spPr>
+        <p:txBody>
+          <a:bodyPr wrap="square" rtlCol="0">
+            <a:spAutoFit/>
           </a:bodyPr>
           <a:lstStyle/>
           <a:p>
             <a:r>
               <a:rPr lang="es-ES" dirty="0"/>
-              <a:t>Haz una carpeta en tu PC que sea GitHub (o como se llame), luego desde GitHub Desktop CLONA el repositorio </a:t>
-            </a:r>
-            <a:r>
-              <a:rPr lang="es-ES" b="1" dirty="0"/>
-              <a:t>imagine-uo.github.io</a:t>
+              <a:t>Si no salta ningún fallo, estamos bien</a:t>
             </a:r>
           </a:p>
         </p:txBody>
       </p:sp>
       <p:cxnSp>
         <p:nvCxnSpPr>
-          <p:cNvPr id="7" name="Conector recto de flecha 6">
-            <a:extLst>
-              <a:ext uri="{FF2B5EF4-FFF2-40B4-BE49-F238E27FC236}">
-                <a16:creationId xmlns:a16="http://schemas.microsoft.com/office/drawing/2014/main" id="{E7BBE2DC-508A-222C-0DD8-A56E3490405A}"/>
-              </a:ext>
-            </a:extLst>
-          </p:cNvPr>
-          <p:cNvCxnSpPr/>
+          <p:cNvPr id="6" name="Conector recto de flecha 5">
+            <a:extLst>
+              <a:ext uri="{FF2B5EF4-FFF2-40B4-BE49-F238E27FC236}">
+                <a16:creationId xmlns:a16="http://schemas.microsoft.com/office/drawing/2014/main" id="{C7A4900A-6475-CE28-13A1-443B26DBE413}"/>
+              </a:ext>
+            </a:extLst>
+          </p:cNvPr>
+          <p:cNvCxnSpPr>
+            <a:cxnSpLocks/>
+            <a:stCxn id="4" idx="3"/>
+          </p:cNvCxnSpPr>
           <p:nvPr/>
         </p:nvCxnSpPr>
         <p:spPr>
-          <a:xfrm>
-            <a:off x="1805657" y="4654057"/>
-            <a:ext cx="1758461" cy="0"/>
+          <a:xfrm flipV="1">
+            <a:off x="4227871" y="3758637"/>
+            <a:ext cx="2271252" cy="1225145"/>
           </a:xfrm>
           <a:prstGeom prst="straightConnector1">
             <a:avLst/>
           </a:prstGeom>
-          <a:ln>
+          <a:ln w="50800">
+            <a:solidFill>
+              <a:srgbClr val="C00000"/>
+            </a:solidFill>
             <a:tailEnd type="triangle"/>
           </a:ln>
         </p:spPr>
         <p:style>
-          <a:lnRef idx="3">
-            <a:schemeClr val="accent2"/>
+          <a:lnRef idx="2">
+            <a:schemeClr val="accent1"/>
           </a:lnRef>
           <a:fillRef idx="0">
-            <a:schemeClr val="accent2"/>
+            <a:schemeClr val="accent1"/>
           </a:fillRef>
-          <a:effectRef idx="2">
-            <a:schemeClr val="accent2"/>
+          <a:effectRef idx="1">
+            <a:schemeClr val="accent1"/>
           </a:effectRef>
           <a:fontRef idx="minor">
             <a:schemeClr val="tx1"/>
           </a:fontRef>
         </p:style>
       </p:cxnSp>
-      <p:sp>
-        <p:nvSpPr>
-          <p:cNvPr id="8" name="CuadroTexto 7">
-            <a:extLst>
-              <a:ext uri="{FF2B5EF4-FFF2-40B4-BE49-F238E27FC236}">
-                <a16:creationId xmlns:a16="http://schemas.microsoft.com/office/drawing/2014/main" id="{920CD5D7-65FB-F701-0C69-306163397C50}"/>
-              </a:ext>
-            </a:extLst>
-          </p:cNvPr>
-          <p:cNvSpPr txBox="1"/>
-          <p:nvPr/>
-        </p:nvSpPr>
-        <p:spPr>
-          <a:xfrm>
-            <a:off x="1805657" y="4217779"/>
-            <a:ext cx="1130709" cy="369332"/>
-          </a:xfrm>
-          <a:prstGeom prst="rect">
-            <a:avLst/>
-          </a:prstGeom>
-          <a:noFill/>
-        </p:spPr>
-        <p:txBody>
-          <a:bodyPr wrap="square" rtlCol="0">
-            <a:spAutoFit/>
-          </a:bodyPr>
-          <a:lstStyle/>
-          <a:p>
-            <a:r>
-              <a:rPr lang="es-ES" dirty="0"/>
-              <a:t>Este</a:t>
-            </a:r>
-          </a:p>
-        </p:txBody>
-      </p:sp>
-      <p:sp>
-        <p:nvSpPr>
-          <p:cNvPr id="9" name="CuadroTexto 8">
-            <a:extLst>
-              <a:ext uri="{FF2B5EF4-FFF2-40B4-BE49-F238E27FC236}">
-                <a16:creationId xmlns:a16="http://schemas.microsoft.com/office/drawing/2014/main" id="{D693053B-3306-5140-C98A-F5DE324A7F93}"/>
-              </a:ext>
-            </a:extLst>
-          </p:cNvPr>
-          <p:cNvSpPr txBox="1"/>
-          <p:nvPr/>
-        </p:nvSpPr>
-        <p:spPr>
-          <a:xfrm>
-            <a:off x="1805657" y="4800527"/>
-            <a:ext cx="1585237" cy="1600438"/>
-          </a:xfrm>
-          <a:prstGeom prst="rect">
-            <a:avLst/>
-          </a:prstGeom>
-          <a:noFill/>
-        </p:spPr>
-        <p:txBody>
-          <a:bodyPr wrap="square" rtlCol="0">
-            <a:spAutoFit/>
-          </a:bodyPr>
-          <a:lstStyle/>
-          <a:p>
-            <a:r>
-              <a:rPr lang="es-ES" sz="1400" dirty="0"/>
-              <a:t>OJO estos son mis repos, te saldrán otros seguramente, pero el de Imagine-Web te debería aparecer</a:t>
-            </a:r>
-          </a:p>
-        </p:txBody>
-      </p:sp>
-      <p:cxnSp>
-        <p:nvCxnSpPr>
-          <p:cNvPr id="15" name="Conector recto de flecha 14">
-            <a:extLst>
-              <a:ext uri="{FF2B5EF4-FFF2-40B4-BE49-F238E27FC236}">
-                <a16:creationId xmlns:a16="http://schemas.microsoft.com/office/drawing/2014/main" id="{CBFFA26C-5378-6002-F2EC-5135D4806587}"/>
-              </a:ext>
-            </a:extLst>
-          </p:cNvPr>
-          <p:cNvCxnSpPr>
-            <a:cxnSpLocks/>
-          </p:cNvCxnSpPr>
-          <p:nvPr/>
-        </p:nvCxnSpPr>
-        <p:spPr>
-          <a:xfrm flipH="1">
-            <a:off x="7747819" y="5738003"/>
-            <a:ext cx="3431458" cy="0"/>
-          </a:xfrm>
-          <a:prstGeom prst="straightConnector1">
-            <a:avLst/>
-          </a:prstGeom>
-          <a:ln w="19050" cap="flat" cmpd="sng" algn="ctr">
-            <a:solidFill>
-              <a:schemeClr val="accent2"/>
-            </a:solidFill>
-            <a:prstDash val="solid"/>
-            <a:round/>
-            <a:headEnd type="none" w="med" len="med"/>
-            <a:tailEnd type="arrow" w="med" len="med"/>
-          </a:ln>
-        </p:spPr>
-        <p:style>
-          <a:lnRef idx="0">
-            <a:scrgbClr r="0" g="0" b="0"/>
-          </a:lnRef>
-          <a:fillRef idx="0">
-            <a:scrgbClr r="0" g="0" b="0"/>
-          </a:fillRef>
-          <a:effectRef idx="0">
-            <a:scrgbClr r="0" g="0" b="0"/>
-          </a:effectRef>
-          <a:fontRef idx="minor">
-            <a:schemeClr val="tx1"/>
-          </a:fontRef>
-        </p:style>
-      </p:cxnSp>
-      <p:sp>
-        <p:nvSpPr>
-          <p:cNvPr id="22" name="CuadroTexto 21">
-            <a:extLst>
-              <a:ext uri="{FF2B5EF4-FFF2-40B4-BE49-F238E27FC236}">
-                <a16:creationId xmlns:a16="http://schemas.microsoft.com/office/drawing/2014/main" id="{ACB685E8-FCE4-0AB0-E0D9-9F7BF1687352}"/>
-              </a:ext>
-            </a:extLst>
-          </p:cNvPr>
-          <p:cNvSpPr txBox="1"/>
-          <p:nvPr/>
-        </p:nvSpPr>
-        <p:spPr>
-          <a:xfrm>
-            <a:off x="9091292" y="4755427"/>
-            <a:ext cx="1920836" cy="923330"/>
-          </a:xfrm>
-          <a:prstGeom prst="rect">
-            <a:avLst/>
-          </a:prstGeom>
-          <a:noFill/>
-        </p:spPr>
-        <p:txBody>
-          <a:bodyPr wrap="square" rtlCol="0">
-            <a:spAutoFit/>
-          </a:bodyPr>
-          <a:lstStyle/>
-          <a:p>
-            <a:r>
-              <a:rPr lang="es-ES" dirty="0"/>
-              <a:t>Sitio donde se guardan los archivos</a:t>
-            </a:r>
-          </a:p>
-        </p:txBody>
-      </p:sp>
-      <p:pic>
-        <p:nvPicPr>
-          <p:cNvPr id="6" name="Imagen 5">
-            <a:extLst>
-              <a:ext uri="{FF2B5EF4-FFF2-40B4-BE49-F238E27FC236}">
-                <a16:creationId xmlns:a16="http://schemas.microsoft.com/office/drawing/2014/main" id="{D84C1458-CE9C-20CA-2B78-39460603F84B}"/>
-              </a:ext>
-            </a:extLst>
-          </p:cNvPr>
-          <p:cNvPicPr>
-            <a:picLocks noChangeAspect="1"/>
-          </p:cNvPicPr>
-          <p:nvPr/>
-        </p:nvPicPr>
-        <p:blipFill>
-          <a:blip r:embed="rId2"/>
-          <a:stretch>
-            <a:fillRect/>
-          </a:stretch>
-        </p:blipFill>
-        <p:spPr>
-          <a:xfrm>
-            <a:off x="3816897" y="2632348"/>
-            <a:ext cx="3824402" cy="3768617"/>
-          </a:xfrm>
-          <a:prstGeom prst="rect">
-            <a:avLst/>
-          </a:prstGeom>
-        </p:spPr>
-      </p:pic>
     </p:spTree>
     <p:extLst>
       <p:ext uri="{BB962C8B-B14F-4D97-AF65-F5344CB8AC3E}">
-        <p14:creationId xmlns:p14="http://schemas.microsoft.com/office/powerpoint/2010/main" val="1597096605"/>
+        <p14:creationId xmlns:p14="http://schemas.microsoft.com/office/powerpoint/2010/main" val="2231548956"/>
       </p:ext>
     </p:extLst>
   </p:cSld>
@@ -12069,12 +11352,270 @@
           <a:chExt cx="0" cy="0"/>
         </a:xfrm>
       </p:grpSpPr>
+      <p:sp>
+        <p:nvSpPr>
+          <p:cNvPr id="2" name="Título 1">
+            <a:extLst>
+              <a:ext uri="{FF2B5EF4-FFF2-40B4-BE49-F238E27FC236}">
+                <a16:creationId xmlns:a16="http://schemas.microsoft.com/office/drawing/2014/main" id="{DC2C3E15-B47F-1745-18F8-FE3CF06D1378}"/>
+              </a:ext>
+            </a:extLst>
+          </p:cNvPr>
+          <p:cNvSpPr>
+            <a:spLocks noGrp="1"/>
+          </p:cNvSpPr>
+          <p:nvPr>
+            <p:ph type="title"/>
+          </p:nvPr>
+        </p:nvSpPr>
+        <p:spPr/>
+        <p:txBody>
+          <a:bodyPr/>
+          <a:lstStyle/>
+          <a:p>
+            <a:r>
+              <a:rPr lang="es-ES" dirty="0"/>
+              <a:t>Descargar los archivos</a:t>
+            </a:r>
+          </a:p>
+        </p:txBody>
+      </p:sp>
+      <p:sp>
+        <p:nvSpPr>
+          <p:cNvPr id="3" name="Marcador de contenido 2">
+            <a:extLst>
+              <a:ext uri="{FF2B5EF4-FFF2-40B4-BE49-F238E27FC236}">
+                <a16:creationId xmlns:a16="http://schemas.microsoft.com/office/drawing/2014/main" id="{EF03D518-57AB-510F-F9F4-1174DCB2DF49}"/>
+              </a:ext>
+            </a:extLst>
+          </p:cNvPr>
+          <p:cNvSpPr>
+            <a:spLocks noGrp="1"/>
+          </p:cNvSpPr>
+          <p:nvPr>
+            <p:ph idx="1"/>
+          </p:nvPr>
+        </p:nvSpPr>
+        <p:spPr>
+          <a:xfrm>
+            <a:off x="838200" y="1688740"/>
+            <a:ext cx="10515600" cy="941660"/>
+          </a:xfrm>
+        </p:spPr>
+        <p:txBody>
+          <a:bodyPr>
+            <a:normAutofit fontScale="92500"/>
+          </a:bodyPr>
+          <a:lstStyle/>
+          <a:p>
+            <a:r>
+              <a:rPr lang="es-ES" dirty="0"/>
+              <a:t>Haz una carpeta en tu PC que sea GitHub (o como se llame), luego desde GitHub Desktop CLONA el repositorio </a:t>
+            </a:r>
+            <a:r>
+              <a:rPr lang="es-ES" b="1" dirty="0"/>
+              <a:t>imagine-uo.github.io</a:t>
+            </a:r>
+          </a:p>
+        </p:txBody>
+      </p:sp>
+      <p:cxnSp>
+        <p:nvCxnSpPr>
+          <p:cNvPr id="7" name="Conector recto de flecha 6">
+            <a:extLst>
+              <a:ext uri="{FF2B5EF4-FFF2-40B4-BE49-F238E27FC236}">
+                <a16:creationId xmlns:a16="http://schemas.microsoft.com/office/drawing/2014/main" id="{E7BBE2DC-508A-222C-0DD8-A56E3490405A}"/>
+              </a:ext>
+            </a:extLst>
+          </p:cNvPr>
+          <p:cNvCxnSpPr/>
+          <p:nvPr/>
+        </p:nvCxnSpPr>
+        <p:spPr>
+          <a:xfrm>
+            <a:off x="1805657" y="4654057"/>
+            <a:ext cx="1758461" cy="0"/>
+          </a:xfrm>
+          <a:prstGeom prst="straightConnector1">
+            <a:avLst/>
+          </a:prstGeom>
+          <a:ln>
+            <a:tailEnd type="triangle"/>
+          </a:ln>
+        </p:spPr>
+        <p:style>
+          <a:lnRef idx="3">
+            <a:schemeClr val="accent2"/>
+          </a:lnRef>
+          <a:fillRef idx="0">
+            <a:schemeClr val="accent2"/>
+          </a:fillRef>
+          <a:effectRef idx="2">
+            <a:schemeClr val="accent2"/>
+          </a:effectRef>
+          <a:fontRef idx="minor">
+            <a:schemeClr val="tx1"/>
+          </a:fontRef>
+        </p:style>
+      </p:cxnSp>
+      <p:sp>
+        <p:nvSpPr>
+          <p:cNvPr id="8" name="CuadroTexto 7">
+            <a:extLst>
+              <a:ext uri="{FF2B5EF4-FFF2-40B4-BE49-F238E27FC236}">
+                <a16:creationId xmlns:a16="http://schemas.microsoft.com/office/drawing/2014/main" id="{920CD5D7-65FB-F701-0C69-306163397C50}"/>
+              </a:ext>
+            </a:extLst>
+          </p:cNvPr>
+          <p:cNvSpPr txBox="1"/>
+          <p:nvPr/>
+        </p:nvSpPr>
+        <p:spPr>
+          <a:xfrm>
+            <a:off x="1805657" y="4217779"/>
+            <a:ext cx="1130709" cy="369332"/>
+          </a:xfrm>
+          <a:prstGeom prst="rect">
+            <a:avLst/>
+          </a:prstGeom>
+          <a:noFill/>
+        </p:spPr>
+        <p:txBody>
+          <a:bodyPr wrap="square" rtlCol="0">
+            <a:spAutoFit/>
+          </a:bodyPr>
+          <a:lstStyle/>
+          <a:p>
+            <a:r>
+              <a:rPr lang="es-ES" dirty="0"/>
+              <a:t>Este</a:t>
+            </a:r>
+          </a:p>
+        </p:txBody>
+      </p:sp>
+      <p:sp>
+        <p:nvSpPr>
+          <p:cNvPr id="9" name="CuadroTexto 8">
+            <a:extLst>
+              <a:ext uri="{FF2B5EF4-FFF2-40B4-BE49-F238E27FC236}">
+                <a16:creationId xmlns:a16="http://schemas.microsoft.com/office/drawing/2014/main" id="{D693053B-3306-5140-C98A-F5DE324A7F93}"/>
+              </a:ext>
+            </a:extLst>
+          </p:cNvPr>
+          <p:cNvSpPr txBox="1"/>
+          <p:nvPr/>
+        </p:nvSpPr>
+        <p:spPr>
+          <a:xfrm>
+            <a:off x="1805657" y="4800527"/>
+            <a:ext cx="1585237" cy="1600438"/>
+          </a:xfrm>
+          <a:prstGeom prst="rect">
+            <a:avLst/>
+          </a:prstGeom>
+          <a:noFill/>
+        </p:spPr>
+        <p:txBody>
+          <a:bodyPr wrap="square" rtlCol="0">
+            <a:spAutoFit/>
+          </a:bodyPr>
+          <a:lstStyle/>
+          <a:p>
+            <a:r>
+              <a:rPr lang="es-ES" sz="1400" dirty="0"/>
+              <a:t>OJO estos son mis repos, te saldrán otros seguramente, pero el de Imagine-Web te debería aparecer</a:t>
+            </a:r>
+          </a:p>
+        </p:txBody>
+      </p:sp>
+      <p:cxnSp>
+        <p:nvCxnSpPr>
+          <p:cNvPr id="15" name="Conector recto de flecha 14">
+            <a:extLst>
+              <a:ext uri="{FF2B5EF4-FFF2-40B4-BE49-F238E27FC236}">
+                <a16:creationId xmlns:a16="http://schemas.microsoft.com/office/drawing/2014/main" id="{CBFFA26C-5378-6002-F2EC-5135D4806587}"/>
+              </a:ext>
+            </a:extLst>
+          </p:cNvPr>
+          <p:cNvCxnSpPr>
+            <a:cxnSpLocks/>
+          </p:cNvCxnSpPr>
+          <p:nvPr/>
+        </p:nvCxnSpPr>
+        <p:spPr>
+          <a:xfrm flipH="1">
+            <a:off x="7747819" y="5738003"/>
+            <a:ext cx="3431458" cy="0"/>
+          </a:xfrm>
+          <a:prstGeom prst="straightConnector1">
+            <a:avLst/>
+          </a:prstGeom>
+          <a:ln w="19050" cap="flat" cmpd="sng" algn="ctr">
+            <a:solidFill>
+              <a:schemeClr val="accent2"/>
+            </a:solidFill>
+            <a:prstDash val="solid"/>
+            <a:round/>
+            <a:headEnd type="none" w="med" len="med"/>
+            <a:tailEnd type="arrow" w="med" len="med"/>
+          </a:ln>
+        </p:spPr>
+        <p:style>
+          <a:lnRef idx="0">
+            <a:scrgbClr r="0" g="0" b="0"/>
+          </a:lnRef>
+          <a:fillRef idx="0">
+            <a:scrgbClr r="0" g="0" b="0"/>
+          </a:fillRef>
+          <a:effectRef idx="0">
+            <a:scrgbClr r="0" g="0" b="0"/>
+          </a:effectRef>
+          <a:fontRef idx="minor">
+            <a:schemeClr val="tx1"/>
+          </a:fontRef>
+        </p:style>
+      </p:cxnSp>
+      <p:sp>
+        <p:nvSpPr>
+          <p:cNvPr id="22" name="CuadroTexto 21">
+            <a:extLst>
+              <a:ext uri="{FF2B5EF4-FFF2-40B4-BE49-F238E27FC236}">
+                <a16:creationId xmlns:a16="http://schemas.microsoft.com/office/drawing/2014/main" id="{ACB685E8-FCE4-0AB0-E0D9-9F7BF1687352}"/>
+              </a:ext>
+            </a:extLst>
+          </p:cNvPr>
+          <p:cNvSpPr txBox="1"/>
+          <p:nvPr/>
+        </p:nvSpPr>
+        <p:spPr>
+          <a:xfrm>
+            <a:off x="9091292" y="4755427"/>
+            <a:ext cx="1920836" cy="923330"/>
+          </a:xfrm>
+          <a:prstGeom prst="rect">
+            <a:avLst/>
+          </a:prstGeom>
+          <a:noFill/>
+        </p:spPr>
+        <p:txBody>
+          <a:bodyPr wrap="square" rtlCol="0">
+            <a:spAutoFit/>
+          </a:bodyPr>
+          <a:lstStyle/>
+          <a:p>
+            <a:r>
+              <a:rPr lang="es-ES" dirty="0"/>
+              <a:t>Sitio donde se guardan los archivos</a:t>
+            </a:r>
+          </a:p>
+        </p:txBody>
+      </p:sp>
       <p:pic>
         <p:nvPicPr>
-          <p:cNvPr id="9" name="Imagen 8">
-            <a:extLst>
-              <a:ext uri="{FF2B5EF4-FFF2-40B4-BE49-F238E27FC236}">
-                <a16:creationId xmlns:a16="http://schemas.microsoft.com/office/drawing/2014/main" id="{7EC18CD9-D4F9-3E62-7540-58EF63075255}"/>
+          <p:cNvPr id="6" name="Imagen 5">
+            <a:extLst>
+              <a:ext uri="{FF2B5EF4-FFF2-40B4-BE49-F238E27FC236}">
+                <a16:creationId xmlns:a16="http://schemas.microsoft.com/office/drawing/2014/main" id="{D84C1458-CE9C-20CA-2B78-39460603F84B}"/>
               </a:ext>
             </a:extLst>
           </p:cNvPr>
@@ -12091,383 +11632,18 @@
         </p:blipFill>
         <p:spPr>
           <a:xfrm>
-            <a:off x="5486401" y="1255605"/>
-            <a:ext cx="5884663" cy="2585994"/>
+            <a:off x="3816897" y="2632348"/>
+            <a:ext cx="3824402" cy="3768617"/>
           </a:xfrm>
           <a:prstGeom prst="rect">
             <a:avLst/>
           </a:prstGeom>
         </p:spPr>
       </p:pic>
-      <p:sp>
-        <p:nvSpPr>
-          <p:cNvPr id="2" name="Título 1">
-            <a:extLst>
-              <a:ext uri="{FF2B5EF4-FFF2-40B4-BE49-F238E27FC236}">
-                <a16:creationId xmlns:a16="http://schemas.microsoft.com/office/drawing/2014/main" id="{81F15BB3-8CB8-E47A-5012-0174BE3A3394}"/>
-              </a:ext>
-            </a:extLst>
-          </p:cNvPr>
-          <p:cNvSpPr>
-            <a:spLocks noGrp="1"/>
-          </p:cNvSpPr>
-          <p:nvPr>
-            <p:ph type="title"/>
-          </p:nvPr>
-        </p:nvSpPr>
-        <p:spPr>
-          <a:xfrm>
-            <a:off x="464574" y="290397"/>
-            <a:ext cx="10515600" cy="1325563"/>
-          </a:xfrm>
-        </p:spPr>
-        <p:txBody>
-          <a:bodyPr/>
-          <a:lstStyle/>
-          <a:p>
-            <a:r>
-              <a:rPr lang="es-ES" dirty="0"/>
-              <a:t>Descargar los archivos</a:t>
-            </a:r>
-          </a:p>
-        </p:txBody>
-      </p:sp>
-      <p:sp>
-        <p:nvSpPr>
-          <p:cNvPr id="3" name="Marcador de contenido 2">
-            <a:extLst>
-              <a:ext uri="{FF2B5EF4-FFF2-40B4-BE49-F238E27FC236}">
-                <a16:creationId xmlns:a16="http://schemas.microsoft.com/office/drawing/2014/main" id="{4C100D81-4968-3F1F-3C07-6DEA0018B370}"/>
-              </a:ext>
-            </a:extLst>
-          </p:cNvPr>
-          <p:cNvSpPr>
-            <a:spLocks noGrp="1"/>
-          </p:cNvSpPr>
-          <p:nvPr>
-            <p:ph idx="1"/>
-          </p:nvPr>
-        </p:nvSpPr>
-        <p:spPr/>
-        <p:txBody>
-          <a:bodyPr>
-            <a:normAutofit fontScale="92500" lnSpcReduction="10000"/>
-          </a:bodyPr>
-          <a:lstStyle/>
-          <a:p>
-            <a:r>
-              <a:rPr lang="es-ES" dirty="0"/>
-              <a:t>Deberías ver algo así:</a:t>
-            </a:r>
-          </a:p>
-          <a:p>
-            <a:endParaRPr lang="es-ES" dirty="0"/>
-          </a:p>
-          <a:p>
-            <a:endParaRPr lang="es-ES" dirty="0"/>
-          </a:p>
-          <a:p>
-            <a:endParaRPr lang="es-ES" dirty="0"/>
-          </a:p>
-          <a:p>
-            <a:endParaRPr lang="es-ES" dirty="0"/>
-          </a:p>
-          <a:p>
-            <a:r>
-              <a:rPr lang="es-ES" dirty="0" err="1">
-                <a:latin typeface="Consolas" panose="020B0609020204030204" pitchFamily="49" charset="0"/>
-              </a:rPr>
-              <a:t>imagine_HTML</a:t>
-            </a:r>
-            <a:r>
-              <a:rPr lang="es-ES" dirty="0">
-                <a:latin typeface="Consolas" panose="020B0609020204030204" pitchFamily="49" charset="0"/>
-              </a:rPr>
-              <a:t> </a:t>
-            </a:r>
-            <a:r>
-              <a:rPr lang="es-ES" dirty="0"/>
-              <a:t>es una carpeta en la que se guarda la imagen HTML de la web. </a:t>
-            </a:r>
-          </a:p>
-          <a:p>
-            <a:r>
-              <a:rPr lang="es-ES" dirty="0" err="1">
-                <a:latin typeface="Consolas" panose="020B0609020204030204" pitchFamily="49" charset="0"/>
-              </a:rPr>
-              <a:t>imagine_WP</a:t>
-            </a:r>
-            <a:r>
-              <a:rPr lang="es-ES" dirty="0">
-                <a:latin typeface="Consolas" panose="020B0609020204030204" pitchFamily="49" charset="0"/>
-              </a:rPr>
-              <a:t> </a:t>
-            </a:r>
-            <a:r>
-              <a:rPr lang="es-ES" dirty="0"/>
-              <a:t>es un .zip que contiene todos los archivos necesarios para importar la web en formato WordPress, que sí es modificable</a:t>
-            </a:r>
-          </a:p>
-          <a:p>
-            <a:r>
-              <a:rPr lang="es-ES" dirty="0" err="1">
-                <a:latin typeface="Consolas" panose="020B0609020204030204" pitchFamily="49" charset="0"/>
-              </a:rPr>
-              <a:t>docs</a:t>
-            </a:r>
-            <a:r>
-              <a:rPr lang="es-ES" dirty="0"/>
-              <a:t> es una carpeta en la que se tiene el HTML ejecutando</a:t>
-            </a:r>
-          </a:p>
-        </p:txBody>
-      </p:sp>
-      <p:cxnSp>
-        <p:nvCxnSpPr>
-          <p:cNvPr id="11" name="Conector recto de flecha 10">
-            <a:extLst>
-              <a:ext uri="{FF2B5EF4-FFF2-40B4-BE49-F238E27FC236}">
-                <a16:creationId xmlns:a16="http://schemas.microsoft.com/office/drawing/2014/main" id="{262631B6-6CD2-50C0-188C-19658B6D3ECE}"/>
-              </a:ext>
-            </a:extLst>
-          </p:cNvPr>
-          <p:cNvCxnSpPr>
-            <a:cxnSpLocks/>
-            <a:endCxn id="18" idx="2"/>
-          </p:cNvCxnSpPr>
-          <p:nvPr/>
-        </p:nvCxnSpPr>
-        <p:spPr>
-          <a:xfrm flipV="1">
-            <a:off x="7724496" y="1045940"/>
-            <a:ext cx="1267161" cy="1948249"/>
-          </a:xfrm>
-          <a:prstGeom prst="straightConnector1">
-            <a:avLst/>
-          </a:prstGeom>
-          <a:ln>
-            <a:tailEnd type="triangle"/>
-          </a:ln>
-        </p:spPr>
-        <p:style>
-          <a:lnRef idx="2">
-            <a:schemeClr val="accent1"/>
-          </a:lnRef>
-          <a:fillRef idx="0">
-            <a:schemeClr val="accent1"/>
-          </a:fillRef>
-          <a:effectRef idx="1">
-            <a:schemeClr val="accent1"/>
-          </a:effectRef>
-          <a:fontRef idx="minor">
-            <a:schemeClr val="tx1"/>
-          </a:fontRef>
-        </p:style>
-      </p:cxnSp>
-      <p:cxnSp>
-        <p:nvCxnSpPr>
-          <p:cNvPr id="12" name="Conector recto de flecha 11">
-            <a:extLst>
-              <a:ext uri="{FF2B5EF4-FFF2-40B4-BE49-F238E27FC236}">
-                <a16:creationId xmlns:a16="http://schemas.microsoft.com/office/drawing/2014/main" id="{73333E04-0C27-08FD-0715-F395886DAFDD}"/>
-              </a:ext>
-            </a:extLst>
-          </p:cNvPr>
-          <p:cNvCxnSpPr>
-            <a:cxnSpLocks/>
-            <a:endCxn id="17" idx="2"/>
-          </p:cNvCxnSpPr>
-          <p:nvPr/>
-        </p:nvCxnSpPr>
-        <p:spPr>
-          <a:xfrm flipV="1">
-            <a:off x="7777316" y="1004202"/>
-            <a:ext cx="3087329" cy="2515746"/>
-          </a:xfrm>
-          <a:prstGeom prst="straightConnector1">
-            <a:avLst/>
-          </a:prstGeom>
-          <a:ln>
-            <a:tailEnd type="triangle"/>
-          </a:ln>
-        </p:spPr>
-        <p:style>
-          <a:lnRef idx="2">
-            <a:schemeClr val="accent1"/>
-          </a:lnRef>
-          <a:fillRef idx="0">
-            <a:schemeClr val="accent1"/>
-          </a:fillRef>
-          <a:effectRef idx="1">
-            <a:schemeClr val="accent1"/>
-          </a:effectRef>
-          <a:fontRef idx="minor">
-            <a:schemeClr val="tx1"/>
-          </a:fontRef>
-        </p:style>
-      </p:cxnSp>
-      <p:sp>
-        <p:nvSpPr>
-          <p:cNvPr id="17" name="CuadroTexto 16">
-            <a:extLst>
-              <a:ext uri="{FF2B5EF4-FFF2-40B4-BE49-F238E27FC236}">
-                <a16:creationId xmlns:a16="http://schemas.microsoft.com/office/drawing/2014/main" id="{CE6B0215-4664-CA00-21EC-1D74356681B1}"/>
-              </a:ext>
-            </a:extLst>
-          </p:cNvPr>
-          <p:cNvSpPr txBox="1"/>
-          <p:nvPr/>
-        </p:nvSpPr>
-        <p:spPr>
-          <a:xfrm>
-            <a:off x="9753600" y="357871"/>
-            <a:ext cx="2222090" cy="646331"/>
-          </a:xfrm>
-          <a:prstGeom prst="rect">
-            <a:avLst/>
-          </a:prstGeom>
-          <a:noFill/>
-        </p:spPr>
-        <p:txBody>
-          <a:bodyPr wrap="square" rtlCol="0">
-            <a:spAutoFit/>
-          </a:bodyPr>
-          <a:lstStyle/>
-          <a:p>
-            <a:r>
-              <a:rPr lang="es-ES" dirty="0"/>
-              <a:t>.zip que contiene el WordPress</a:t>
-            </a:r>
-          </a:p>
-        </p:txBody>
-      </p:sp>
-      <p:sp>
-        <p:nvSpPr>
-          <p:cNvPr id="18" name="CuadroTexto 17">
-            <a:extLst>
-              <a:ext uri="{FF2B5EF4-FFF2-40B4-BE49-F238E27FC236}">
-                <a16:creationId xmlns:a16="http://schemas.microsoft.com/office/drawing/2014/main" id="{421A5965-A9D2-D800-1606-7D964EDB2821}"/>
-              </a:ext>
-            </a:extLst>
-          </p:cNvPr>
-          <p:cNvSpPr txBox="1"/>
-          <p:nvPr/>
-        </p:nvSpPr>
-        <p:spPr>
-          <a:xfrm>
-            <a:off x="7880612" y="399609"/>
-            <a:ext cx="2222090" cy="646331"/>
-          </a:xfrm>
-          <a:prstGeom prst="rect">
-            <a:avLst/>
-          </a:prstGeom>
-          <a:noFill/>
-        </p:spPr>
-        <p:txBody>
-          <a:bodyPr wrap="square" rtlCol="0">
-            <a:spAutoFit/>
-          </a:bodyPr>
-          <a:lstStyle/>
-          <a:p>
-            <a:r>
-              <a:rPr lang="es-ES" dirty="0"/>
-              <a:t>Carpeta que contiene el .</a:t>
-            </a:r>
-            <a:r>
-              <a:rPr lang="es-ES" dirty="0" err="1"/>
-              <a:t>html</a:t>
-            </a:r>
-            <a:endParaRPr lang="es-ES" dirty="0"/>
-          </a:p>
-        </p:txBody>
-      </p:sp>
-      <p:sp>
-        <p:nvSpPr>
-          <p:cNvPr id="19" name="CuadroTexto 18">
-            <a:extLst>
-              <a:ext uri="{FF2B5EF4-FFF2-40B4-BE49-F238E27FC236}">
-                <a16:creationId xmlns:a16="http://schemas.microsoft.com/office/drawing/2014/main" id="{1DFBF1BB-3C32-168D-39F2-5AEAF44F41B1}"/>
-              </a:ext>
-            </a:extLst>
-          </p:cNvPr>
-          <p:cNvSpPr txBox="1"/>
-          <p:nvPr/>
-        </p:nvSpPr>
-        <p:spPr>
-          <a:xfrm>
-            <a:off x="5889580" y="420478"/>
-            <a:ext cx="2106561" cy="646331"/>
-          </a:xfrm>
-          <a:prstGeom prst="rect">
-            <a:avLst/>
-          </a:prstGeom>
-          <a:noFill/>
-        </p:spPr>
-        <p:txBody>
-          <a:bodyPr wrap="square" rtlCol="0">
-            <a:spAutoFit/>
-          </a:bodyPr>
-          <a:lstStyle/>
-          <a:p>
-            <a:r>
-              <a:rPr lang="es-ES" dirty="0"/>
-              <a:t>Carpeta que pone </a:t>
-            </a:r>
-          </a:p>
-          <a:p>
-            <a:r>
-              <a:rPr lang="es-ES" dirty="0"/>
-              <a:t>la web online</a:t>
-            </a:r>
-          </a:p>
-        </p:txBody>
-      </p:sp>
-      <p:cxnSp>
-        <p:nvCxnSpPr>
-          <p:cNvPr id="20" name="Conector recto de flecha 19">
-            <a:extLst>
-              <a:ext uri="{FF2B5EF4-FFF2-40B4-BE49-F238E27FC236}">
-                <a16:creationId xmlns:a16="http://schemas.microsoft.com/office/drawing/2014/main" id="{9BF36371-119C-FC47-59CC-DE332595DA03}"/>
-              </a:ext>
-            </a:extLst>
-          </p:cNvPr>
-          <p:cNvCxnSpPr>
-            <a:cxnSpLocks/>
-            <a:endCxn id="19" idx="2"/>
-          </p:cNvCxnSpPr>
-          <p:nvPr/>
-        </p:nvCxnSpPr>
-        <p:spPr>
-          <a:xfrm flipH="1" flipV="1">
-            <a:off x="6942861" y="1066809"/>
-            <a:ext cx="195358" cy="1514359"/>
-          </a:xfrm>
-          <a:prstGeom prst="straightConnector1">
-            <a:avLst/>
-          </a:prstGeom>
-          <a:ln>
-            <a:tailEnd type="triangle"/>
-          </a:ln>
-        </p:spPr>
-        <p:style>
-          <a:lnRef idx="2">
-            <a:schemeClr val="accent1"/>
-          </a:lnRef>
-          <a:fillRef idx="0">
-            <a:schemeClr val="accent1"/>
-          </a:fillRef>
-          <a:effectRef idx="1">
-            <a:schemeClr val="accent1"/>
-          </a:effectRef>
-          <a:fontRef idx="minor">
-            <a:schemeClr val="tx1"/>
-          </a:fontRef>
-        </p:style>
-      </p:cxnSp>
     </p:spTree>
     <p:extLst>
       <p:ext uri="{BB962C8B-B14F-4D97-AF65-F5344CB8AC3E}">
-        <p14:creationId xmlns:p14="http://schemas.microsoft.com/office/powerpoint/2010/main" val="1185011206"/>
+        <p14:creationId xmlns:p14="http://schemas.microsoft.com/office/powerpoint/2010/main" val="1597096605"/>
       </p:ext>
     </p:extLst>
   </p:cSld>
@@ -12496,10 +11672,10 @@
       </p:grpSpPr>
       <p:pic>
         <p:nvPicPr>
-          <p:cNvPr id="13" name="Imagen 12">
-            <a:extLst>
-              <a:ext uri="{FF2B5EF4-FFF2-40B4-BE49-F238E27FC236}">
-                <a16:creationId xmlns:a16="http://schemas.microsoft.com/office/drawing/2014/main" id="{1ACC8470-E291-CB2B-9D9B-7331ECF5DD76}"/>
+          <p:cNvPr id="5" name="Imagen 4">
+            <a:extLst>
+              <a:ext uri="{FF2B5EF4-FFF2-40B4-BE49-F238E27FC236}">
+                <a16:creationId xmlns:a16="http://schemas.microsoft.com/office/drawing/2014/main" id="{22154DF6-C82D-D801-499F-176BBA9357E2}"/>
               </a:ext>
             </a:extLst>
           </p:cNvPr>
@@ -12516,8 +11692,8 @@
         </p:blipFill>
         <p:spPr>
           <a:xfrm>
-            <a:off x="957769" y="3381384"/>
-            <a:ext cx="5733959" cy="3378671"/>
+            <a:off x="4712027" y="1999360"/>
+            <a:ext cx="6846761" cy="1989657"/>
           </a:xfrm>
           <a:prstGeom prst="rect">
             <a:avLst/>
@@ -12529,7 +11705,7 @@
           <p:cNvPr id="2" name="Título 1">
             <a:extLst>
               <a:ext uri="{FF2B5EF4-FFF2-40B4-BE49-F238E27FC236}">
-                <a16:creationId xmlns:a16="http://schemas.microsoft.com/office/drawing/2014/main" id="{0E03EE7D-86D0-4E1E-FF27-D8259C2C8E8F}"/>
+                <a16:creationId xmlns:a16="http://schemas.microsoft.com/office/drawing/2014/main" id="{81F15BB3-8CB8-E47A-5012-0174BE3A3394}"/>
               </a:ext>
             </a:extLst>
           </p:cNvPr>
@@ -12540,14 +11716,19 @@
             <p:ph type="title"/>
           </p:nvPr>
         </p:nvSpPr>
-        <p:spPr/>
+        <p:spPr>
+          <a:xfrm>
+            <a:off x="464574" y="290397"/>
+            <a:ext cx="10515600" cy="1325563"/>
+          </a:xfrm>
+        </p:spPr>
         <p:txBody>
           <a:bodyPr/>
           <a:lstStyle/>
           <a:p>
             <a:r>
               <a:rPr lang="es-ES" dirty="0"/>
-              <a:t>Actualizar los archivos</a:t>
+              <a:t>Descargar los archivos</a:t>
             </a:r>
           </a:p>
         </p:txBody>
@@ -12557,7 +11738,7 @@
           <p:cNvPr id="3" name="Marcador de contenido 2">
             <a:extLst>
               <a:ext uri="{FF2B5EF4-FFF2-40B4-BE49-F238E27FC236}">
-                <a16:creationId xmlns:a16="http://schemas.microsoft.com/office/drawing/2014/main" id="{F3EF5D90-4F67-2EB5-E877-88F602F556C4}"/>
+                <a16:creationId xmlns:a16="http://schemas.microsoft.com/office/drawing/2014/main" id="{4C100D81-4968-3F1F-3C07-6DEA0018B370}"/>
               </a:ext>
             </a:extLst>
           </p:cNvPr>
@@ -12568,96 +11749,81 @@
             <p:ph idx="1"/>
           </p:nvPr>
         </p:nvSpPr>
-        <p:spPr>
-          <a:xfrm>
-            <a:off x="838200" y="1726539"/>
-            <a:ext cx="10515600" cy="1573162"/>
-          </a:xfrm>
-        </p:spPr>
+        <p:spPr/>
         <p:txBody>
           <a:bodyPr>
-            <a:normAutofit fontScale="92500" lnSpcReduction="10000"/>
+            <a:normAutofit/>
           </a:bodyPr>
           <a:lstStyle/>
           <a:p>
             <a:r>
               <a:rPr lang="es-ES" dirty="0"/>
-              <a:t>Si ya tienes la carpeta Imagine-Web descargada en tu ordenador, deberás actualizarla a la versión más reciente (si no, hay </a:t>
-            </a:r>
-            <a:r>
-              <a:rPr lang="es-ES" dirty="0" err="1"/>
-              <a:t>lios</a:t>
-            </a:r>
-            <a:r>
-              <a:rPr lang="es-ES" dirty="0"/>
-              <a:t>)</a:t>
-            </a:r>
-          </a:p>
-          <a:p>
-            <a:r>
-              <a:rPr lang="es-ES" dirty="0"/>
-              <a:t>Abres la carpeta en cuestión </a:t>
-            </a:r>
-            <a:r>
-              <a:rPr lang="es-ES" dirty="0">
-                <a:sym typeface="Wingdings" panose="05000000000000000000" pitchFamily="2" charset="2"/>
+              <a:t>Deberías ver algo así:</a:t>
+            </a:r>
+          </a:p>
+          <a:p>
+            <a:endParaRPr lang="es-ES" dirty="0"/>
+          </a:p>
+          <a:p>
+            <a:endParaRPr lang="es-ES" dirty="0"/>
+          </a:p>
+          <a:p>
+            <a:endParaRPr lang="es-ES" dirty="0"/>
+          </a:p>
+          <a:p>
+            <a:endParaRPr lang="es-ES" dirty="0"/>
+          </a:p>
+          <a:p>
+            <a:r>
+              <a:rPr lang="es-ES" dirty="0" err="1">
+                <a:latin typeface="Consolas" panose="020B0609020204030204" pitchFamily="49" charset="0"/>
               </a:rPr>
-              <a:t> </a:t>
-            </a:r>
-            <a:r>
-              <a:rPr lang="es-ES" dirty="0" err="1">
-                <a:sym typeface="Wingdings" panose="05000000000000000000" pitchFamily="2" charset="2"/>
-              </a:rPr>
-              <a:t>Click</a:t>
-            </a:r>
-            <a:r>
-              <a:rPr lang="es-ES" dirty="0">
-                <a:sym typeface="Wingdings" panose="05000000000000000000" pitchFamily="2" charset="2"/>
-              </a:rPr>
-              <a:t> dcho. Sobre algo vacío dentro de la carpeta </a:t>
+              <a:t>imagine_WP</a:t>
             </a:r>
             <a:r>
               <a:rPr lang="es-ES" dirty="0">
                 <a:latin typeface="Consolas" panose="020B0609020204030204" pitchFamily="49" charset="0"/>
-                <a:sym typeface="Wingdings" panose="05000000000000000000" pitchFamily="2" charset="2"/>
               </a:rPr>
-              <a:t>Open Git </a:t>
-            </a:r>
+              <a:t> </a:t>
+            </a:r>
+            <a:r>
+              <a:rPr lang="es-ES" dirty="0"/>
+              <a:t>es un .zip que contiene todos los archivos necesarios para importar la web en formato WordPress, que sí es modificable</a:t>
+            </a:r>
+          </a:p>
+          <a:p>
             <a:r>
               <a:rPr lang="es-ES" dirty="0" err="1">
                 <a:latin typeface="Consolas" panose="020B0609020204030204" pitchFamily="49" charset="0"/>
-                <a:sym typeface="Wingdings" panose="05000000000000000000" pitchFamily="2" charset="2"/>
               </a:rPr>
-              <a:t>Bash</a:t>
-            </a:r>
-            <a:endParaRPr lang="es-ES" dirty="0">
-              <a:latin typeface="Consolas" panose="020B0609020204030204" pitchFamily="49" charset="0"/>
-              <a:sym typeface="Wingdings" panose="05000000000000000000" pitchFamily="2" charset="2"/>
-            </a:endParaRPr>
-          </a:p>
-          <a:p>
-            <a:endParaRPr lang="es-ES" dirty="0"/>
+              <a:t>docs</a:t>
+            </a:r>
+            <a:r>
+              <a:rPr lang="es-ES" dirty="0"/>
+              <a:t> es una carpeta en la que se tiene el HTML</a:t>
+            </a:r>
           </a:p>
         </p:txBody>
       </p:sp>
       <p:cxnSp>
         <p:nvCxnSpPr>
-          <p:cNvPr id="9" name="Conector recto de flecha 8">
-            <a:extLst>
-              <a:ext uri="{FF2B5EF4-FFF2-40B4-BE49-F238E27FC236}">
-                <a16:creationId xmlns:a16="http://schemas.microsoft.com/office/drawing/2014/main" id="{9EC2DDC6-D1EC-AE24-98C7-B92D23E9ED13}"/>
+          <p:cNvPr id="11" name="Conector recto de flecha 10">
+            <a:extLst>
+              <a:ext uri="{FF2B5EF4-FFF2-40B4-BE49-F238E27FC236}">
+                <a16:creationId xmlns:a16="http://schemas.microsoft.com/office/drawing/2014/main" id="{262631B6-6CD2-50C0-188C-19658B6D3ECE}"/>
               </a:ext>
             </a:extLst>
           </p:cNvPr>
           <p:cNvCxnSpPr>
             <a:cxnSpLocks/>
+            <a:endCxn id="18" idx="2"/>
           </p:cNvCxnSpPr>
           <p:nvPr/>
         </p:nvCxnSpPr>
         <p:spPr>
-          <a:xfrm flipH="1">
-            <a:off x="4953439" y="3126658"/>
-            <a:ext cx="542793" cy="3228807"/>
+          <a:xfrm flipV="1">
+            <a:off x="5611091" y="1045940"/>
+            <a:ext cx="3380566" cy="1283825"/>
           </a:xfrm>
           <a:prstGeom prst="straightConnector1">
             <a:avLst/>
@@ -12667,123 +11833,39 @@
           </a:ln>
         </p:spPr>
         <p:style>
-          <a:lnRef idx="3">
-            <a:schemeClr val="accent2"/>
+          <a:lnRef idx="2">
+            <a:schemeClr val="accent1"/>
           </a:lnRef>
           <a:fillRef idx="0">
-            <a:schemeClr val="accent2"/>
+            <a:schemeClr val="accent1"/>
           </a:fillRef>
-          <a:effectRef idx="2">
-            <a:schemeClr val="accent2"/>
+          <a:effectRef idx="1">
+            <a:schemeClr val="accent1"/>
           </a:effectRef>
           <a:fontRef idx="minor">
             <a:schemeClr val="tx1"/>
           </a:fontRef>
         </p:style>
       </p:cxnSp>
-      <p:pic>
-        <p:nvPicPr>
-          <p:cNvPr id="11" name="Imagen 10">
-            <a:extLst>
-              <a:ext uri="{FF2B5EF4-FFF2-40B4-BE49-F238E27FC236}">
-                <a16:creationId xmlns:a16="http://schemas.microsoft.com/office/drawing/2014/main" id="{667E99DC-6D47-8728-518E-387E40DAA709}"/>
-              </a:ext>
-            </a:extLst>
-          </p:cNvPr>
-          <p:cNvPicPr>
-            <a:picLocks noChangeAspect="1"/>
-          </p:cNvPicPr>
-          <p:nvPr/>
-        </p:nvPicPr>
-        <p:blipFill>
-          <a:blip r:embed="rId3"/>
-          <a:srcRect r="18356" b="55022"/>
-          <a:stretch>
-            <a:fillRect/>
-          </a:stretch>
-        </p:blipFill>
-        <p:spPr>
-          <a:xfrm>
-            <a:off x="7906238" y="3928695"/>
-            <a:ext cx="3816948" cy="1264509"/>
-          </a:xfrm>
-          <a:prstGeom prst="rect">
-            <a:avLst/>
-          </a:prstGeom>
-        </p:spPr>
-      </p:pic>
-      <p:sp>
-        <p:nvSpPr>
-          <p:cNvPr id="12" name="CuadroTexto 11">
-            <a:extLst>
-              <a:ext uri="{FF2B5EF4-FFF2-40B4-BE49-F238E27FC236}">
-                <a16:creationId xmlns:a16="http://schemas.microsoft.com/office/drawing/2014/main" id="{FC6E0946-0E10-0FDE-2B78-F6F49F6373E3}"/>
-              </a:ext>
-            </a:extLst>
-          </p:cNvPr>
-          <p:cNvSpPr txBox="1"/>
-          <p:nvPr/>
-        </p:nvSpPr>
-        <p:spPr>
-          <a:xfrm>
-            <a:off x="7128387" y="3285193"/>
-            <a:ext cx="3578942" cy="523220"/>
-          </a:xfrm>
-          <a:prstGeom prst="rect">
-            <a:avLst/>
-          </a:prstGeom>
-          <a:noFill/>
-        </p:spPr>
-        <p:txBody>
-          <a:bodyPr wrap="square" rtlCol="0">
-            <a:spAutoFit/>
-          </a:bodyPr>
-          <a:lstStyle/>
-          <a:p>
-            <a:pPr marL="285750" indent="-285750">
-              <a:buFont typeface="Arial" panose="020B0604020202020204" pitchFamily="34" charset="0"/>
-              <a:buChar char="•"/>
-            </a:pPr>
-            <a:r>
-              <a:rPr lang="es-ES" sz="2800" dirty="0"/>
-              <a:t>Ejecutas </a:t>
-            </a:r>
-            <a:r>
-              <a:rPr lang="es-ES" sz="2800" dirty="0">
-                <a:latin typeface="Consolas" panose="020B0609020204030204" pitchFamily="49" charset="0"/>
-              </a:rPr>
-              <a:t>git </a:t>
-            </a:r>
-            <a:r>
-              <a:rPr lang="es-ES" sz="2800" dirty="0" err="1">
-                <a:latin typeface="Consolas" panose="020B0609020204030204" pitchFamily="49" charset="0"/>
-              </a:rPr>
-              <a:t>pull</a:t>
-            </a:r>
-            <a:endParaRPr lang="es-ES" sz="2800" dirty="0">
-              <a:latin typeface="Consolas" panose="020B0609020204030204" pitchFamily="49" charset="0"/>
-            </a:endParaRPr>
-          </a:p>
-        </p:txBody>
-      </p:sp>
       <p:cxnSp>
         <p:nvCxnSpPr>
-          <p:cNvPr id="14" name="Conector recto de flecha 13">
-            <a:extLst>
-              <a:ext uri="{FF2B5EF4-FFF2-40B4-BE49-F238E27FC236}">
-                <a16:creationId xmlns:a16="http://schemas.microsoft.com/office/drawing/2014/main" id="{9E9FC866-FC56-505A-B525-CAACA1EE9C1D}"/>
+          <p:cNvPr id="12" name="Conector recto de flecha 11">
+            <a:extLst>
+              <a:ext uri="{FF2B5EF4-FFF2-40B4-BE49-F238E27FC236}">
+                <a16:creationId xmlns:a16="http://schemas.microsoft.com/office/drawing/2014/main" id="{73333E04-0C27-08FD-0715-F395886DAFDD}"/>
               </a:ext>
             </a:extLst>
           </p:cNvPr>
           <p:cNvCxnSpPr>
             <a:cxnSpLocks/>
+            <a:endCxn id="17" idx="2"/>
           </p:cNvCxnSpPr>
           <p:nvPr/>
         </p:nvCxnSpPr>
         <p:spPr>
           <a:xfrm flipV="1">
-            <a:off x="5496232" y="4709652"/>
-            <a:ext cx="2212258" cy="1543367"/>
+            <a:off x="5948516" y="1004202"/>
+            <a:ext cx="4916129" cy="2564908"/>
           </a:xfrm>
           <a:prstGeom prst="straightConnector1">
             <a:avLst/>
@@ -12793,56 +11875,26 @@
           </a:ln>
         </p:spPr>
         <p:style>
-          <a:lnRef idx="3">
-            <a:schemeClr val="accent2"/>
+          <a:lnRef idx="2">
+            <a:schemeClr val="accent1"/>
           </a:lnRef>
           <a:fillRef idx="0">
-            <a:schemeClr val="accent2"/>
+            <a:schemeClr val="accent1"/>
           </a:fillRef>
-          <a:effectRef idx="2">
-            <a:schemeClr val="accent2"/>
+          <a:effectRef idx="1">
+            <a:schemeClr val="accent1"/>
           </a:effectRef>
           <a:fontRef idx="minor">
             <a:schemeClr val="tx1"/>
           </a:fontRef>
         </p:style>
       </p:cxnSp>
-      <p:pic>
-        <p:nvPicPr>
-          <p:cNvPr id="17" name="Imagen 16">
-            <a:extLst>
-              <a:ext uri="{FF2B5EF4-FFF2-40B4-BE49-F238E27FC236}">
-                <a16:creationId xmlns:a16="http://schemas.microsoft.com/office/drawing/2014/main" id="{FBCCF7F0-6CDD-32DA-B495-B267FE12B309}"/>
-              </a:ext>
-            </a:extLst>
-          </p:cNvPr>
-          <p:cNvPicPr>
-            <a:picLocks noChangeAspect="1"/>
-          </p:cNvPicPr>
-          <p:nvPr/>
-        </p:nvPicPr>
-        <p:blipFill>
-          <a:blip r:embed="rId4"/>
-          <a:stretch>
-            <a:fillRect/>
-          </a:stretch>
-        </p:blipFill>
-        <p:spPr>
-          <a:xfrm>
-            <a:off x="7617042" y="6060149"/>
-            <a:ext cx="3781953" cy="590632"/>
-          </a:xfrm>
-          <a:prstGeom prst="rect">
-            <a:avLst/>
-          </a:prstGeom>
-        </p:spPr>
-      </p:pic>
-      <p:sp>
-        <p:nvSpPr>
-          <p:cNvPr id="19" name="CuadroTexto 18">
-            <a:extLst>
-              <a:ext uri="{FF2B5EF4-FFF2-40B4-BE49-F238E27FC236}">
-                <a16:creationId xmlns:a16="http://schemas.microsoft.com/office/drawing/2014/main" id="{5F36255F-B9F5-F755-BEE5-15286BC9C280}"/>
+      <p:sp>
+        <p:nvSpPr>
+          <p:cNvPr id="17" name="CuadroTexto 16">
+            <a:extLst>
+              <a:ext uri="{FF2B5EF4-FFF2-40B4-BE49-F238E27FC236}">
+                <a16:creationId xmlns:a16="http://schemas.microsoft.com/office/drawing/2014/main" id="{CE6B0215-4664-CA00-21EC-1D74356681B1}"/>
               </a:ext>
             </a:extLst>
           </p:cNvPr>
@@ -12851,8 +11903,8 @@
         </p:nvSpPr>
         <p:spPr>
           <a:xfrm>
-            <a:off x="7128387" y="5307613"/>
-            <a:ext cx="4829252" cy="830997"/>
+            <a:off x="9753600" y="357871"/>
+            <a:ext cx="2222090" cy="646331"/>
           </a:xfrm>
           <a:prstGeom prst="rect">
             <a:avLst/>
@@ -12865,47 +11917,57 @@
           </a:bodyPr>
           <a:lstStyle/>
           <a:p>
-            <a:pPr marL="285750" indent="-285750">
-              <a:buFont typeface="Arial" panose="020B0604020202020204" pitchFamily="34" charset="0"/>
-              <a:buChar char="•"/>
-            </a:pPr>
-            <a:r>
-              <a:rPr lang="es-ES" sz="2400" dirty="0"/>
-              <a:t>Si salió todo bien deberá poner </a:t>
-            </a:r>
-          </a:p>
-          <a:p>
-            <a:r>
-              <a:rPr lang="es-ES" sz="2400" dirty="0" err="1">
-                <a:latin typeface="Consolas" panose="020B0609020204030204" pitchFamily="49" charset="0"/>
-              </a:rPr>
-              <a:t>Already</a:t>
-            </a:r>
-            <a:r>
-              <a:rPr lang="es-ES" sz="2400" dirty="0">
-                <a:latin typeface="Consolas" panose="020B0609020204030204" pitchFamily="49" charset="0"/>
-              </a:rPr>
-              <a:t> up </a:t>
-            </a:r>
-            <a:r>
-              <a:rPr lang="es-ES" sz="2400" dirty="0" err="1">
-                <a:latin typeface="Consolas" panose="020B0609020204030204" pitchFamily="49" charset="0"/>
-              </a:rPr>
-              <a:t>to</a:t>
-            </a:r>
-            <a:r>
-              <a:rPr lang="es-ES" sz="2400" dirty="0">
-                <a:latin typeface="Consolas" panose="020B0609020204030204" pitchFamily="49" charset="0"/>
-              </a:rPr>
-              <a:t> date</a:t>
-            </a:r>
+            <a:r>
+              <a:rPr lang="es-ES" dirty="0"/>
+              <a:t>.zip que contiene el WordPress</a:t>
+            </a:r>
+          </a:p>
+        </p:txBody>
+      </p:sp>
+      <p:sp>
+        <p:nvSpPr>
+          <p:cNvPr id="18" name="CuadroTexto 17">
+            <a:extLst>
+              <a:ext uri="{FF2B5EF4-FFF2-40B4-BE49-F238E27FC236}">
+                <a16:creationId xmlns:a16="http://schemas.microsoft.com/office/drawing/2014/main" id="{421A5965-A9D2-D800-1606-7D964EDB2821}"/>
+              </a:ext>
+            </a:extLst>
+          </p:cNvPr>
+          <p:cNvSpPr txBox="1"/>
+          <p:nvPr/>
+        </p:nvSpPr>
+        <p:spPr>
+          <a:xfrm>
+            <a:off x="7880612" y="399609"/>
+            <a:ext cx="2222090" cy="646331"/>
+          </a:xfrm>
+          <a:prstGeom prst="rect">
+            <a:avLst/>
+          </a:prstGeom>
+          <a:noFill/>
+        </p:spPr>
+        <p:txBody>
+          <a:bodyPr wrap="square" rtlCol="0">
+            <a:spAutoFit/>
+          </a:bodyPr>
+          <a:lstStyle/>
+          <a:p>
+            <a:r>
+              <a:rPr lang="es-ES" dirty="0"/>
+              <a:t>Carpeta que contiene el .</a:t>
+            </a:r>
+            <a:r>
+              <a:rPr lang="es-ES" dirty="0" err="1"/>
+              <a:t>html</a:t>
+            </a:r>
+            <a:endParaRPr lang="es-ES" dirty="0"/>
           </a:p>
         </p:txBody>
       </p:sp>
     </p:spTree>
     <p:extLst>
       <p:ext uri="{BB962C8B-B14F-4D97-AF65-F5344CB8AC3E}">
-        <p14:creationId xmlns:p14="http://schemas.microsoft.com/office/powerpoint/2010/main" val="3215324944"/>
+        <p14:creationId xmlns:p14="http://schemas.microsoft.com/office/powerpoint/2010/main" val="1185011206"/>
       </p:ext>
     </p:extLst>
   </p:cSld>
